--- a/doc/testbench.pptx
+++ b/doc/testbench.pptx
@@ -7,6 +7,7 @@
   <p:sldIdLst>
     <p:sldId id="262" r:id="rId2"/>
     <p:sldId id="256" r:id="rId3"/>
+    <p:sldId id="263" r:id="rId4"/>
   </p:sldIdLst>
   <p:sldSz cx="12192000" cy="6858000"/>
   <p:notesSz cx="6858000" cy="9144000"/>
@@ -1597,6 +1598,753 @@
   <dgm:styleLbl name="revTx">
     <dgm:fillClrLst meth="repeat">
       <a:schemeClr val="lt2">
+        <a:alpha val="0"/>
+      </a:schemeClr>
+    </dgm:fillClrLst>
+    <dgm:linClrLst meth="repeat">
+      <a:schemeClr val="dk1">
+        <a:alpha val="0"/>
+      </a:schemeClr>
+    </dgm:linClrLst>
+    <dgm:effectClrLst/>
+    <dgm:txLinClrLst/>
+    <dgm:txFillClrLst meth="repeat">
+      <a:schemeClr val="tx1"/>
+    </dgm:txFillClrLst>
+    <dgm:txEffectClrLst/>
+  </dgm:styleLbl>
+</dgm:colorsDef>
+</file>
+
+<file path=ppt/diagrams/colors3.xml><?xml version="1.0" encoding="utf-8"?>
+<dgm:colorsDef xmlns:dgm="http://schemas.openxmlformats.org/drawingml/2006/diagram" xmlns:a="http://schemas.openxmlformats.org/drawingml/2006/main" uniqueId="urn:microsoft.com/office/officeart/2005/8/colors/accent1_2">
+  <dgm:title val=""/>
+  <dgm:desc val=""/>
+  <dgm:catLst>
+    <dgm:cat type="accent1" pri="11200"/>
+  </dgm:catLst>
+  <dgm:styleLbl name="node0">
+    <dgm:fillClrLst meth="repeat">
+      <a:schemeClr val="accent1"/>
+    </dgm:fillClrLst>
+    <dgm:linClrLst meth="repeat">
+      <a:schemeClr val="lt1"/>
+    </dgm:linClrLst>
+    <dgm:effectClrLst/>
+    <dgm:txLinClrLst/>
+    <dgm:txFillClrLst/>
+    <dgm:txEffectClrLst/>
+  </dgm:styleLbl>
+  <dgm:styleLbl name="alignNode1">
+    <dgm:fillClrLst meth="repeat">
+      <a:schemeClr val="accent1"/>
+    </dgm:fillClrLst>
+    <dgm:linClrLst meth="repeat">
+      <a:schemeClr val="accent1"/>
+    </dgm:linClrLst>
+    <dgm:effectClrLst/>
+    <dgm:txLinClrLst/>
+    <dgm:txFillClrLst/>
+    <dgm:txEffectClrLst/>
+  </dgm:styleLbl>
+  <dgm:styleLbl name="node1">
+    <dgm:fillClrLst meth="repeat">
+      <a:schemeClr val="accent1"/>
+    </dgm:fillClrLst>
+    <dgm:linClrLst meth="repeat">
+      <a:schemeClr val="lt1"/>
+    </dgm:linClrLst>
+    <dgm:effectClrLst/>
+    <dgm:txLinClrLst/>
+    <dgm:txFillClrLst/>
+    <dgm:txEffectClrLst/>
+  </dgm:styleLbl>
+  <dgm:styleLbl name="lnNode1">
+    <dgm:fillClrLst meth="repeat">
+      <a:schemeClr val="accent1"/>
+    </dgm:fillClrLst>
+    <dgm:linClrLst meth="repeat">
+      <a:schemeClr val="lt1"/>
+    </dgm:linClrLst>
+    <dgm:effectClrLst/>
+    <dgm:txLinClrLst/>
+    <dgm:txFillClrLst/>
+    <dgm:txEffectClrLst/>
+  </dgm:styleLbl>
+  <dgm:styleLbl name="vennNode1">
+    <dgm:fillClrLst meth="repeat">
+      <a:schemeClr val="accent1">
+        <a:alpha val="50000"/>
+      </a:schemeClr>
+    </dgm:fillClrLst>
+    <dgm:linClrLst meth="repeat">
+      <a:schemeClr val="lt1"/>
+    </dgm:linClrLst>
+    <dgm:effectClrLst/>
+    <dgm:txLinClrLst/>
+    <dgm:txFillClrLst/>
+    <dgm:txEffectClrLst/>
+  </dgm:styleLbl>
+  <dgm:styleLbl name="node2">
+    <dgm:fillClrLst meth="repeat">
+      <a:schemeClr val="accent1"/>
+    </dgm:fillClrLst>
+    <dgm:linClrLst meth="repeat">
+      <a:schemeClr val="lt1"/>
+    </dgm:linClrLst>
+    <dgm:effectClrLst/>
+    <dgm:txLinClrLst/>
+    <dgm:txFillClrLst/>
+    <dgm:txEffectClrLst/>
+  </dgm:styleLbl>
+  <dgm:styleLbl name="node3">
+    <dgm:fillClrLst meth="repeat">
+      <a:schemeClr val="accent1"/>
+    </dgm:fillClrLst>
+    <dgm:linClrLst meth="repeat">
+      <a:schemeClr val="lt1"/>
+    </dgm:linClrLst>
+    <dgm:effectClrLst/>
+    <dgm:txLinClrLst/>
+    <dgm:txFillClrLst/>
+    <dgm:txEffectClrLst/>
+  </dgm:styleLbl>
+  <dgm:styleLbl name="node4">
+    <dgm:fillClrLst meth="repeat">
+      <a:schemeClr val="accent1"/>
+    </dgm:fillClrLst>
+    <dgm:linClrLst meth="repeat">
+      <a:schemeClr val="lt1"/>
+    </dgm:linClrLst>
+    <dgm:effectClrLst/>
+    <dgm:txLinClrLst/>
+    <dgm:txFillClrLst/>
+    <dgm:txEffectClrLst/>
+  </dgm:styleLbl>
+  <dgm:styleLbl name="fgImgPlace1">
+    <dgm:fillClrLst meth="repeat">
+      <a:schemeClr val="accent1">
+        <a:tint val="50000"/>
+      </a:schemeClr>
+    </dgm:fillClrLst>
+    <dgm:linClrLst meth="repeat">
+      <a:schemeClr val="lt1"/>
+    </dgm:linClrLst>
+    <dgm:effectClrLst/>
+    <dgm:txLinClrLst/>
+    <dgm:txFillClrLst meth="repeat">
+      <a:schemeClr val="lt1"/>
+    </dgm:txFillClrLst>
+    <dgm:txEffectClrLst/>
+  </dgm:styleLbl>
+  <dgm:styleLbl name="alignImgPlace1">
+    <dgm:fillClrLst meth="repeat">
+      <a:schemeClr val="accent1">
+        <a:tint val="50000"/>
+      </a:schemeClr>
+    </dgm:fillClrLst>
+    <dgm:linClrLst meth="repeat">
+      <a:schemeClr val="lt1"/>
+    </dgm:linClrLst>
+    <dgm:effectClrLst/>
+    <dgm:txLinClrLst/>
+    <dgm:txFillClrLst meth="repeat">
+      <a:schemeClr val="lt1"/>
+    </dgm:txFillClrLst>
+    <dgm:txEffectClrLst/>
+  </dgm:styleLbl>
+  <dgm:styleLbl name="bgImgPlace1">
+    <dgm:fillClrLst meth="repeat">
+      <a:schemeClr val="accent1">
+        <a:tint val="50000"/>
+      </a:schemeClr>
+    </dgm:fillClrLst>
+    <dgm:linClrLst meth="repeat">
+      <a:schemeClr val="lt1"/>
+    </dgm:linClrLst>
+    <dgm:effectClrLst/>
+    <dgm:txLinClrLst/>
+    <dgm:txFillClrLst meth="repeat">
+      <a:schemeClr val="lt1"/>
+    </dgm:txFillClrLst>
+    <dgm:txEffectClrLst/>
+  </dgm:styleLbl>
+  <dgm:styleLbl name="sibTrans2D1">
+    <dgm:fillClrLst meth="repeat">
+      <a:schemeClr val="accent1">
+        <a:tint val="60000"/>
+      </a:schemeClr>
+    </dgm:fillClrLst>
+    <dgm:linClrLst meth="repeat">
+      <a:schemeClr val="accent1">
+        <a:tint val="60000"/>
+      </a:schemeClr>
+    </dgm:linClrLst>
+    <dgm:effectClrLst/>
+    <dgm:txLinClrLst/>
+    <dgm:txFillClrLst/>
+    <dgm:txEffectClrLst/>
+  </dgm:styleLbl>
+  <dgm:styleLbl name="fgSibTrans2D1">
+    <dgm:fillClrLst meth="repeat">
+      <a:schemeClr val="accent1">
+        <a:tint val="60000"/>
+      </a:schemeClr>
+    </dgm:fillClrLst>
+    <dgm:linClrLst meth="repeat">
+      <a:schemeClr val="accent1">
+        <a:tint val="60000"/>
+      </a:schemeClr>
+    </dgm:linClrLst>
+    <dgm:effectClrLst/>
+    <dgm:txLinClrLst/>
+    <dgm:txFillClrLst/>
+    <dgm:txEffectClrLst/>
+  </dgm:styleLbl>
+  <dgm:styleLbl name="bgSibTrans2D1">
+    <dgm:fillClrLst meth="repeat">
+      <a:schemeClr val="accent1">
+        <a:tint val="60000"/>
+      </a:schemeClr>
+    </dgm:fillClrLst>
+    <dgm:linClrLst meth="repeat">
+      <a:schemeClr val="accent1">
+        <a:tint val="60000"/>
+      </a:schemeClr>
+    </dgm:linClrLst>
+    <dgm:effectClrLst/>
+    <dgm:txLinClrLst/>
+    <dgm:txFillClrLst/>
+    <dgm:txEffectClrLst/>
+  </dgm:styleLbl>
+  <dgm:styleLbl name="sibTrans1D1">
+    <dgm:fillClrLst meth="repeat">
+      <a:schemeClr val="accent1"/>
+    </dgm:fillClrLst>
+    <dgm:linClrLst meth="repeat">
+      <a:schemeClr val="accent1"/>
+    </dgm:linClrLst>
+    <dgm:effectClrLst/>
+    <dgm:txLinClrLst/>
+    <dgm:txFillClrLst meth="repeat">
+      <a:schemeClr val="tx1"/>
+    </dgm:txFillClrLst>
+    <dgm:txEffectClrLst/>
+  </dgm:styleLbl>
+  <dgm:styleLbl name="callout">
+    <dgm:fillClrLst meth="repeat">
+      <a:schemeClr val="accent1"/>
+    </dgm:fillClrLst>
+    <dgm:linClrLst meth="repeat">
+      <a:schemeClr val="accent1">
+        <a:tint val="50000"/>
+      </a:schemeClr>
+    </dgm:linClrLst>
+    <dgm:effectClrLst/>
+    <dgm:txLinClrLst/>
+    <dgm:txFillClrLst meth="repeat">
+      <a:schemeClr val="tx1"/>
+    </dgm:txFillClrLst>
+    <dgm:txEffectClrLst/>
+  </dgm:styleLbl>
+  <dgm:styleLbl name="asst0">
+    <dgm:fillClrLst meth="repeat">
+      <a:schemeClr val="accent1"/>
+    </dgm:fillClrLst>
+    <dgm:linClrLst meth="repeat">
+      <a:schemeClr val="lt1"/>
+    </dgm:linClrLst>
+    <dgm:effectClrLst/>
+    <dgm:txLinClrLst/>
+    <dgm:txFillClrLst/>
+    <dgm:txEffectClrLst/>
+  </dgm:styleLbl>
+  <dgm:styleLbl name="asst1">
+    <dgm:fillClrLst meth="repeat">
+      <a:schemeClr val="accent1"/>
+    </dgm:fillClrLst>
+    <dgm:linClrLst meth="repeat">
+      <a:schemeClr val="lt1"/>
+    </dgm:linClrLst>
+    <dgm:effectClrLst/>
+    <dgm:txLinClrLst/>
+    <dgm:txFillClrLst/>
+    <dgm:txEffectClrLst/>
+  </dgm:styleLbl>
+  <dgm:styleLbl name="asst2">
+    <dgm:fillClrLst meth="repeat">
+      <a:schemeClr val="accent1"/>
+    </dgm:fillClrLst>
+    <dgm:linClrLst meth="repeat">
+      <a:schemeClr val="lt1"/>
+    </dgm:linClrLst>
+    <dgm:effectClrLst/>
+    <dgm:txLinClrLst/>
+    <dgm:txFillClrLst/>
+    <dgm:txEffectClrLst/>
+  </dgm:styleLbl>
+  <dgm:styleLbl name="asst3">
+    <dgm:fillClrLst meth="repeat">
+      <a:schemeClr val="accent1"/>
+    </dgm:fillClrLst>
+    <dgm:linClrLst meth="repeat">
+      <a:schemeClr val="lt1"/>
+    </dgm:linClrLst>
+    <dgm:effectClrLst/>
+    <dgm:txLinClrLst/>
+    <dgm:txFillClrLst/>
+    <dgm:txEffectClrLst/>
+  </dgm:styleLbl>
+  <dgm:styleLbl name="asst4">
+    <dgm:fillClrLst meth="repeat">
+      <a:schemeClr val="accent1"/>
+    </dgm:fillClrLst>
+    <dgm:linClrLst meth="repeat">
+      <a:schemeClr val="lt1"/>
+    </dgm:linClrLst>
+    <dgm:effectClrLst/>
+    <dgm:txLinClrLst/>
+    <dgm:txFillClrLst/>
+    <dgm:txEffectClrLst/>
+  </dgm:styleLbl>
+  <dgm:styleLbl name="parChTrans2D1">
+    <dgm:fillClrLst meth="repeat">
+      <a:schemeClr val="accent1">
+        <a:tint val="60000"/>
+      </a:schemeClr>
+    </dgm:fillClrLst>
+    <dgm:linClrLst meth="repeat">
+      <a:schemeClr val="accent1">
+        <a:tint val="60000"/>
+      </a:schemeClr>
+    </dgm:linClrLst>
+    <dgm:effectClrLst/>
+    <dgm:txLinClrLst/>
+    <dgm:txFillClrLst meth="repeat">
+      <a:schemeClr val="lt1"/>
+    </dgm:txFillClrLst>
+    <dgm:txEffectClrLst/>
+  </dgm:styleLbl>
+  <dgm:styleLbl name="parChTrans2D2">
+    <dgm:fillClrLst meth="repeat">
+      <a:schemeClr val="accent1"/>
+    </dgm:fillClrLst>
+    <dgm:linClrLst meth="repeat">
+      <a:schemeClr val="accent1"/>
+    </dgm:linClrLst>
+    <dgm:effectClrLst/>
+    <dgm:txLinClrLst/>
+    <dgm:txFillClrLst meth="repeat">
+      <a:schemeClr val="lt1"/>
+    </dgm:txFillClrLst>
+    <dgm:txEffectClrLst/>
+  </dgm:styleLbl>
+  <dgm:styleLbl name="parChTrans2D3">
+    <dgm:fillClrLst meth="repeat">
+      <a:schemeClr val="accent1"/>
+    </dgm:fillClrLst>
+    <dgm:linClrLst meth="repeat">
+      <a:schemeClr val="accent1"/>
+    </dgm:linClrLst>
+    <dgm:effectClrLst/>
+    <dgm:txLinClrLst/>
+    <dgm:txFillClrLst meth="repeat">
+      <a:schemeClr val="lt1"/>
+    </dgm:txFillClrLst>
+    <dgm:txEffectClrLst/>
+  </dgm:styleLbl>
+  <dgm:styleLbl name="parChTrans2D4">
+    <dgm:fillClrLst meth="repeat">
+      <a:schemeClr val="accent1"/>
+    </dgm:fillClrLst>
+    <dgm:linClrLst meth="repeat">
+      <a:schemeClr val="accent1"/>
+    </dgm:linClrLst>
+    <dgm:effectClrLst/>
+    <dgm:txLinClrLst/>
+    <dgm:txFillClrLst meth="repeat">
+      <a:schemeClr val="lt1"/>
+    </dgm:txFillClrLst>
+    <dgm:txEffectClrLst/>
+  </dgm:styleLbl>
+  <dgm:styleLbl name="parChTrans1D1">
+    <dgm:fillClrLst meth="repeat">
+      <a:schemeClr val="accent1"/>
+    </dgm:fillClrLst>
+    <dgm:linClrLst meth="repeat">
+      <a:schemeClr val="accent1">
+        <a:shade val="60000"/>
+      </a:schemeClr>
+    </dgm:linClrLst>
+    <dgm:effectClrLst/>
+    <dgm:txLinClrLst/>
+    <dgm:txFillClrLst meth="repeat">
+      <a:schemeClr val="tx1"/>
+    </dgm:txFillClrLst>
+    <dgm:txEffectClrLst/>
+  </dgm:styleLbl>
+  <dgm:styleLbl name="parChTrans1D2">
+    <dgm:fillClrLst meth="repeat">
+      <a:schemeClr val="accent1"/>
+    </dgm:fillClrLst>
+    <dgm:linClrLst meth="repeat">
+      <a:schemeClr val="accent1">
+        <a:shade val="60000"/>
+      </a:schemeClr>
+    </dgm:linClrLst>
+    <dgm:effectClrLst/>
+    <dgm:txLinClrLst/>
+    <dgm:txFillClrLst meth="repeat">
+      <a:schemeClr val="tx1"/>
+    </dgm:txFillClrLst>
+    <dgm:txEffectClrLst/>
+  </dgm:styleLbl>
+  <dgm:styleLbl name="parChTrans1D3">
+    <dgm:fillClrLst meth="repeat">
+      <a:schemeClr val="accent1"/>
+    </dgm:fillClrLst>
+    <dgm:linClrLst meth="repeat">
+      <a:schemeClr val="accent1">
+        <a:shade val="80000"/>
+      </a:schemeClr>
+    </dgm:linClrLst>
+    <dgm:effectClrLst/>
+    <dgm:txLinClrLst/>
+    <dgm:txFillClrLst meth="repeat">
+      <a:schemeClr val="tx1"/>
+    </dgm:txFillClrLst>
+    <dgm:txEffectClrLst/>
+  </dgm:styleLbl>
+  <dgm:styleLbl name="parChTrans1D4">
+    <dgm:fillClrLst meth="repeat">
+      <a:schemeClr val="accent1"/>
+    </dgm:fillClrLst>
+    <dgm:linClrLst meth="repeat">
+      <a:schemeClr val="accent1">
+        <a:shade val="80000"/>
+      </a:schemeClr>
+    </dgm:linClrLst>
+    <dgm:effectClrLst/>
+    <dgm:txLinClrLst/>
+    <dgm:txFillClrLst meth="repeat">
+      <a:schemeClr val="tx1"/>
+    </dgm:txFillClrLst>
+    <dgm:txEffectClrLst/>
+  </dgm:styleLbl>
+  <dgm:styleLbl name="fgAcc1">
+    <dgm:fillClrLst meth="repeat">
+      <a:schemeClr val="lt1">
+        <a:alpha val="90000"/>
+      </a:schemeClr>
+    </dgm:fillClrLst>
+    <dgm:linClrLst meth="repeat">
+      <a:schemeClr val="accent1"/>
+    </dgm:linClrLst>
+    <dgm:effectClrLst/>
+    <dgm:txLinClrLst/>
+    <dgm:txFillClrLst meth="repeat">
+      <a:schemeClr val="dk1"/>
+    </dgm:txFillClrLst>
+    <dgm:txEffectClrLst/>
+  </dgm:styleLbl>
+  <dgm:styleLbl name="conFgAcc1">
+    <dgm:fillClrLst meth="repeat">
+      <a:schemeClr val="lt1">
+        <a:alpha val="90000"/>
+      </a:schemeClr>
+    </dgm:fillClrLst>
+    <dgm:linClrLst meth="repeat">
+      <a:schemeClr val="accent1"/>
+    </dgm:linClrLst>
+    <dgm:effectClrLst/>
+    <dgm:txLinClrLst/>
+    <dgm:txFillClrLst meth="repeat">
+      <a:schemeClr val="dk1"/>
+    </dgm:txFillClrLst>
+    <dgm:txEffectClrLst/>
+  </dgm:styleLbl>
+  <dgm:styleLbl name="alignAcc1">
+    <dgm:fillClrLst meth="repeat">
+      <a:schemeClr val="lt1">
+        <a:alpha val="90000"/>
+      </a:schemeClr>
+    </dgm:fillClrLst>
+    <dgm:linClrLst meth="repeat">
+      <a:schemeClr val="accent1"/>
+    </dgm:linClrLst>
+    <dgm:effectClrLst/>
+    <dgm:txLinClrLst/>
+    <dgm:txFillClrLst meth="repeat">
+      <a:schemeClr val="dk1"/>
+    </dgm:txFillClrLst>
+    <dgm:txEffectClrLst/>
+  </dgm:styleLbl>
+  <dgm:styleLbl name="trAlignAcc1">
+    <dgm:fillClrLst meth="repeat">
+      <a:schemeClr val="lt1">
+        <a:alpha val="40000"/>
+      </a:schemeClr>
+    </dgm:fillClrLst>
+    <dgm:linClrLst meth="repeat">
+      <a:schemeClr val="accent1"/>
+    </dgm:linClrLst>
+    <dgm:effectClrLst/>
+    <dgm:txLinClrLst/>
+    <dgm:txFillClrLst meth="repeat">
+      <a:schemeClr val="dk1"/>
+    </dgm:txFillClrLst>
+    <dgm:txEffectClrLst/>
+  </dgm:styleLbl>
+  <dgm:styleLbl name="bgAcc1">
+    <dgm:fillClrLst meth="repeat">
+      <a:schemeClr val="lt1">
+        <a:alpha val="90000"/>
+      </a:schemeClr>
+    </dgm:fillClrLst>
+    <dgm:linClrLst meth="repeat">
+      <a:schemeClr val="accent1"/>
+    </dgm:linClrLst>
+    <dgm:effectClrLst/>
+    <dgm:txLinClrLst/>
+    <dgm:txFillClrLst meth="repeat">
+      <a:schemeClr val="dk1"/>
+    </dgm:txFillClrLst>
+    <dgm:txEffectClrLst/>
+  </dgm:styleLbl>
+  <dgm:styleLbl name="solidFgAcc1">
+    <dgm:fillClrLst meth="repeat">
+      <a:schemeClr val="lt1"/>
+    </dgm:fillClrLst>
+    <dgm:linClrLst meth="repeat">
+      <a:schemeClr val="accent1"/>
+    </dgm:linClrLst>
+    <dgm:effectClrLst/>
+    <dgm:txLinClrLst/>
+    <dgm:txFillClrLst meth="repeat">
+      <a:schemeClr val="dk1"/>
+    </dgm:txFillClrLst>
+    <dgm:txEffectClrLst/>
+  </dgm:styleLbl>
+  <dgm:styleLbl name="solidAlignAcc1">
+    <dgm:fillClrLst meth="repeat">
+      <a:schemeClr val="lt1"/>
+    </dgm:fillClrLst>
+    <dgm:linClrLst meth="repeat">
+      <a:schemeClr val="accent1"/>
+    </dgm:linClrLst>
+    <dgm:effectClrLst/>
+    <dgm:txLinClrLst/>
+    <dgm:txFillClrLst meth="repeat">
+      <a:schemeClr val="dk1"/>
+    </dgm:txFillClrLst>
+    <dgm:txEffectClrLst/>
+  </dgm:styleLbl>
+  <dgm:styleLbl name="solidBgAcc1">
+    <dgm:fillClrLst meth="repeat">
+      <a:schemeClr val="lt1"/>
+    </dgm:fillClrLst>
+    <dgm:linClrLst meth="repeat">
+      <a:schemeClr val="accent1"/>
+    </dgm:linClrLst>
+    <dgm:effectClrLst/>
+    <dgm:txLinClrLst/>
+    <dgm:txFillClrLst meth="repeat">
+      <a:schemeClr val="dk1"/>
+    </dgm:txFillClrLst>
+    <dgm:txEffectClrLst/>
+  </dgm:styleLbl>
+  <dgm:styleLbl name="fgAccFollowNode1">
+    <dgm:fillClrLst meth="repeat">
+      <a:schemeClr val="accent1">
+        <a:alpha val="90000"/>
+        <a:tint val="40000"/>
+      </a:schemeClr>
+    </dgm:fillClrLst>
+    <dgm:linClrLst meth="repeat">
+      <a:schemeClr val="accent1">
+        <a:alpha val="90000"/>
+        <a:tint val="40000"/>
+      </a:schemeClr>
+    </dgm:linClrLst>
+    <dgm:effectClrLst/>
+    <dgm:txLinClrLst/>
+    <dgm:txFillClrLst meth="repeat">
+      <a:schemeClr val="dk1"/>
+    </dgm:txFillClrLst>
+    <dgm:txEffectClrLst/>
+  </dgm:styleLbl>
+  <dgm:styleLbl name="alignAccFollowNode1">
+    <dgm:fillClrLst meth="repeat">
+      <a:schemeClr val="accent1">
+        <a:alpha val="90000"/>
+        <a:tint val="40000"/>
+      </a:schemeClr>
+    </dgm:fillClrLst>
+    <dgm:linClrLst meth="repeat">
+      <a:schemeClr val="accent1">
+        <a:alpha val="90000"/>
+        <a:tint val="40000"/>
+      </a:schemeClr>
+    </dgm:linClrLst>
+    <dgm:effectClrLst/>
+    <dgm:txLinClrLst/>
+    <dgm:txFillClrLst meth="repeat">
+      <a:schemeClr val="dk1"/>
+    </dgm:txFillClrLst>
+    <dgm:txEffectClrLst/>
+  </dgm:styleLbl>
+  <dgm:styleLbl name="bgAccFollowNode1">
+    <dgm:fillClrLst meth="repeat">
+      <a:schemeClr val="accent1">
+        <a:alpha val="90000"/>
+        <a:tint val="40000"/>
+      </a:schemeClr>
+    </dgm:fillClrLst>
+    <dgm:linClrLst meth="repeat">
+      <a:schemeClr val="accent1">
+        <a:alpha val="90000"/>
+        <a:tint val="40000"/>
+      </a:schemeClr>
+    </dgm:linClrLst>
+    <dgm:effectClrLst/>
+    <dgm:txLinClrLst/>
+    <dgm:txFillClrLst meth="repeat">
+      <a:schemeClr val="dk1"/>
+    </dgm:txFillClrLst>
+    <dgm:txEffectClrLst/>
+  </dgm:styleLbl>
+  <dgm:styleLbl name="fgAcc0">
+    <dgm:fillClrLst meth="repeat">
+      <a:schemeClr val="lt1">
+        <a:alpha val="90000"/>
+      </a:schemeClr>
+    </dgm:fillClrLst>
+    <dgm:linClrLst meth="repeat">
+      <a:schemeClr val="accent1"/>
+    </dgm:linClrLst>
+    <dgm:effectClrLst/>
+    <dgm:txLinClrLst/>
+    <dgm:txFillClrLst meth="repeat">
+      <a:schemeClr val="dk1"/>
+    </dgm:txFillClrLst>
+    <dgm:txEffectClrLst/>
+  </dgm:styleLbl>
+  <dgm:styleLbl name="fgAcc2">
+    <dgm:fillClrLst meth="repeat">
+      <a:schemeClr val="lt1">
+        <a:alpha val="90000"/>
+      </a:schemeClr>
+    </dgm:fillClrLst>
+    <dgm:linClrLst meth="repeat">
+      <a:schemeClr val="accent1"/>
+    </dgm:linClrLst>
+    <dgm:effectClrLst/>
+    <dgm:txLinClrLst/>
+    <dgm:txFillClrLst meth="repeat">
+      <a:schemeClr val="dk1"/>
+    </dgm:txFillClrLst>
+    <dgm:txEffectClrLst/>
+  </dgm:styleLbl>
+  <dgm:styleLbl name="fgAcc3">
+    <dgm:fillClrLst meth="repeat">
+      <a:schemeClr val="lt1">
+        <a:alpha val="90000"/>
+      </a:schemeClr>
+    </dgm:fillClrLst>
+    <dgm:linClrLst meth="repeat">
+      <a:schemeClr val="accent1"/>
+    </dgm:linClrLst>
+    <dgm:effectClrLst/>
+    <dgm:txLinClrLst/>
+    <dgm:txFillClrLst meth="repeat">
+      <a:schemeClr val="dk1"/>
+    </dgm:txFillClrLst>
+    <dgm:txEffectClrLst/>
+  </dgm:styleLbl>
+  <dgm:styleLbl name="fgAcc4">
+    <dgm:fillClrLst meth="repeat">
+      <a:schemeClr val="lt1">
+        <a:alpha val="90000"/>
+      </a:schemeClr>
+    </dgm:fillClrLst>
+    <dgm:linClrLst meth="repeat">
+      <a:schemeClr val="accent1"/>
+    </dgm:linClrLst>
+    <dgm:effectClrLst/>
+    <dgm:txLinClrLst/>
+    <dgm:txFillClrLst meth="repeat">
+      <a:schemeClr val="dk1"/>
+    </dgm:txFillClrLst>
+    <dgm:txEffectClrLst/>
+  </dgm:styleLbl>
+  <dgm:styleLbl name="bgShp">
+    <dgm:fillClrLst meth="repeat">
+      <a:schemeClr val="accent1">
+        <a:tint val="40000"/>
+      </a:schemeClr>
+    </dgm:fillClrLst>
+    <dgm:linClrLst meth="repeat">
+      <a:schemeClr val="accent1"/>
+    </dgm:linClrLst>
+    <dgm:effectClrLst/>
+    <dgm:txLinClrLst/>
+    <dgm:txFillClrLst meth="repeat">
+      <a:schemeClr val="dk1"/>
+    </dgm:txFillClrLst>
+    <dgm:txEffectClrLst/>
+  </dgm:styleLbl>
+  <dgm:styleLbl name="dkBgShp">
+    <dgm:fillClrLst meth="repeat">
+      <a:schemeClr val="accent1">
+        <a:shade val="80000"/>
+      </a:schemeClr>
+    </dgm:fillClrLst>
+    <dgm:linClrLst meth="repeat">
+      <a:schemeClr val="accent1"/>
+    </dgm:linClrLst>
+    <dgm:effectClrLst/>
+    <dgm:txLinClrLst/>
+    <dgm:txFillClrLst meth="repeat">
+      <a:schemeClr val="lt1"/>
+    </dgm:txFillClrLst>
+    <dgm:txEffectClrLst/>
+  </dgm:styleLbl>
+  <dgm:styleLbl name="trBgShp">
+    <dgm:fillClrLst meth="repeat">
+      <a:schemeClr val="accent1">
+        <a:tint val="50000"/>
+        <a:alpha val="40000"/>
+      </a:schemeClr>
+    </dgm:fillClrLst>
+    <dgm:linClrLst meth="repeat">
+      <a:schemeClr val="accent1"/>
+    </dgm:linClrLst>
+    <dgm:effectClrLst/>
+    <dgm:txLinClrLst/>
+    <dgm:txFillClrLst meth="repeat">
+      <a:schemeClr val="lt1"/>
+    </dgm:txFillClrLst>
+    <dgm:txEffectClrLst/>
+  </dgm:styleLbl>
+  <dgm:styleLbl name="fgShp">
+    <dgm:fillClrLst meth="repeat">
+      <a:schemeClr val="accent1">
+        <a:tint val="60000"/>
+      </a:schemeClr>
+    </dgm:fillClrLst>
+    <dgm:linClrLst meth="repeat">
+      <a:schemeClr val="lt1"/>
+    </dgm:linClrLst>
+    <dgm:effectClrLst/>
+    <dgm:txLinClrLst/>
+    <dgm:txFillClrLst meth="repeat">
+      <a:schemeClr val="dk1"/>
+    </dgm:txFillClrLst>
+    <dgm:txEffectClrLst/>
+  </dgm:styleLbl>
+  <dgm:styleLbl name="revTx">
+    <dgm:fillClrLst meth="repeat">
+      <a:schemeClr val="lt1">
         <a:alpha val="0"/>
       </a:schemeClr>
     </dgm:fillClrLst>
@@ -4883,6 +5631,826 @@
 </dgm:dataModel>
 </file>
 
+<file path=ppt/diagrams/data3.xml><?xml version="1.0" encoding="utf-8"?>
+<dgm:dataModel xmlns:dgm="http://schemas.openxmlformats.org/drawingml/2006/diagram" xmlns:a="http://schemas.openxmlformats.org/drawingml/2006/main">
+  <dgm:ptLst>
+    <dgm:pt modelId="{74EA3605-F4A4-4526-A1CE-696903D81A86}" type="doc">
+      <dgm:prSet loTypeId="urn:microsoft.com/office/officeart/2011/layout/TabList" loCatId="list" qsTypeId="urn:microsoft.com/office/officeart/2005/8/quickstyle/simple1" qsCatId="simple" csTypeId="urn:microsoft.com/office/officeart/2005/8/colors/accent1_2" csCatId="accent1" phldr="1"/>
+      <dgm:spPr/>
+      <dgm:t>
+        <a:bodyPr/>
+        <a:lstStyle/>
+        <a:p>
+          <a:endParaRPr lang="en-US"/>
+        </a:p>
+      </dgm:t>
+    </dgm:pt>
+    <dgm:pt modelId="{A009693E-7D4A-43B9-8665-A7519424864B}">
+      <dgm:prSet phldrT="[Text]"/>
+      <dgm:spPr/>
+      <dgm:t>
+        <a:bodyPr/>
+        <a:lstStyle/>
+        <a:p>
+          <a:r>
+            <a:rPr lang="ar-EG" dirty="0"/>
+            <a:t>تيم 1</a:t>
+          </a:r>
+          <a:endParaRPr lang="en-US" dirty="0"/>
+        </a:p>
+      </dgm:t>
+    </dgm:pt>
+    <dgm:pt modelId="{A656CB80-5C1F-4295-8C29-002237624701}" type="parTrans" cxnId="{AAC044B2-185A-46FD-8D89-D5CABA998212}">
+      <dgm:prSet/>
+      <dgm:spPr/>
+      <dgm:t>
+        <a:bodyPr/>
+        <a:lstStyle/>
+        <a:p>
+          <a:endParaRPr lang="en-US"/>
+        </a:p>
+      </dgm:t>
+    </dgm:pt>
+    <dgm:pt modelId="{59A21AD5-6514-49BE-BF1D-F10E97B8AF65}" type="sibTrans" cxnId="{AAC044B2-185A-46FD-8D89-D5CABA998212}">
+      <dgm:prSet/>
+      <dgm:spPr/>
+      <dgm:t>
+        <a:bodyPr/>
+        <a:lstStyle/>
+        <a:p>
+          <a:endParaRPr lang="en-US"/>
+        </a:p>
+      </dgm:t>
+    </dgm:pt>
+    <dgm:pt modelId="{28F6B763-FCBF-4AFD-BC5C-EE0F3F99C80A}">
+      <dgm:prSet phldrT="[Text]"/>
+      <dgm:spPr/>
+      <dgm:t>
+        <a:bodyPr/>
+        <a:lstStyle/>
+        <a:p>
+          <a:r>
+            <a:rPr lang="en-US" dirty="0" err="1"/>
+            <a:t>Hmc_agent</a:t>
+          </a:r>
+          <a:endParaRPr lang="en-US" dirty="0"/>
+        </a:p>
+      </dgm:t>
+    </dgm:pt>
+    <dgm:pt modelId="{92C50713-D083-4AB9-915B-9E5B99A8B3E2}" type="parTrans" cxnId="{C56A8E64-160F-4BE3-8C4F-AF49344A3A4A}">
+      <dgm:prSet/>
+      <dgm:spPr/>
+      <dgm:t>
+        <a:bodyPr/>
+        <a:lstStyle/>
+        <a:p>
+          <a:endParaRPr lang="en-US"/>
+        </a:p>
+      </dgm:t>
+    </dgm:pt>
+    <dgm:pt modelId="{3D55CCD6-DB21-4223-9F81-36B5FAFB53D2}" type="sibTrans" cxnId="{C56A8E64-160F-4BE3-8C4F-AF49344A3A4A}">
+      <dgm:prSet/>
+      <dgm:spPr/>
+      <dgm:t>
+        <a:bodyPr/>
+        <a:lstStyle/>
+        <a:p>
+          <a:endParaRPr lang="en-US"/>
+        </a:p>
+      </dgm:t>
+    </dgm:pt>
+    <dgm:pt modelId="{7AFDC91E-06C7-4D0E-B88B-B78CF2BE1005}">
+      <dgm:prSet phldrT="[Text]"/>
+      <dgm:spPr/>
+      <dgm:t>
+        <a:bodyPr/>
+        <a:lstStyle/>
+        <a:p>
+          <a:pPr rtl="1"/>
+          <a:r>
+            <a:rPr lang="ar-EG" dirty="0"/>
+            <a:t>محمد حسام</a:t>
+          </a:r>
+          <a:endParaRPr lang="en-US" dirty="0"/>
+        </a:p>
+      </dgm:t>
+    </dgm:pt>
+    <dgm:pt modelId="{EE95F371-9E69-4031-A17E-45F845384D87}" type="parTrans" cxnId="{E7E891F4-213F-463A-8506-4ACB5F8EEDEF}">
+      <dgm:prSet/>
+      <dgm:spPr/>
+      <dgm:t>
+        <a:bodyPr/>
+        <a:lstStyle/>
+        <a:p>
+          <a:endParaRPr lang="en-US"/>
+        </a:p>
+      </dgm:t>
+    </dgm:pt>
+    <dgm:pt modelId="{BE5CFC17-1D43-46C8-9010-D8208D88CFE1}" type="sibTrans" cxnId="{E7E891F4-213F-463A-8506-4ACB5F8EEDEF}">
+      <dgm:prSet/>
+      <dgm:spPr/>
+      <dgm:t>
+        <a:bodyPr/>
+        <a:lstStyle/>
+        <a:p>
+          <a:endParaRPr lang="en-US"/>
+        </a:p>
+      </dgm:t>
+    </dgm:pt>
+    <dgm:pt modelId="{4E491F4F-B3BF-4715-9DE9-77BB854EA525}">
+      <dgm:prSet phldrT="[Text]"/>
+      <dgm:spPr/>
+      <dgm:t>
+        <a:bodyPr/>
+        <a:lstStyle/>
+        <a:p>
+          <a:r>
+            <a:rPr lang="ar-EG" dirty="0"/>
+            <a:t>تيم 2</a:t>
+          </a:r>
+          <a:endParaRPr lang="en-US" dirty="0"/>
+        </a:p>
+      </dgm:t>
+    </dgm:pt>
+    <dgm:pt modelId="{1EF880F7-7424-470E-A6F9-61155DC67AF7}" type="parTrans" cxnId="{F0D511FA-2BB5-421C-91C3-1C0EB2ADA585}">
+      <dgm:prSet/>
+      <dgm:spPr/>
+      <dgm:t>
+        <a:bodyPr/>
+        <a:lstStyle/>
+        <a:p>
+          <a:endParaRPr lang="en-US"/>
+        </a:p>
+      </dgm:t>
+    </dgm:pt>
+    <dgm:pt modelId="{AB91AE55-5970-4863-9A64-D61684A24DD5}" type="sibTrans" cxnId="{F0D511FA-2BB5-421C-91C3-1C0EB2ADA585}">
+      <dgm:prSet/>
+      <dgm:spPr/>
+      <dgm:t>
+        <a:bodyPr/>
+        <a:lstStyle/>
+        <a:p>
+          <a:endParaRPr lang="en-US"/>
+        </a:p>
+      </dgm:t>
+    </dgm:pt>
+    <dgm:pt modelId="{EB1AF18E-A34D-4F20-A272-0E47A26355A1}">
+      <dgm:prSet phldrT="[Text]"/>
+      <dgm:spPr/>
+      <dgm:t>
+        <a:bodyPr/>
+        <a:lstStyle/>
+        <a:p>
+          <a:r>
+            <a:rPr lang="en-US" dirty="0" err="1"/>
+            <a:t>Axi_agent</a:t>
+          </a:r>
+          <a:endParaRPr lang="en-US" dirty="0"/>
+        </a:p>
+      </dgm:t>
+    </dgm:pt>
+    <dgm:pt modelId="{FBCD75A9-CAE5-4C9F-9A1A-9E99FB08151F}" type="parTrans" cxnId="{ED2640AF-9229-413B-AB8C-3EBDBAB6C876}">
+      <dgm:prSet/>
+      <dgm:spPr/>
+      <dgm:t>
+        <a:bodyPr/>
+        <a:lstStyle/>
+        <a:p>
+          <a:endParaRPr lang="en-US"/>
+        </a:p>
+      </dgm:t>
+    </dgm:pt>
+    <dgm:pt modelId="{8DCB9DE9-A51C-45E7-BF3C-9C65AD99F058}" type="sibTrans" cxnId="{ED2640AF-9229-413B-AB8C-3EBDBAB6C876}">
+      <dgm:prSet/>
+      <dgm:spPr/>
+      <dgm:t>
+        <a:bodyPr/>
+        <a:lstStyle/>
+        <a:p>
+          <a:endParaRPr lang="en-US"/>
+        </a:p>
+      </dgm:t>
+    </dgm:pt>
+    <dgm:pt modelId="{9F3ED660-FC13-4F28-ADBD-C68AEA77E2ED}">
+      <dgm:prSet phldrT="[Text]"/>
+      <dgm:spPr/>
+      <dgm:t>
+        <a:bodyPr/>
+        <a:lstStyle/>
+        <a:p>
+          <a:pPr rtl="1"/>
+          <a:r>
+            <a:rPr lang="ar-EG" dirty="0"/>
+            <a:t>رحمة حمدي</a:t>
+          </a:r>
+          <a:endParaRPr lang="en-US" dirty="0"/>
+        </a:p>
+      </dgm:t>
+    </dgm:pt>
+    <dgm:pt modelId="{3C0E0AC0-239E-42FF-ABE7-0C968ADCB316}" type="parTrans" cxnId="{F39FF478-DDDC-4F75-83B6-8C5986411DBC}">
+      <dgm:prSet/>
+      <dgm:spPr/>
+      <dgm:t>
+        <a:bodyPr/>
+        <a:lstStyle/>
+        <a:p>
+          <a:endParaRPr lang="en-US"/>
+        </a:p>
+      </dgm:t>
+    </dgm:pt>
+    <dgm:pt modelId="{43493430-A335-4081-A6E3-92FB6D3FEAE0}" type="sibTrans" cxnId="{F39FF478-DDDC-4F75-83B6-8C5986411DBC}">
+      <dgm:prSet/>
+      <dgm:spPr/>
+      <dgm:t>
+        <a:bodyPr/>
+        <a:lstStyle/>
+        <a:p>
+          <a:endParaRPr lang="en-US"/>
+        </a:p>
+      </dgm:t>
+    </dgm:pt>
+    <dgm:pt modelId="{C7CD24A1-C52B-419B-83A2-256A220F927F}">
+      <dgm:prSet phldrT="[Text]"/>
+      <dgm:spPr/>
+      <dgm:t>
+        <a:bodyPr/>
+        <a:lstStyle/>
+        <a:p>
+          <a:r>
+            <a:rPr lang="ar-EG" dirty="0"/>
+            <a:t>تيم 3</a:t>
+          </a:r>
+          <a:endParaRPr lang="en-US" dirty="0"/>
+        </a:p>
+      </dgm:t>
+    </dgm:pt>
+    <dgm:pt modelId="{507D7744-7244-4EB6-8B63-3E75CB0CC2C8}" type="parTrans" cxnId="{C2581B9A-D028-4509-B83E-27B6609C0ACD}">
+      <dgm:prSet/>
+      <dgm:spPr/>
+      <dgm:t>
+        <a:bodyPr/>
+        <a:lstStyle/>
+        <a:p>
+          <a:endParaRPr lang="en-US"/>
+        </a:p>
+      </dgm:t>
+    </dgm:pt>
+    <dgm:pt modelId="{08A9066E-C9AA-43D3-A57C-2015F5CB2F9D}" type="sibTrans" cxnId="{C2581B9A-D028-4509-B83E-27B6609C0ACD}">
+      <dgm:prSet/>
+      <dgm:spPr/>
+      <dgm:t>
+        <a:bodyPr/>
+        <a:lstStyle/>
+        <a:p>
+          <a:endParaRPr lang="en-US"/>
+        </a:p>
+      </dgm:t>
+    </dgm:pt>
+    <dgm:pt modelId="{D683C45B-0860-44DE-A74E-A71CA3567AF3}">
+      <dgm:prSet phldrT="[Text]"/>
+      <dgm:spPr/>
+      <dgm:t>
+        <a:bodyPr/>
+        <a:lstStyle/>
+        <a:p>
+          <a:r>
+            <a:rPr lang="en-US" dirty="0"/>
+            <a:t>Scoreboard &amp; Coverage</a:t>
+          </a:r>
+        </a:p>
+      </dgm:t>
+    </dgm:pt>
+    <dgm:pt modelId="{29705813-CFF4-4B8F-B5AA-E37F57640444}" type="parTrans" cxnId="{4B83F321-6A60-4CEF-B86C-35BD6065E7D0}">
+      <dgm:prSet/>
+      <dgm:spPr/>
+      <dgm:t>
+        <a:bodyPr/>
+        <a:lstStyle/>
+        <a:p>
+          <a:endParaRPr lang="en-US"/>
+        </a:p>
+      </dgm:t>
+    </dgm:pt>
+    <dgm:pt modelId="{9ADED918-3FE0-487B-A1B8-138D50F680C5}" type="sibTrans" cxnId="{4B83F321-6A60-4CEF-B86C-35BD6065E7D0}">
+      <dgm:prSet/>
+      <dgm:spPr/>
+      <dgm:t>
+        <a:bodyPr/>
+        <a:lstStyle/>
+        <a:p>
+          <a:endParaRPr lang="en-US"/>
+        </a:p>
+      </dgm:t>
+    </dgm:pt>
+    <dgm:pt modelId="{A4F3C272-1578-47A6-A488-0CE890B87C38}">
+      <dgm:prSet phldrT="[Text]"/>
+      <dgm:spPr/>
+      <dgm:t>
+        <a:bodyPr/>
+        <a:lstStyle/>
+        <a:p>
+          <a:pPr rtl="1"/>
+          <a:r>
+            <a:rPr lang="ar-EG" dirty="0"/>
+            <a:t>علاء ربيع</a:t>
+          </a:r>
+          <a:endParaRPr lang="en-US" dirty="0"/>
+        </a:p>
+      </dgm:t>
+    </dgm:pt>
+    <dgm:pt modelId="{E9AFD043-FFBF-4517-8D5A-57FEA30A6099}" type="parTrans" cxnId="{C8940C0A-F55C-4F75-93ED-B1461C824E20}">
+      <dgm:prSet/>
+      <dgm:spPr/>
+      <dgm:t>
+        <a:bodyPr/>
+        <a:lstStyle/>
+        <a:p>
+          <a:endParaRPr lang="en-US"/>
+        </a:p>
+      </dgm:t>
+    </dgm:pt>
+    <dgm:pt modelId="{5DE117CA-266D-418E-87D2-F64CDD155AE2}" type="sibTrans" cxnId="{C8940C0A-F55C-4F75-93ED-B1461C824E20}">
+      <dgm:prSet/>
+      <dgm:spPr/>
+      <dgm:t>
+        <a:bodyPr/>
+        <a:lstStyle/>
+        <a:p>
+          <a:endParaRPr lang="en-US"/>
+        </a:p>
+      </dgm:t>
+    </dgm:pt>
+    <dgm:pt modelId="{86A40EAB-FB9A-4DD9-BE1D-BE7340DA6A75}">
+      <dgm:prSet phldrT="[Text]"/>
+      <dgm:spPr/>
+      <dgm:t>
+        <a:bodyPr/>
+        <a:lstStyle/>
+        <a:p>
+          <a:pPr rtl="1"/>
+          <a:r>
+            <a:rPr lang="ar-EG" dirty="0"/>
+            <a:t>محمود موسي</a:t>
+          </a:r>
+          <a:endParaRPr lang="en-US" dirty="0"/>
+        </a:p>
+      </dgm:t>
+    </dgm:pt>
+    <dgm:pt modelId="{6202D0AF-F10C-4315-98E8-6398F536DB35}" type="parTrans" cxnId="{68101D82-EDCA-4A92-BBF8-1652A0542805}">
+      <dgm:prSet/>
+      <dgm:spPr/>
+      <dgm:t>
+        <a:bodyPr/>
+        <a:lstStyle/>
+        <a:p>
+          <a:endParaRPr lang="en-US"/>
+        </a:p>
+      </dgm:t>
+    </dgm:pt>
+    <dgm:pt modelId="{6909BA4D-E22C-4897-BCEC-ED92E5DCFD70}" type="sibTrans" cxnId="{68101D82-EDCA-4A92-BBF8-1652A0542805}">
+      <dgm:prSet/>
+      <dgm:spPr/>
+      <dgm:t>
+        <a:bodyPr/>
+        <a:lstStyle/>
+        <a:p>
+          <a:endParaRPr lang="en-US"/>
+        </a:p>
+      </dgm:t>
+    </dgm:pt>
+    <dgm:pt modelId="{7A1CBD5B-BBA4-4BA6-A629-BFEEE09ED30E}">
+      <dgm:prSet phldrT="[Text]"/>
+      <dgm:spPr/>
+      <dgm:t>
+        <a:bodyPr/>
+        <a:lstStyle/>
+        <a:p>
+          <a:pPr rtl="1"/>
+          <a:r>
+            <a:rPr lang="ar-EG" dirty="0"/>
+            <a:t>محمد احمد طه</a:t>
+          </a:r>
+          <a:endParaRPr lang="en-US" dirty="0"/>
+        </a:p>
+      </dgm:t>
+    </dgm:pt>
+    <dgm:pt modelId="{9F4330D9-87C9-42A7-A2C5-E78822F4E5CB}" type="parTrans" cxnId="{0362984F-4C1A-49BE-8031-123B71813453}">
+      <dgm:prSet/>
+      <dgm:spPr/>
+      <dgm:t>
+        <a:bodyPr/>
+        <a:lstStyle/>
+        <a:p>
+          <a:endParaRPr lang="en-US"/>
+        </a:p>
+      </dgm:t>
+    </dgm:pt>
+    <dgm:pt modelId="{A409DC11-5E35-40BC-AA77-37C1546E42D0}" type="sibTrans" cxnId="{0362984F-4C1A-49BE-8031-123B71813453}">
+      <dgm:prSet/>
+      <dgm:spPr/>
+      <dgm:t>
+        <a:bodyPr/>
+        <a:lstStyle/>
+        <a:p>
+          <a:endParaRPr lang="en-US"/>
+        </a:p>
+      </dgm:t>
+    </dgm:pt>
+    <dgm:pt modelId="{C1DAB2F0-4351-4311-8BE4-CC8E543AE2CB}">
+      <dgm:prSet phldrT="[Text]"/>
+      <dgm:spPr/>
+      <dgm:t>
+        <a:bodyPr/>
+        <a:lstStyle/>
+        <a:p>
+          <a:pPr rtl="1"/>
+          <a:r>
+            <a:rPr lang="ar-EG" dirty="0"/>
+            <a:t>ندي عثمان</a:t>
+          </a:r>
+          <a:endParaRPr lang="en-US" dirty="0"/>
+        </a:p>
+      </dgm:t>
+    </dgm:pt>
+    <dgm:pt modelId="{9EB16B17-48C9-40A0-A82F-7FD474D0348D}" type="parTrans" cxnId="{D7E2B9CF-EA18-4822-AFEF-3181BF34B73B}">
+      <dgm:prSet/>
+      <dgm:spPr/>
+      <dgm:t>
+        <a:bodyPr/>
+        <a:lstStyle/>
+        <a:p>
+          <a:endParaRPr lang="en-US"/>
+        </a:p>
+      </dgm:t>
+    </dgm:pt>
+    <dgm:pt modelId="{F326F237-620B-4BE8-9AD9-92D365DF8654}" type="sibTrans" cxnId="{D7E2B9CF-EA18-4822-AFEF-3181BF34B73B}">
+      <dgm:prSet/>
+      <dgm:spPr/>
+      <dgm:t>
+        <a:bodyPr/>
+        <a:lstStyle/>
+        <a:p>
+          <a:endParaRPr lang="en-US"/>
+        </a:p>
+      </dgm:t>
+    </dgm:pt>
+    <dgm:pt modelId="{00F66A91-8595-430E-8654-F56DD0411FF9}">
+      <dgm:prSet phldrT="[Text]"/>
+      <dgm:spPr/>
+      <dgm:t>
+        <a:bodyPr/>
+        <a:lstStyle/>
+        <a:p>
+          <a:pPr rtl="1"/>
+          <a:r>
+            <a:rPr lang="ar-EG" dirty="0"/>
+            <a:t>تيم 4</a:t>
+          </a:r>
+          <a:endParaRPr lang="en-US" dirty="0"/>
+        </a:p>
+      </dgm:t>
+    </dgm:pt>
+    <dgm:pt modelId="{B79D5EBB-043E-4F47-BE42-397A6C78FD83}" type="parTrans" cxnId="{DADBD1C9-9C36-4C00-AE3B-ADCDFB9210D1}">
+      <dgm:prSet/>
+      <dgm:spPr/>
+      <dgm:t>
+        <a:bodyPr/>
+        <a:lstStyle/>
+        <a:p>
+          <a:endParaRPr lang="en-US"/>
+        </a:p>
+      </dgm:t>
+    </dgm:pt>
+    <dgm:pt modelId="{60FC20C9-301E-4FD2-9B29-5F664A181CF5}" type="sibTrans" cxnId="{DADBD1C9-9C36-4C00-AE3B-ADCDFB9210D1}">
+      <dgm:prSet/>
+      <dgm:spPr/>
+      <dgm:t>
+        <a:bodyPr/>
+        <a:lstStyle/>
+        <a:p>
+          <a:endParaRPr lang="en-US"/>
+        </a:p>
+      </dgm:t>
+    </dgm:pt>
+    <dgm:pt modelId="{71665401-2A0A-4D0F-969B-E6E0E35F5B9A}">
+      <dgm:prSet phldrT="[Text]"/>
+      <dgm:spPr/>
+      <dgm:t>
+        <a:bodyPr/>
+        <a:lstStyle/>
+        <a:p>
+          <a:pPr rtl="1"/>
+          <a:r>
+            <a:rPr lang="en-US" dirty="0" err="1"/>
+            <a:t>Rf_agent</a:t>
+          </a:r>
+          <a:endParaRPr lang="en-US" dirty="0"/>
+        </a:p>
+      </dgm:t>
+    </dgm:pt>
+    <dgm:pt modelId="{FFC56B91-F7F7-48E2-AC44-BE9C326329FF}" type="parTrans" cxnId="{F128DD49-5121-4483-8F23-1D6A94933542}">
+      <dgm:prSet/>
+      <dgm:spPr/>
+      <dgm:t>
+        <a:bodyPr/>
+        <a:lstStyle/>
+        <a:p>
+          <a:endParaRPr lang="en-US"/>
+        </a:p>
+      </dgm:t>
+    </dgm:pt>
+    <dgm:pt modelId="{E6FFB91D-12ED-4646-81BD-5AACEB6ABEF9}" type="sibTrans" cxnId="{F128DD49-5121-4483-8F23-1D6A94933542}">
+      <dgm:prSet/>
+      <dgm:spPr/>
+      <dgm:t>
+        <a:bodyPr/>
+        <a:lstStyle/>
+        <a:p>
+          <a:endParaRPr lang="en-US"/>
+        </a:p>
+      </dgm:t>
+    </dgm:pt>
+    <dgm:pt modelId="{F6B22251-4832-4A70-8292-BBE9A0ACF31A}">
+      <dgm:prSet phldrT="[Text]"/>
+      <dgm:spPr/>
+      <dgm:t>
+        <a:bodyPr/>
+        <a:lstStyle/>
+        <a:p>
+          <a:pPr rtl="1"/>
+          <a:r>
+            <a:rPr lang="ar-EG" dirty="0"/>
+            <a:t>علي ماهر</a:t>
+          </a:r>
+          <a:endParaRPr lang="en-US" dirty="0"/>
+        </a:p>
+      </dgm:t>
+    </dgm:pt>
+    <dgm:pt modelId="{7504494B-8E23-453C-8FC0-015A37291D1C}" type="parTrans" cxnId="{1254988C-1EC5-412C-9FFA-080E47D64FEF}">
+      <dgm:prSet/>
+      <dgm:spPr/>
+      <dgm:t>
+        <a:bodyPr/>
+        <a:lstStyle/>
+        <a:p>
+          <a:endParaRPr lang="en-US"/>
+        </a:p>
+      </dgm:t>
+    </dgm:pt>
+    <dgm:pt modelId="{6403DCC0-5156-4C63-A436-5D5B5E4A2D23}" type="sibTrans" cxnId="{1254988C-1EC5-412C-9FFA-080E47D64FEF}">
+      <dgm:prSet/>
+      <dgm:spPr/>
+      <dgm:t>
+        <a:bodyPr/>
+        <a:lstStyle/>
+        <a:p>
+          <a:endParaRPr lang="en-US"/>
+        </a:p>
+      </dgm:t>
+    </dgm:pt>
+    <dgm:pt modelId="{B5A6A473-E4B1-46EF-BEA0-121ADE586641}" type="pres">
+      <dgm:prSet presAssocID="{74EA3605-F4A4-4526-A1CE-696903D81A86}" presName="Name0" presStyleCnt="0">
+        <dgm:presLayoutVars>
+          <dgm:chMax/>
+          <dgm:chPref val="3"/>
+          <dgm:dir val="rev"/>
+          <dgm:animOne val="branch"/>
+          <dgm:animLvl val="lvl"/>
+        </dgm:presLayoutVars>
+      </dgm:prSet>
+      <dgm:spPr/>
+    </dgm:pt>
+    <dgm:pt modelId="{5972A535-0FD0-44AF-997B-C9B2B3E4470E}" type="pres">
+      <dgm:prSet presAssocID="{A009693E-7D4A-43B9-8665-A7519424864B}" presName="composite" presStyleCnt="0"/>
+      <dgm:spPr/>
+    </dgm:pt>
+    <dgm:pt modelId="{E223997E-A2C6-4632-9CDE-335C5E92979A}" type="pres">
+      <dgm:prSet presAssocID="{A009693E-7D4A-43B9-8665-A7519424864B}" presName="FirstChild" presStyleLbl="revTx" presStyleIdx="0" presStyleCnt="8">
+        <dgm:presLayoutVars>
+          <dgm:chMax val="0"/>
+          <dgm:chPref val="0"/>
+          <dgm:bulletEnabled val="1"/>
+        </dgm:presLayoutVars>
+      </dgm:prSet>
+      <dgm:spPr/>
+    </dgm:pt>
+    <dgm:pt modelId="{E90A8B7E-FDBA-4EED-A41C-EA25018D9A57}" type="pres">
+      <dgm:prSet presAssocID="{A009693E-7D4A-43B9-8665-A7519424864B}" presName="Parent" presStyleLbl="alignNode1" presStyleIdx="0" presStyleCnt="4">
+        <dgm:presLayoutVars>
+          <dgm:chMax val="3"/>
+          <dgm:chPref val="3"/>
+          <dgm:bulletEnabled val="1"/>
+        </dgm:presLayoutVars>
+      </dgm:prSet>
+      <dgm:spPr/>
+    </dgm:pt>
+    <dgm:pt modelId="{A710A707-814E-44E5-84DD-A234757AEF22}" type="pres">
+      <dgm:prSet presAssocID="{A009693E-7D4A-43B9-8665-A7519424864B}" presName="Accent" presStyleLbl="parChTrans1D1" presStyleIdx="0" presStyleCnt="4"/>
+      <dgm:spPr/>
+    </dgm:pt>
+    <dgm:pt modelId="{53AC60E9-F6FF-45AA-A0E4-6BFC5A074D49}" type="pres">
+      <dgm:prSet presAssocID="{A009693E-7D4A-43B9-8665-A7519424864B}" presName="Child" presStyleLbl="revTx" presStyleIdx="1" presStyleCnt="8">
+        <dgm:presLayoutVars>
+          <dgm:chMax val="0"/>
+          <dgm:chPref val="0"/>
+          <dgm:bulletEnabled val="1"/>
+        </dgm:presLayoutVars>
+      </dgm:prSet>
+      <dgm:spPr/>
+    </dgm:pt>
+    <dgm:pt modelId="{DDC8D6A0-D98D-4507-A440-D33329BF43C1}" type="pres">
+      <dgm:prSet presAssocID="{59A21AD5-6514-49BE-BF1D-F10E97B8AF65}" presName="sibTrans" presStyleCnt="0"/>
+      <dgm:spPr/>
+    </dgm:pt>
+    <dgm:pt modelId="{5BE7B5B2-815F-4DDA-8342-1473402C923C}" type="pres">
+      <dgm:prSet presAssocID="{4E491F4F-B3BF-4715-9DE9-77BB854EA525}" presName="composite" presStyleCnt="0"/>
+      <dgm:spPr/>
+    </dgm:pt>
+    <dgm:pt modelId="{13A52573-D149-4FF8-9471-CE91B5943993}" type="pres">
+      <dgm:prSet presAssocID="{4E491F4F-B3BF-4715-9DE9-77BB854EA525}" presName="FirstChild" presStyleLbl="revTx" presStyleIdx="2" presStyleCnt="8">
+        <dgm:presLayoutVars>
+          <dgm:chMax val="0"/>
+          <dgm:chPref val="0"/>
+          <dgm:bulletEnabled val="1"/>
+        </dgm:presLayoutVars>
+      </dgm:prSet>
+      <dgm:spPr/>
+    </dgm:pt>
+    <dgm:pt modelId="{50CC1BEC-161F-4342-B0F6-D1193A9189F2}" type="pres">
+      <dgm:prSet presAssocID="{4E491F4F-B3BF-4715-9DE9-77BB854EA525}" presName="Parent" presStyleLbl="alignNode1" presStyleIdx="1" presStyleCnt="4">
+        <dgm:presLayoutVars>
+          <dgm:chMax val="3"/>
+          <dgm:chPref val="3"/>
+          <dgm:bulletEnabled val="1"/>
+        </dgm:presLayoutVars>
+      </dgm:prSet>
+      <dgm:spPr/>
+    </dgm:pt>
+    <dgm:pt modelId="{2EA7AE00-82D4-48D3-BA22-EB9EA306A842}" type="pres">
+      <dgm:prSet presAssocID="{4E491F4F-B3BF-4715-9DE9-77BB854EA525}" presName="Accent" presStyleLbl="parChTrans1D1" presStyleIdx="1" presStyleCnt="4"/>
+      <dgm:spPr/>
+    </dgm:pt>
+    <dgm:pt modelId="{4741FAC9-4906-4DAB-AAF0-78DB21659C8B}" type="pres">
+      <dgm:prSet presAssocID="{4E491F4F-B3BF-4715-9DE9-77BB854EA525}" presName="Child" presStyleLbl="revTx" presStyleIdx="3" presStyleCnt="8">
+        <dgm:presLayoutVars>
+          <dgm:chMax val="0"/>
+          <dgm:chPref val="0"/>
+          <dgm:bulletEnabled val="1"/>
+        </dgm:presLayoutVars>
+      </dgm:prSet>
+      <dgm:spPr/>
+    </dgm:pt>
+    <dgm:pt modelId="{AC6234E3-DDCF-4E7F-805B-9198130BF777}" type="pres">
+      <dgm:prSet presAssocID="{AB91AE55-5970-4863-9A64-D61684A24DD5}" presName="sibTrans" presStyleCnt="0"/>
+      <dgm:spPr/>
+    </dgm:pt>
+    <dgm:pt modelId="{812F7170-59EB-4804-ACAD-C421A1088762}" type="pres">
+      <dgm:prSet presAssocID="{C7CD24A1-C52B-419B-83A2-256A220F927F}" presName="composite" presStyleCnt="0"/>
+      <dgm:spPr/>
+    </dgm:pt>
+    <dgm:pt modelId="{8673A7D8-0747-478A-838C-4737B14B4953}" type="pres">
+      <dgm:prSet presAssocID="{C7CD24A1-C52B-419B-83A2-256A220F927F}" presName="FirstChild" presStyleLbl="revTx" presStyleIdx="4" presStyleCnt="8">
+        <dgm:presLayoutVars>
+          <dgm:chMax val="0"/>
+          <dgm:chPref val="0"/>
+          <dgm:bulletEnabled val="1"/>
+        </dgm:presLayoutVars>
+      </dgm:prSet>
+      <dgm:spPr/>
+    </dgm:pt>
+    <dgm:pt modelId="{054AD7EF-BF02-4C33-954B-7D3FF568645B}" type="pres">
+      <dgm:prSet presAssocID="{C7CD24A1-C52B-419B-83A2-256A220F927F}" presName="Parent" presStyleLbl="alignNode1" presStyleIdx="2" presStyleCnt="4">
+        <dgm:presLayoutVars>
+          <dgm:chMax val="3"/>
+          <dgm:chPref val="3"/>
+          <dgm:bulletEnabled val="1"/>
+        </dgm:presLayoutVars>
+      </dgm:prSet>
+      <dgm:spPr/>
+    </dgm:pt>
+    <dgm:pt modelId="{E0A457A9-A7A8-4E42-A0C8-74DD2D52116F}" type="pres">
+      <dgm:prSet presAssocID="{C7CD24A1-C52B-419B-83A2-256A220F927F}" presName="Accent" presStyleLbl="parChTrans1D1" presStyleIdx="2" presStyleCnt="4"/>
+      <dgm:spPr/>
+    </dgm:pt>
+    <dgm:pt modelId="{B16A5703-9003-4FEE-A1B0-4618F67A09CB}" type="pres">
+      <dgm:prSet presAssocID="{C7CD24A1-C52B-419B-83A2-256A220F927F}" presName="Child" presStyleLbl="revTx" presStyleIdx="5" presStyleCnt="8">
+        <dgm:presLayoutVars>
+          <dgm:chMax val="0"/>
+          <dgm:chPref val="0"/>
+          <dgm:bulletEnabled val="1"/>
+        </dgm:presLayoutVars>
+      </dgm:prSet>
+      <dgm:spPr/>
+    </dgm:pt>
+    <dgm:pt modelId="{32F52EB5-E2C5-45F1-81A5-32DBA360E3FB}" type="pres">
+      <dgm:prSet presAssocID="{08A9066E-C9AA-43D3-A57C-2015F5CB2F9D}" presName="sibTrans" presStyleCnt="0"/>
+      <dgm:spPr/>
+    </dgm:pt>
+    <dgm:pt modelId="{27AB7F52-FBA8-4FCE-B1B0-D95780328A7D}" type="pres">
+      <dgm:prSet presAssocID="{00F66A91-8595-430E-8654-F56DD0411FF9}" presName="composite" presStyleCnt="0"/>
+      <dgm:spPr/>
+    </dgm:pt>
+    <dgm:pt modelId="{F1C8D95E-7A17-4A43-9F53-209994038D06}" type="pres">
+      <dgm:prSet presAssocID="{00F66A91-8595-430E-8654-F56DD0411FF9}" presName="FirstChild" presStyleLbl="revTx" presStyleIdx="6" presStyleCnt="8">
+        <dgm:presLayoutVars>
+          <dgm:chMax val="0"/>
+          <dgm:chPref val="0"/>
+          <dgm:bulletEnabled val="1"/>
+        </dgm:presLayoutVars>
+      </dgm:prSet>
+      <dgm:spPr/>
+    </dgm:pt>
+    <dgm:pt modelId="{4B15CFCF-F036-4802-A8FB-D9F12717F2FC}" type="pres">
+      <dgm:prSet presAssocID="{00F66A91-8595-430E-8654-F56DD0411FF9}" presName="Parent" presStyleLbl="alignNode1" presStyleIdx="3" presStyleCnt="4">
+        <dgm:presLayoutVars>
+          <dgm:chMax val="3"/>
+          <dgm:chPref val="3"/>
+          <dgm:bulletEnabled val="1"/>
+        </dgm:presLayoutVars>
+      </dgm:prSet>
+      <dgm:spPr/>
+    </dgm:pt>
+    <dgm:pt modelId="{700DE411-730B-41E4-86A4-2D018B22807B}" type="pres">
+      <dgm:prSet presAssocID="{00F66A91-8595-430E-8654-F56DD0411FF9}" presName="Accent" presStyleLbl="parChTrans1D1" presStyleIdx="3" presStyleCnt="4"/>
+      <dgm:spPr/>
+    </dgm:pt>
+    <dgm:pt modelId="{64D507B4-C4A1-4BFC-8C43-D844DF813FBF}" type="pres">
+      <dgm:prSet presAssocID="{00F66A91-8595-430E-8654-F56DD0411FF9}" presName="Child" presStyleLbl="revTx" presStyleIdx="7" presStyleCnt="8">
+        <dgm:presLayoutVars>
+          <dgm:chMax val="0"/>
+          <dgm:chPref val="0"/>
+          <dgm:bulletEnabled val="1"/>
+        </dgm:presLayoutVars>
+      </dgm:prSet>
+      <dgm:spPr/>
+    </dgm:pt>
+  </dgm:ptLst>
+  <dgm:cxnLst>
+    <dgm:cxn modelId="{3618E500-C5F8-4694-9F9E-81C2A4290E6D}" type="presOf" srcId="{C1DAB2F0-4351-4311-8BE4-CC8E543AE2CB}" destId="{4741FAC9-4906-4DAB-AAF0-78DB21659C8B}" srcOrd="0" destOrd="1" presId="urn:microsoft.com/office/officeart/2011/layout/TabList"/>
+    <dgm:cxn modelId="{C8940C0A-F55C-4F75-93ED-B1461C824E20}" srcId="{C7CD24A1-C52B-419B-83A2-256A220F927F}" destId="{A4F3C272-1578-47A6-A488-0CE890B87C38}" srcOrd="1" destOrd="0" parTransId="{E9AFD043-FFBF-4517-8D5A-57FEA30A6099}" sibTransId="{5DE117CA-266D-418E-87D2-F64CDD155AE2}"/>
+    <dgm:cxn modelId="{52839A0B-EFDB-4AD6-91B6-928AB30E6C0B}" type="presOf" srcId="{00F66A91-8595-430E-8654-F56DD0411FF9}" destId="{4B15CFCF-F036-4802-A8FB-D9F12717F2FC}" srcOrd="0" destOrd="0" presId="urn:microsoft.com/office/officeart/2011/layout/TabList"/>
+    <dgm:cxn modelId="{1D3BDF1A-2033-4AAE-9C32-6DE06FA43EE2}" type="presOf" srcId="{7AFDC91E-06C7-4D0E-B88B-B78CF2BE1005}" destId="{53AC60E9-F6FF-45AA-A0E4-6BFC5A074D49}" srcOrd="0" destOrd="0" presId="urn:microsoft.com/office/officeart/2011/layout/TabList"/>
+    <dgm:cxn modelId="{4B83F321-6A60-4CEF-B86C-35BD6065E7D0}" srcId="{C7CD24A1-C52B-419B-83A2-256A220F927F}" destId="{D683C45B-0860-44DE-A74E-A71CA3567AF3}" srcOrd="0" destOrd="0" parTransId="{29705813-CFF4-4B8F-B5AA-E37F57640444}" sibTransId="{9ADED918-3FE0-487B-A1B8-138D50F680C5}"/>
+    <dgm:cxn modelId="{C56A8E64-160F-4BE3-8C4F-AF49344A3A4A}" srcId="{A009693E-7D4A-43B9-8665-A7519424864B}" destId="{28F6B763-FCBF-4AFD-BC5C-EE0F3F99C80A}" srcOrd="0" destOrd="0" parTransId="{92C50713-D083-4AB9-915B-9E5B99A8B3E2}" sibTransId="{3D55CCD6-DB21-4223-9F81-36B5FAFB53D2}"/>
+    <dgm:cxn modelId="{0FB74945-50A6-41C2-AC89-1920F8AD95E0}" type="presOf" srcId="{D683C45B-0860-44DE-A74E-A71CA3567AF3}" destId="{8673A7D8-0747-478A-838C-4737B14B4953}" srcOrd="0" destOrd="0" presId="urn:microsoft.com/office/officeart/2011/layout/TabList"/>
+    <dgm:cxn modelId="{F128DD49-5121-4483-8F23-1D6A94933542}" srcId="{00F66A91-8595-430E-8654-F56DD0411FF9}" destId="{71665401-2A0A-4D0F-969B-E6E0E35F5B9A}" srcOrd="0" destOrd="0" parTransId="{FFC56B91-F7F7-48E2-AC44-BE9C326329FF}" sibTransId="{E6FFB91D-12ED-4646-81BD-5AACEB6ABEF9}"/>
+    <dgm:cxn modelId="{0362984F-4C1A-49BE-8031-123B71813453}" srcId="{C7CD24A1-C52B-419B-83A2-256A220F927F}" destId="{7A1CBD5B-BBA4-4BA6-A629-BFEEE09ED30E}" srcOrd="3" destOrd="0" parTransId="{9F4330D9-87C9-42A7-A2C5-E78822F4E5CB}" sibTransId="{A409DC11-5E35-40BC-AA77-37C1546E42D0}"/>
+    <dgm:cxn modelId="{21EAF36F-12DE-43EE-8E45-F9EE8DD9A292}" type="presOf" srcId="{71665401-2A0A-4D0F-969B-E6E0E35F5B9A}" destId="{F1C8D95E-7A17-4A43-9F53-209994038D06}" srcOrd="0" destOrd="0" presId="urn:microsoft.com/office/officeart/2011/layout/TabList"/>
+    <dgm:cxn modelId="{8A5E7153-F8D7-4367-A9E6-3D9C483A4754}" type="presOf" srcId="{4E491F4F-B3BF-4715-9DE9-77BB854EA525}" destId="{50CC1BEC-161F-4342-B0F6-D1193A9189F2}" srcOrd="0" destOrd="0" presId="urn:microsoft.com/office/officeart/2011/layout/TabList"/>
+    <dgm:cxn modelId="{F39FF478-DDDC-4F75-83B6-8C5986411DBC}" srcId="{4E491F4F-B3BF-4715-9DE9-77BB854EA525}" destId="{9F3ED660-FC13-4F28-ADBD-C68AEA77E2ED}" srcOrd="1" destOrd="0" parTransId="{3C0E0AC0-239E-42FF-ABE7-0C968ADCB316}" sibTransId="{43493430-A335-4081-A6E3-92FB6D3FEAE0}"/>
+    <dgm:cxn modelId="{B0590979-BF90-4C03-AC06-E2764BB03FF7}" type="presOf" srcId="{74EA3605-F4A4-4526-A1CE-696903D81A86}" destId="{B5A6A473-E4B1-46EF-BEA0-121ADE586641}" srcOrd="0" destOrd="0" presId="urn:microsoft.com/office/officeart/2011/layout/TabList"/>
+    <dgm:cxn modelId="{68101D82-EDCA-4A92-BBF8-1652A0542805}" srcId="{C7CD24A1-C52B-419B-83A2-256A220F927F}" destId="{86A40EAB-FB9A-4DD9-BE1D-BE7340DA6A75}" srcOrd="2" destOrd="0" parTransId="{6202D0AF-F10C-4315-98E8-6398F536DB35}" sibTransId="{6909BA4D-E22C-4897-BCEC-ED92E5DCFD70}"/>
+    <dgm:cxn modelId="{1254988C-1EC5-412C-9FFA-080E47D64FEF}" srcId="{00F66A91-8595-430E-8654-F56DD0411FF9}" destId="{F6B22251-4832-4A70-8292-BBE9A0ACF31A}" srcOrd="1" destOrd="0" parTransId="{7504494B-8E23-453C-8FC0-015A37291D1C}" sibTransId="{6403DCC0-5156-4C63-A436-5D5B5E4A2D23}"/>
+    <dgm:cxn modelId="{68CF7792-7231-4424-92F9-748692B973FB}" type="presOf" srcId="{A009693E-7D4A-43B9-8665-A7519424864B}" destId="{E90A8B7E-FDBA-4EED-A41C-EA25018D9A57}" srcOrd="0" destOrd="0" presId="urn:microsoft.com/office/officeart/2011/layout/TabList"/>
+    <dgm:cxn modelId="{D1C7EF98-200C-41B5-ACB0-8A1C3A8DCD22}" type="presOf" srcId="{F6B22251-4832-4A70-8292-BBE9A0ACF31A}" destId="{64D507B4-C4A1-4BFC-8C43-D844DF813FBF}" srcOrd="0" destOrd="0" presId="urn:microsoft.com/office/officeart/2011/layout/TabList"/>
+    <dgm:cxn modelId="{C2581B9A-D028-4509-B83E-27B6609C0ACD}" srcId="{74EA3605-F4A4-4526-A1CE-696903D81A86}" destId="{C7CD24A1-C52B-419B-83A2-256A220F927F}" srcOrd="2" destOrd="0" parTransId="{507D7744-7244-4EB6-8B63-3E75CB0CC2C8}" sibTransId="{08A9066E-C9AA-43D3-A57C-2015F5CB2F9D}"/>
+    <dgm:cxn modelId="{624FD0A5-0015-43A5-87C4-047BE8CC41CA}" type="presOf" srcId="{9F3ED660-FC13-4F28-ADBD-C68AEA77E2ED}" destId="{4741FAC9-4906-4DAB-AAF0-78DB21659C8B}" srcOrd="0" destOrd="0" presId="urn:microsoft.com/office/officeart/2011/layout/TabList"/>
+    <dgm:cxn modelId="{3D3610AF-2883-4441-A066-1488F26D5E44}" type="presOf" srcId="{EB1AF18E-A34D-4F20-A272-0E47A26355A1}" destId="{13A52573-D149-4FF8-9471-CE91B5943993}" srcOrd="0" destOrd="0" presId="urn:microsoft.com/office/officeart/2011/layout/TabList"/>
+    <dgm:cxn modelId="{ED2640AF-9229-413B-AB8C-3EBDBAB6C876}" srcId="{4E491F4F-B3BF-4715-9DE9-77BB854EA525}" destId="{EB1AF18E-A34D-4F20-A272-0E47A26355A1}" srcOrd="0" destOrd="0" parTransId="{FBCD75A9-CAE5-4C9F-9A1A-9E99FB08151F}" sibTransId="{8DCB9DE9-A51C-45E7-BF3C-9C65AD99F058}"/>
+    <dgm:cxn modelId="{AAC044B2-185A-46FD-8D89-D5CABA998212}" srcId="{74EA3605-F4A4-4526-A1CE-696903D81A86}" destId="{A009693E-7D4A-43B9-8665-A7519424864B}" srcOrd="0" destOrd="0" parTransId="{A656CB80-5C1F-4295-8C29-002237624701}" sibTransId="{59A21AD5-6514-49BE-BF1D-F10E97B8AF65}"/>
+    <dgm:cxn modelId="{804637B6-BF56-427B-AC81-A8DC117E46EF}" type="presOf" srcId="{86A40EAB-FB9A-4DD9-BE1D-BE7340DA6A75}" destId="{B16A5703-9003-4FEE-A1B0-4618F67A09CB}" srcOrd="0" destOrd="1" presId="urn:microsoft.com/office/officeart/2011/layout/TabList"/>
+    <dgm:cxn modelId="{DADBD1C9-9C36-4C00-AE3B-ADCDFB9210D1}" srcId="{74EA3605-F4A4-4526-A1CE-696903D81A86}" destId="{00F66A91-8595-430E-8654-F56DD0411FF9}" srcOrd="3" destOrd="0" parTransId="{B79D5EBB-043E-4F47-BE42-397A6C78FD83}" sibTransId="{60FC20C9-301E-4FD2-9B29-5F664A181CF5}"/>
+    <dgm:cxn modelId="{D7E2B9CF-EA18-4822-AFEF-3181BF34B73B}" srcId="{4E491F4F-B3BF-4715-9DE9-77BB854EA525}" destId="{C1DAB2F0-4351-4311-8BE4-CC8E543AE2CB}" srcOrd="2" destOrd="0" parTransId="{9EB16B17-48C9-40A0-A82F-7FD474D0348D}" sibTransId="{F326F237-620B-4BE8-9AD9-92D365DF8654}"/>
+    <dgm:cxn modelId="{A694DED1-5970-48C4-98B0-EF79D0667CFB}" type="presOf" srcId="{7A1CBD5B-BBA4-4BA6-A629-BFEEE09ED30E}" destId="{B16A5703-9003-4FEE-A1B0-4618F67A09CB}" srcOrd="0" destOrd="2" presId="urn:microsoft.com/office/officeart/2011/layout/TabList"/>
+    <dgm:cxn modelId="{E998D5D9-4129-4762-A295-7FE991EE095E}" type="presOf" srcId="{C7CD24A1-C52B-419B-83A2-256A220F927F}" destId="{054AD7EF-BF02-4C33-954B-7D3FF568645B}" srcOrd="0" destOrd="0" presId="urn:microsoft.com/office/officeart/2011/layout/TabList"/>
+    <dgm:cxn modelId="{F169F3EA-2974-47BC-ACF5-DC25B1823CE7}" type="presOf" srcId="{A4F3C272-1578-47A6-A488-0CE890B87C38}" destId="{B16A5703-9003-4FEE-A1B0-4618F67A09CB}" srcOrd="0" destOrd="0" presId="urn:microsoft.com/office/officeart/2011/layout/TabList"/>
+    <dgm:cxn modelId="{E7E891F4-213F-463A-8506-4ACB5F8EEDEF}" srcId="{A009693E-7D4A-43B9-8665-A7519424864B}" destId="{7AFDC91E-06C7-4D0E-B88B-B78CF2BE1005}" srcOrd="1" destOrd="0" parTransId="{EE95F371-9E69-4031-A17E-45F845384D87}" sibTransId="{BE5CFC17-1D43-46C8-9010-D8208D88CFE1}"/>
+    <dgm:cxn modelId="{F0D511FA-2BB5-421C-91C3-1C0EB2ADA585}" srcId="{74EA3605-F4A4-4526-A1CE-696903D81A86}" destId="{4E491F4F-B3BF-4715-9DE9-77BB854EA525}" srcOrd="1" destOrd="0" parTransId="{1EF880F7-7424-470E-A6F9-61155DC67AF7}" sibTransId="{AB91AE55-5970-4863-9A64-D61684A24DD5}"/>
+    <dgm:cxn modelId="{E1E784FA-433C-4B85-B1CE-81DD5134C0DF}" type="presOf" srcId="{28F6B763-FCBF-4AFD-BC5C-EE0F3F99C80A}" destId="{E223997E-A2C6-4632-9CDE-335C5E92979A}" srcOrd="0" destOrd="0" presId="urn:microsoft.com/office/officeart/2011/layout/TabList"/>
+    <dgm:cxn modelId="{DF8559F3-57D3-453C-984A-DE1D40C7C720}" type="presParOf" srcId="{B5A6A473-E4B1-46EF-BEA0-121ADE586641}" destId="{5972A535-0FD0-44AF-997B-C9B2B3E4470E}" srcOrd="0" destOrd="0" presId="urn:microsoft.com/office/officeart/2011/layout/TabList"/>
+    <dgm:cxn modelId="{0970185E-2E98-4B0D-B651-2CEE81EE487D}" type="presParOf" srcId="{5972A535-0FD0-44AF-997B-C9B2B3E4470E}" destId="{E223997E-A2C6-4632-9CDE-335C5E92979A}" srcOrd="0" destOrd="0" presId="urn:microsoft.com/office/officeart/2011/layout/TabList"/>
+    <dgm:cxn modelId="{2C882A83-C15A-4508-9A72-E34309C1564B}" type="presParOf" srcId="{5972A535-0FD0-44AF-997B-C9B2B3E4470E}" destId="{E90A8B7E-FDBA-4EED-A41C-EA25018D9A57}" srcOrd="1" destOrd="0" presId="urn:microsoft.com/office/officeart/2011/layout/TabList"/>
+    <dgm:cxn modelId="{BEEBE096-12DA-410F-A240-A1E33AC54377}" type="presParOf" srcId="{5972A535-0FD0-44AF-997B-C9B2B3E4470E}" destId="{A710A707-814E-44E5-84DD-A234757AEF22}" srcOrd="2" destOrd="0" presId="urn:microsoft.com/office/officeart/2011/layout/TabList"/>
+    <dgm:cxn modelId="{94545239-F099-424C-9A39-9607DF9AEE21}" type="presParOf" srcId="{B5A6A473-E4B1-46EF-BEA0-121ADE586641}" destId="{53AC60E9-F6FF-45AA-A0E4-6BFC5A074D49}" srcOrd="1" destOrd="0" presId="urn:microsoft.com/office/officeart/2011/layout/TabList"/>
+    <dgm:cxn modelId="{510D85F6-7555-4BC9-94E1-26A840CAF127}" type="presParOf" srcId="{B5A6A473-E4B1-46EF-BEA0-121ADE586641}" destId="{DDC8D6A0-D98D-4507-A440-D33329BF43C1}" srcOrd="2" destOrd="0" presId="urn:microsoft.com/office/officeart/2011/layout/TabList"/>
+    <dgm:cxn modelId="{9DCC77A1-A09C-48FD-8091-3AF208E1C232}" type="presParOf" srcId="{B5A6A473-E4B1-46EF-BEA0-121ADE586641}" destId="{5BE7B5B2-815F-4DDA-8342-1473402C923C}" srcOrd="3" destOrd="0" presId="urn:microsoft.com/office/officeart/2011/layout/TabList"/>
+    <dgm:cxn modelId="{750A24DC-3FA8-4C23-A269-A9DF93FB61B1}" type="presParOf" srcId="{5BE7B5B2-815F-4DDA-8342-1473402C923C}" destId="{13A52573-D149-4FF8-9471-CE91B5943993}" srcOrd="0" destOrd="0" presId="urn:microsoft.com/office/officeart/2011/layout/TabList"/>
+    <dgm:cxn modelId="{0255D192-390A-4B6C-AB17-41BD8A81925D}" type="presParOf" srcId="{5BE7B5B2-815F-4DDA-8342-1473402C923C}" destId="{50CC1BEC-161F-4342-B0F6-D1193A9189F2}" srcOrd="1" destOrd="0" presId="urn:microsoft.com/office/officeart/2011/layout/TabList"/>
+    <dgm:cxn modelId="{74D27917-ED33-4E24-BDB3-26E0BD06B4D1}" type="presParOf" srcId="{5BE7B5B2-815F-4DDA-8342-1473402C923C}" destId="{2EA7AE00-82D4-48D3-BA22-EB9EA306A842}" srcOrd="2" destOrd="0" presId="urn:microsoft.com/office/officeart/2011/layout/TabList"/>
+    <dgm:cxn modelId="{0AFEC80D-DA0C-453F-809D-ED52D1F08BDB}" type="presParOf" srcId="{B5A6A473-E4B1-46EF-BEA0-121ADE586641}" destId="{4741FAC9-4906-4DAB-AAF0-78DB21659C8B}" srcOrd="4" destOrd="0" presId="urn:microsoft.com/office/officeart/2011/layout/TabList"/>
+    <dgm:cxn modelId="{2511829F-6507-4979-8289-62B1957CFB89}" type="presParOf" srcId="{B5A6A473-E4B1-46EF-BEA0-121ADE586641}" destId="{AC6234E3-DDCF-4E7F-805B-9198130BF777}" srcOrd="5" destOrd="0" presId="urn:microsoft.com/office/officeart/2011/layout/TabList"/>
+    <dgm:cxn modelId="{58804040-13C7-442F-A193-A223BBF82DD0}" type="presParOf" srcId="{B5A6A473-E4B1-46EF-BEA0-121ADE586641}" destId="{812F7170-59EB-4804-ACAD-C421A1088762}" srcOrd="6" destOrd="0" presId="urn:microsoft.com/office/officeart/2011/layout/TabList"/>
+    <dgm:cxn modelId="{4DD66A86-A3B1-45F3-8266-7F87675C8E6B}" type="presParOf" srcId="{812F7170-59EB-4804-ACAD-C421A1088762}" destId="{8673A7D8-0747-478A-838C-4737B14B4953}" srcOrd="0" destOrd="0" presId="urn:microsoft.com/office/officeart/2011/layout/TabList"/>
+    <dgm:cxn modelId="{52656B63-2D0A-4E70-AE1D-179B9D9421B8}" type="presParOf" srcId="{812F7170-59EB-4804-ACAD-C421A1088762}" destId="{054AD7EF-BF02-4C33-954B-7D3FF568645B}" srcOrd="1" destOrd="0" presId="urn:microsoft.com/office/officeart/2011/layout/TabList"/>
+    <dgm:cxn modelId="{18BEE5A3-076D-4C6A-BED4-77500E1372F6}" type="presParOf" srcId="{812F7170-59EB-4804-ACAD-C421A1088762}" destId="{E0A457A9-A7A8-4E42-A0C8-74DD2D52116F}" srcOrd="2" destOrd="0" presId="urn:microsoft.com/office/officeart/2011/layout/TabList"/>
+    <dgm:cxn modelId="{232F19A0-B0D8-4005-BA55-42F4FB283926}" type="presParOf" srcId="{B5A6A473-E4B1-46EF-BEA0-121ADE586641}" destId="{B16A5703-9003-4FEE-A1B0-4618F67A09CB}" srcOrd="7" destOrd="0" presId="urn:microsoft.com/office/officeart/2011/layout/TabList"/>
+    <dgm:cxn modelId="{6FEACEB5-D93F-43B0-9C66-AC45061C0CC2}" type="presParOf" srcId="{B5A6A473-E4B1-46EF-BEA0-121ADE586641}" destId="{32F52EB5-E2C5-45F1-81A5-32DBA360E3FB}" srcOrd="8" destOrd="0" presId="urn:microsoft.com/office/officeart/2011/layout/TabList"/>
+    <dgm:cxn modelId="{8EE5C80D-5158-45EB-98FA-A18447CFCE5E}" type="presParOf" srcId="{B5A6A473-E4B1-46EF-BEA0-121ADE586641}" destId="{27AB7F52-FBA8-4FCE-B1B0-D95780328A7D}" srcOrd="9" destOrd="0" presId="urn:microsoft.com/office/officeart/2011/layout/TabList"/>
+    <dgm:cxn modelId="{11630200-7EE4-4539-885E-298710771FE3}" type="presParOf" srcId="{27AB7F52-FBA8-4FCE-B1B0-D95780328A7D}" destId="{F1C8D95E-7A17-4A43-9F53-209994038D06}" srcOrd="0" destOrd="0" presId="urn:microsoft.com/office/officeart/2011/layout/TabList"/>
+    <dgm:cxn modelId="{63ED2FBF-E1AE-4C1E-BD76-7AD2AE5DFA26}" type="presParOf" srcId="{27AB7F52-FBA8-4FCE-B1B0-D95780328A7D}" destId="{4B15CFCF-F036-4802-A8FB-D9F12717F2FC}" srcOrd="1" destOrd="0" presId="urn:microsoft.com/office/officeart/2011/layout/TabList"/>
+    <dgm:cxn modelId="{0D65BAD6-29D7-4F4B-B391-0388E3098A8B}" type="presParOf" srcId="{27AB7F52-FBA8-4FCE-B1B0-D95780328A7D}" destId="{700DE411-730B-41E4-86A4-2D018B22807B}" srcOrd="2" destOrd="0" presId="urn:microsoft.com/office/officeart/2011/layout/TabList"/>
+    <dgm:cxn modelId="{FDD47689-60DC-4AB5-AAB8-D10751621D18}" type="presParOf" srcId="{B5A6A473-E4B1-46EF-BEA0-121ADE586641}" destId="{64D507B4-C4A1-4BFC-8C43-D844DF813FBF}" srcOrd="10" destOrd="0" presId="urn:microsoft.com/office/officeart/2011/layout/TabList"/>
+  </dgm:cxnLst>
+  <dgm:bg/>
+  <dgm:whole/>
+  <dgm:extLst>
+    <a:ext uri="http://schemas.microsoft.com/office/drawing/2008/diagram">
+      <dsp:dataModelExt xmlns:dsp="http://schemas.microsoft.com/office/drawing/2008/diagram" relId="rId6" minVer="http://schemas.openxmlformats.org/drawingml/2006/diagram"/>
+    </a:ext>
+  </dgm:extLst>
+</dgm:dataModel>
+</file>
+
 <file path=ppt/diagrams/drawing1.xml><?xml version="1.0" encoding="utf-8"?>
 <dsp:drawing xmlns:dgm="http://schemas.openxmlformats.org/drawingml/2006/diagram" xmlns:dsp="http://schemas.microsoft.com/office/drawing/2008/diagram" xmlns:a="http://schemas.openxmlformats.org/drawingml/2006/main">
   <dsp:spTree>
@@ -10347,6 +11915,1058 @@
       <dsp:txXfrm>
         <a:off x="8779153" y="1962802"/>
         <a:ext cx="2534023" cy="466586"/>
+      </dsp:txXfrm>
+    </dsp:sp>
+  </dsp:spTree>
+</dsp:drawing>
+</file>
+
+<file path=ppt/diagrams/drawing3.xml><?xml version="1.0" encoding="utf-8"?>
+<dsp:drawing xmlns:dgm="http://schemas.openxmlformats.org/drawingml/2006/diagram" xmlns:dsp="http://schemas.microsoft.com/office/drawing/2008/diagram" xmlns:a="http://schemas.openxmlformats.org/drawingml/2006/main">
+  <dsp:spTree>
+    <dsp:nvGrpSpPr>
+      <dsp:cNvPr id="0" name=""/>
+      <dsp:cNvGrpSpPr/>
+    </dsp:nvGrpSpPr>
+    <dsp:grpSpPr/>
+    <dsp:sp modelId="{700DE411-730B-41E4-86A4-2D018B22807B}">
+      <dsp:nvSpPr>
+        <dsp:cNvPr id="0" name=""/>
+        <dsp:cNvSpPr/>
+      </dsp:nvSpPr>
+      <dsp:spPr>
+        <a:xfrm>
+          <a:off x="0" y="4932287"/>
+          <a:ext cx="8128000" cy="0"/>
+        </a:xfrm>
+        <a:prstGeom prst="line">
+          <a:avLst/>
+        </a:prstGeom>
+        <a:noFill/>
+        <a:ln w="12700" cap="flat" cmpd="sng" algn="ctr">
+          <a:solidFill>
+            <a:schemeClr val="accent1">
+              <a:shade val="60000"/>
+              <a:hueOff val="0"/>
+              <a:satOff val="0"/>
+              <a:lumOff val="0"/>
+              <a:alphaOff val="0"/>
+            </a:schemeClr>
+          </a:solidFill>
+          <a:prstDash val="solid"/>
+          <a:miter lim="800000"/>
+        </a:ln>
+        <a:effectLst/>
+      </dsp:spPr>
+      <dsp:style>
+        <a:lnRef idx="2">
+          <a:scrgbClr r="0" g="0" b="0"/>
+        </a:lnRef>
+        <a:fillRef idx="0">
+          <a:scrgbClr r="0" g="0" b="0"/>
+        </a:fillRef>
+        <a:effectRef idx="0">
+          <a:scrgbClr r="0" g="0" b="0"/>
+        </a:effectRef>
+        <a:fontRef idx="minor"/>
+      </dsp:style>
+    </dsp:sp>
+    <dsp:sp modelId="{E0A457A9-A7A8-4E42-A0C8-74DD2D52116F}">
+      <dsp:nvSpPr>
+        <dsp:cNvPr id="0" name=""/>
+        <dsp:cNvSpPr/>
+      </dsp:nvSpPr>
+      <dsp:spPr>
+        <a:xfrm>
+          <a:off x="0" y="3450472"/>
+          <a:ext cx="8128000" cy="0"/>
+        </a:xfrm>
+        <a:prstGeom prst="line">
+          <a:avLst/>
+        </a:prstGeom>
+        <a:noFill/>
+        <a:ln w="12700" cap="flat" cmpd="sng" algn="ctr">
+          <a:solidFill>
+            <a:schemeClr val="accent1">
+              <a:shade val="60000"/>
+              <a:hueOff val="0"/>
+              <a:satOff val="0"/>
+              <a:lumOff val="0"/>
+              <a:alphaOff val="0"/>
+            </a:schemeClr>
+          </a:solidFill>
+          <a:prstDash val="solid"/>
+          <a:miter lim="800000"/>
+        </a:ln>
+        <a:effectLst/>
+      </dsp:spPr>
+      <dsp:style>
+        <a:lnRef idx="2">
+          <a:scrgbClr r="0" g="0" b="0"/>
+        </a:lnRef>
+        <a:fillRef idx="0">
+          <a:scrgbClr r="0" g="0" b="0"/>
+        </a:fillRef>
+        <a:effectRef idx="0">
+          <a:scrgbClr r="0" g="0" b="0"/>
+        </a:effectRef>
+        <a:fontRef idx="minor"/>
+      </dsp:style>
+    </dsp:sp>
+    <dsp:sp modelId="{2EA7AE00-82D4-48D3-BA22-EB9EA306A842}">
+      <dsp:nvSpPr>
+        <dsp:cNvPr id="0" name=""/>
+        <dsp:cNvSpPr/>
+      </dsp:nvSpPr>
+      <dsp:spPr>
+        <a:xfrm>
+          <a:off x="0" y="1968657"/>
+          <a:ext cx="8128000" cy="0"/>
+        </a:xfrm>
+        <a:prstGeom prst="line">
+          <a:avLst/>
+        </a:prstGeom>
+        <a:noFill/>
+        <a:ln w="12700" cap="flat" cmpd="sng" algn="ctr">
+          <a:solidFill>
+            <a:schemeClr val="accent1">
+              <a:shade val="60000"/>
+              <a:hueOff val="0"/>
+              <a:satOff val="0"/>
+              <a:lumOff val="0"/>
+              <a:alphaOff val="0"/>
+            </a:schemeClr>
+          </a:solidFill>
+          <a:prstDash val="solid"/>
+          <a:miter lim="800000"/>
+        </a:ln>
+        <a:effectLst/>
+      </dsp:spPr>
+      <dsp:style>
+        <a:lnRef idx="2">
+          <a:scrgbClr r="0" g="0" b="0"/>
+        </a:lnRef>
+        <a:fillRef idx="0">
+          <a:scrgbClr r="0" g="0" b="0"/>
+        </a:fillRef>
+        <a:effectRef idx="0">
+          <a:scrgbClr r="0" g="0" b="0"/>
+        </a:effectRef>
+        <a:fontRef idx="minor"/>
+      </dsp:style>
+    </dsp:sp>
+    <dsp:sp modelId="{A710A707-814E-44E5-84DD-A234757AEF22}">
+      <dsp:nvSpPr>
+        <dsp:cNvPr id="0" name=""/>
+        <dsp:cNvSpPr/>
+      </dsp:nvSpPr>
+      <dsp:spPr>
+        <a:xfrm>
+          <a:off x="0" y="486842"/>
+          <a:ext cx="8128000" cy="0"/>
+        </a:xfrm>
+        <a:prstGeom prst="line">
+          <a:avLst/>
+        </a:prstGeom>
+        <a:noFill/>
+        <a:ln w="12700" cap="flat" cmpd="sng" algn="ctr">
+          <a:solidFill>
+            <a:schemeClr val="accent1">
+              <a:shade val="60000"/>
+              <a:hueOff val="0"/>
+              <a:satOff val="0"/>
+              <a:lumOff val="0"/>
+              <a:alphaOff val="0"/>
+            </a:schemeClr>
+          </a:solidFill>
+          <a:prstDash val="solid"/>
+          <a:miter lim="800000"/>
+        </a:ln>
+        <a:effectLst/>
+      </dsp:spPr>
+      <dsp:style>
+        <a:lnRef idx="2">
+          <a:scrgbClr r="0" g="0" b="0"/>
+        </a:lnRef>
+        <a:fillRef idx="0">
+          <a:scrgbClr r="0" g="0" b="0"/>
+        </a:fillRef>
+        <a:effectRef idx="0">
+          <a:scrgbClr r="0" g="0" b="0"/>
+        </a:effectRef>
+        <a:fontRef idx="minor"/>
+      </dsp:style>
+    </dsp:sp>
+    <dsp:sp modelId="{E223997E-A2C6-4632-9CDE-335C5E92979A}">
+      <dsp:nvSpPr>
+        <dsp:cNvPr id="0" name=""/>
+        <dsp:cNvSpPr/>
+      </dsp:nvSpPr>
+      <dsp:spPr>
+        <a:xfrm>
+          <a:off x="0" y="1048"/>
+          <a:ext cx="6014720" cy="485793"/>
+        </a:xfrm>
+        <a:prstGeom prst="rect">
+          <a:avLst/>
+        </a:prstGeom>
+        <a:noFill/>
+        <a:ln>
+          <a:noFill/>
+        </a:ln>
+        <a:effectLst/>
+      </dsp:spPr>
+      <dsp:style>
+        <a:lnRef idx="0">
+          <a:scrgbClr r="0" g="0" b="0"/>
+        </a:lnRef>
+        <a:fillRef idx="0">
+          <a:scrgbClr r="0" g="0" b="0"/>
+        </a:fillRef>
+        <a:effectRef idx="0">
+          <a:scrgbClr r="0" g="0" b="0"/>
+        </a:effectRef>
+        <a:fontRef idx="minor"/>
+      </dsp:style>
+      <dsp:txBody>
+        <a:bodyPr spcFirstLastPara="0" vert="horz" wrap="square" lIns="49530" tIns="49530" rIns="49530" bIns="49530" numCol="1" spcCol="1270" anchor="b" anchorCtr="0">
+          <a:noAutofit/>
+        </a:bodyPr>
+        <a:lstStyle/>
+        <a:p>
+          <a:pPr marL="0" lvl="0" indent="0" algn="r" defTabSz="1155700">
+            <a:lnSpc>
+              <a:spcPct val="90000"/>
+            </a:lnSpc>
+            <a:spcBef>
+              <a:spcPct val="0"/>
+            </a:spcBef>
+            <a:spcAft>
+              <a:spcPct val="35000"/>
+            </a:spcAft>
+            <a:buNone/>
+          </a:pPr>
+          <a:r>
+            <a:rPr lang="en-US" sz="2600" kern="1200" dirty="0" err="1"/>
+            <a:t>Hmc_agent</a:t>
+          </a:r>
+          <a:endParaRPr lang="en-US" sz="2600" kern="1200" dirty="0"/>
+        </a:p>
+      </dsp:txBody>
+      <dsp:txXfrm>
+        <a:off x="0" y="1048"/>
+        <a:ext cx="6014720" cy="485793"/>
+      </dsp:txXfrm>
+    </dsp:sp>
+    <dsp:sp modelId="{E90A8B7E-FDBA-4EED-A41C-EA25018D9A57}">
+      <dsp:nvSpPr>
+        <dsp:cNvPr id="0" name=""/>
+        <dsp:cNvSpPr/>
+      </dsp:nvSpPr>
+      <dsp:spPr>
+        <a:xfrm>
+          <a:off x="6014720" y="1048"/>
+          <a:ext cx="2113280" cy="485793"/>
+        </a:xfrm>
+        <a:prstGeom prst="round2SameRect">
+          <a:avLst>
+            <a:gd name="adj1" fmla="val 16670"/>
+            <a:gd name="adj2" fmla="val 0"/>
+          </a:avLst>
+        </a:prstGeom>
+        <a:solidFill>
+          <a:schemeClr val="accent1">
+            <a:hueOff val="0"/>
+            <a:satOff val="0"/>
+            <a:lumOff val="0"/>
+            <a:alphaOff val="0"/>
+          </a:schemeClr>
+        </a:solidFill>
+        <a:ln w="12700" cap="flat" cmpd="sng" algn="ctr">
+          <a:solidFill>
+            <a:schemeClr val="accent1">
+              <a:hueOff val="0"/>
+              <a:satOff val="0"/>
+              <a:lumOff val="0"/>
+              <a:alphaOff val="0"/>
+            </a:schemeClr>
+          </a:solidFill>
+          <a:prstDash val="solid"/>
+          <a:miter lim="800000"/>
+        </a:ln>
+        <a:effectLst/>
+      </dsp:spPr>
+      <dsp:style>
+        <a:lnRef idx="2">
+          <a:scrgbClr r="0" g="0" b="0"/>
+        </a:lnRef>
+        <a:fillRef idx="1">
+          <a:scrgbClr r="0" g="0" b="0"/>
+        </a:fillRef>
+        <a:effectRef idx="0">
+          <a:scrgbClr r="0" g="0" b="0"/>
+        </a:effectRef>
+        <a:fontRef idx="minor">
+          <a:schemeClr val="lt1"/>
+        </a:fontRef>
+      </dsp:style>
+      <dsp:txBody>
+        <a:bodyPr spcFirstLastPara="0" vert="horz" wrap="square" lIns="49530" tIns="49530" rIns="49530" bIns="49530" numCol="1" spcCol="1270" anchor="ctr" anchorCtr="0">
+          <a:noAutofit/>
+        </a:bodyPr>
+        <a:lstStyle/>
+        <a:p>
+          <a:pPr marL="0" lvl="0" indent="0" algn="ctr" defTabSz="1155700">
+            <a:lnSpc>
+              <a:spcPct val="90000"/>
+            </a:lnSpc>
+            <a:spcBef>
+              <a:spcPct val="0"/>
+            </a:spcBef>
+            <a:spcAft>
+              <a:spcPct val="35000"/>
+            </a:spcAft>
+            <a:buNone/>
+          </a:pPr>
+          <a:r>
+            <a:rPr lang="ar-EG" sz="2600" kern="1200" dirty="0"/>
+            <a:t>تيم 1</a:t>
+          </a:r>
+          <a:endParaRPr lang="en-US" sz="2600" kern="1200" dirty="0"/>
+        </a:p>
+      </dsp:txBody>
+      <dsp:txXfrm>
+        <a:off x="6038439" y="24767"/>
+        <a:ext cx="2065842" cy="462074"/>
+      </dsp:txXfrm>
+    </dsp:sp>
+    <dsp:sp modelId="{53AC60E9-F6FF-45AA-A0E4-6BFC5A074D49}">
+      <dsp:nvSpPr>
+        <dsp:cNvPr id="0" name=""/>
+        <dsp:cNvSpPr/>
+      </dsp:nvSpPr>
+      <dsp:spPr>
+        <a:xfrm>
+          <a:off x="0" y="486842"/>
+          <a:ext cx="8128000" cy="971732"/>
+        </a:xfrm>
+        <a:prstGeom prst="rect">
+          <a:avLst/>
+        </a:prstGeom>
+        <a:noFill/>
+        <a:ln>
+          <a:noFill/>
+        </a:ln>
+        <a:effectLst/>
+      </dsp:spPr>
+      <dsp:style>
+        <a:lnRef idx="0">
+          <a:scrgbClr r="0" g="0" b="0"/>
+        </a:lnRef>
+        <a:fillRef idx="0">
+          <a:scrgbClr r="0" g="0" b="0"/>
+        </a:fillRef>
+        <a:effectRef idx="0">
+          <a:scrgbClr r="0" g="0" b="0"/>
+        </a:effectRef>
+        <a:fontRef idx="minor"/>
+      </dsp:style>
+      <dsp:txBody>
+        <a:bodyPr spcFirstLastPara="0" vert="horz" wrap="square" lIns="43815" tIns="43815" rIns="43815" bIns="43815" numCol="1" spcCol="1270" anchor="t" anchorCtr="0">
+          <a:noAutofit/>
+        </a:bodyPr>
+        <a:lstStyle/>
+        <a:p>
+          <a:pPr marL="171450" lvl="1" indent="-171450" algn="r" defTabSz="800100" rtl="1">
+            <a:lnSpc>
+              <a:spcPct val="90000"/>
+            </a:lnSpc>
+            <a:spcBef>
+              <a:spcPct val="0"/>
+            </a:spcBef>
+            <a:spcAft>
+              <a:spcPct val="15000"/>
+            </a:spcAft>
+            <a:buChar char="•"/>
+          </a:pPr>
+          <a:r>
+            <a:rPr lang="ar-EG" sz="1800" kern="1200" dirty="0"/>
+            <a:t>محمد حسام</a:t>
+          </a:r>
+          <a:endParaRPr lang="en-US" sz="1800" kern="1200" dirty="0"/>
+        </a:p>
+      </dsp:txBody>
+      <dsp:txXfrm>
+        <a:off x="0" y="486842"/>
+        <a:ext cx="8128000" cy="971732"/>
+      </dsp:txXfrm>
+    </dsp:sp>
+    <dsp:sp modelId="{13A52573-D149-4FF8-9471-CE91B5943993}">
+      <dsp:nvSpPr>
+        <dsp:cNvPr id="0" name=""/>
+        <dsp:cNvSpPr/>
+      </dsp:nvSpPr>
+      <dsp:spPr>
+        <a:xfrm>
+          <a:off x="0" y="1482863"/>
+          <a:ext cx="6014720" cy="485793"/>
+        </a:xfrm>
+        <a:prstGeom prst="rect">
+          <a:avLst/>
+        </a:prstGeom>
+        <a:noFill/>
+        <a:ln>
+          <a:noFill/>
+        </a:ln>
+        <a:effectLst/>
+      </dsp:spPr>
+      <dsp:style>
+        <a:lnRef idx="0">
+          <a:scrgbClr r="0" g="0" b="0"/>
+        </a:lnRef>
+        <a:fillRef idx="0">
+          <a:scrgbClr r="0" g="0" b="0"/>
+        </a:fillRef>
+        <a:effectRef idx="0">
+          <a:scrgbClr r="0" g="0" b="0"/>
+        </a:effectRef>
+        <a:fontRef idx="minor"/>
+      </dsp:style>
+      <dsp:txBody>
+        <a:bodyPr spcFirstLastPara="0" vert="horz" wrap="square" lIns="49530" tIns="49530" rIns="49530" bIns="49530" numCol="1" spcCol="1270" anchor="b" anchorCtr="0">
+          <a:noAutofit/>
+        </a:bodyPr>
+        <a:lstStyle/>
+        <a:p>
+          <a:pPr marL="0" lvl="0" indent="0" algn="r" defTabSz="1155700">
+            <a:lnSpc>
+              <a:spcPct val="90000"/>
+            </a:lnSpc>
+            <a:spcBef>
+              <a:spcPct val="0"/>
+            </a:spcBef>
+            <a:spcAft>
+              <a:spcPct val="35000"/>
+            </a:spcAft>
+            <a:buNone/>
+          </a:pPr>
+          <a:r>
+            <a:rPr lang="en-US" sz="2600" kern="1200" dirty="0" err="1"/>
+            <a:t>Axi_agent</a:t>
+          </a:r>
+          <a:endParaRPr lang="en-US" sz="2600" kern="1200" dirty="0"/>
+        </a:p>
+      </dsp:txBody>
+      <dsp:txXfrm>
+        <a:off x="0" y="1482863"/>
+        <a:ext cx="6014720" cy="485793"/>
+      </dsp:txXfrm>
+    </dsp:sp>
+    <dsp:sp modelId="{50CC1BEC-161F-4342-B0F6-D1193A9189F2}">
+      <dsp:nvSpPr>
+        <dsp:cNvPr id="0" name=""/>
+        <dsp:cNvSpPr/>
+      </dsp:nvSpPr>
+      <dsp:spPr>
+        <a:xfrm>
+          <a:off x="6014720" y="1482863"/>
+          <a:ext cx="2113280" cy="485793"/>
+        </a:xfrm>
+        <a:prstGeom prst="round2SameRect">
+          <a:avLst>
+            <a:gd name="adj1" fmla="val 16670"/>
+            <a:gd name="adj2" fmla="val 0"/>
+          </a:avLst>
+        </a:prstGeom>
+        <a:solidFill>
+          <a:schemeClr val="accent1">
+            <a:hueOff val="0"/>
+            <a:satOff val="0"/>
+            <a:lumOff val="0"/>
+            <a:alphaOff val="0"/>
+          </a:schemeClr>
+        </a:solidFill>
+        <a:ln w="12700" cap="flat" cmpd="sng" algn="ctr">
+          <a:solidFill>
+            <a:schemeClr val="accent1">
+              <a:hueOff val="0"/>
+              <a:satOff val="0"/>
+              <a:lumOff val="0"/>
+              <a:alphaOff val="0"/>
+            </a:schemeClr>
+          </a:solidFill>
+          <a:prstDash val="solid"/>
+          <a:miter lim="800000"/>
+        </a:ln>
+        <a:effectLst/>
+      </dsp:spPr>
+      <dsp:style>
+        <a:lnRef idx="2">
+          <a:scrgbClr r="0" g="0" b="0"/>
+        </a:lnRef>
+        <a:fillRef idx="1">
+          <a:scrgbClr r="0" g="0" b="0"/>
+        </a:fillRef>
+        <a:effectRef idx="0">
+          <a:scrgbClr r="0" g="0" b="0"/>
+        </a:effectRef>
+        <a:fontRef idx="minor">
+          <a:schemeClr val="lt1"/>
+        </a:fontRef>
+      </dsp:style>
+      <dsp:txBody>
+        <a:bodyPr spcFirstLastPara="0" vert="horz" wrap="square" lIns="49530" tIns="49530" rIns="49530" bIns="49530" numCol="1" spcCol="1270" anchor="ctr" anchorCtr="0">
+          <a:noAutofit/>
+        </a:bodyPr>
+        <a:lstStyle/>
+        <a:p>
+          <a:pPr marL="0" lvl="0" indent="0" algn="ctr" defTabSz="1155700">
+            <a:lnSpc>
+              <a:spcPct val="90000"/>
+            </a:lnSpc>
+            <a:spcBef>
+              <a:spcPct val="0"/>
+            </a:spcBef>
+            <a:spcAft>
+              <a:spcPct val="35000"/>
+            </a:spcAft>
+            <a:buNone/>
+          </a:pPr>
+          <a:r>
+            <a:rPr lang="ar-EG" sz="2600" kern="1200" dirty="0"/>
+            <a:t>تيم 2</a:t>
+          </a:r>
+          <a:endParaRPr lang="en-US" sz="2600" kern="1200" dirty="0"/>
+        </a:p>
+      </dsp:txBody>
+      <dsp:txXfrm>
+        <a:off x="6038439" y="1506582"/>
+        <a:ext cx="2065842" cy="462074"/>
+      </dsp:txXfrm>
+    </dsp:sp>
+    <dsp:sp modelId="{4741FAC9-4906-4DAB-AAF0-78DB21659C8B}">
+      <dsp:nvSpPr>
+        <dsp:cNvPr id="0" name=""/>
+        <dsp:cNvSpPr/>
+      </dsp:nvSpPr>
+      <dsp:spPr>
+        <a:xfrm>
+          <a:off x="0" y="1968657"/>
+          <a:ext cx="8128000" cy="971732"/>
+        </a:xfrm>
+        <a:prstGeom prst="rect">
+          <a:avLst/>
+        </a:prstGeom>
+        <a:noFill/>
+        <a:ln>
+          <a:noFill/>
+        </a:ln>
+        <a:effectLst/>
+      </dsp:spPr>
+      <dsp:style>
+        <a:lnRef idx="0">
+          <a:scrgbClr r="0" g="0" b="0"/>
+        </a:lnRef>
+        <a:fillRef idx="0">
+          <a:scrgbClr r="0" g="0" b="0"/>
+        </a:fillRef>
+        <a:effectRef idx="0">
+          <a:scrgbClr r="0" g="0" b="0"/>
+        </a:effectRef>
+        <a:fontRef idx="minor"/>
+      </dsp:style>
+      <dsp:txBody>
+        <a:bodyPr spcFirstLastPara="0" vert="horz" wrap="square" lIns="43815" tIns="43815" rIns="43815" bIns="43815" numCol="1" spcCol="1270" anchor="t" anchorCtr="0">
+          <a:noAutofit/>
+        </a:bodyPr>
+        <a:lstStyle/>
+        <a:p>
+          <a:pPr marL="171450" lvl="1" indent="-171450" algn="r" defTabSz="800100" rtl="1">
+            <a:lnSpc>
+              <a:spcPct val="90000"/>
+            </a:lnSpc>
+            <a:spcBef>
+              <a:spcPct val="0"/>
+            </a:spcBef>
+            <a:spcAft>
+              <a:spcPct val="15000"/>
+            </a:spcAft>
+            <a:buChar char="•"/>
+          </a:pPr>
+          <a:r>
+            <a:rPr lang="ar-EG" sz="1800" kern="1200" dirty="0"/>
+            <a:t>رحمة حمدي</a:t>
+          </a:r>
+          <a:endParaRPr lang="en-US" sz="1800" kern="1200" dirty="0"/>
+        </a:p>
+        <a:p>
+          <a:pPr marL="171450" lvl="1" indent="-171450" algn="r" defTabSz="800100" rtl="1">
+            <a:lnSpc>
+              <a:spcPct val="90000"/>
+            </a:lnSpc>
+            <a:spcBef>
+              <a:spcPct val="0"/>
+            </a:spcBef>
+            <a:spcAft>
+              <a:spcPct val="15000"/>
+            </a:spcAft>
+            <a:buChar char="•"/>
+          </a:pPr>
+          <a:r>
+            <a:rPr lang="ar-EG" sz="1800" kern="1200" dirty="0"/>
+            <a:t>ندي عثمان</a:t>
+          </a:r>
+          <a:endParaRPr lang="en-US" sz="1800" kern="1200" dirty="0"/>
+        </a:p>
+      </dsp:txBody>
+      <dsp:txXfrm>
+        <a:off x="0" y="1968657"/>
+        <a:ext cx="8128000" cy="971732"/>
+      </dsp:txXfrm>
+    </dsp:sp>
+    <dsp:sp modelId="{8673A7D8-0747-478A-838C-4737B14B4953}">
+      <dsp:nvSpPr>
+        <dsp:cNvPr id="0" name=""/>
+        <dsp:cNvSpPr/>
+      </dsp:nvSpPr>
+      <dsp:spPr>
+        <a:xfrm>
+          <a:off x="0" y="2964678"/>
+          <a:ext cx="6014720" cy="485793"/>
+        </a:xfrm>
+        <a:prstGeom prst="rect">
+          <a:avLst/>
+        </a:prstGeom>
+        <a:noFill/>
+        <a:ln>
+          <a:noFill/>
+        </a:ln>
+        <a:effectLst/>
+      </dsp:spPr>
+      <dsp:style>
+        <a:lnRef idx="0">
+          <a:scrgbClr r="0" g="0" b="0"/>
+        </a:lnRef>
+        <a:fillRef idx="0">
+          <a:scrgbClr r="0" g="0" b="0"/>
+        </a:fillRef>
+        <a:effectRef idx="0">
+          <a:scrgbClr r="0" g="0" b="0"/>
+        </a:effectRef>
+        <a:fontRef idx="minor"/>
+      </dsp:style>
+      <dsp:txBody>
+        <a:bodyPr spcFirstLastPara="0" vert="horz" wrap="square" lIns="49530" tIns="49530" rIns="49530" bIns="49530" numCol="1" spcCol="1270" anchor="b" anchorCtr="0">
+          <a:noAutofit/>
+        </a:bodyPr>
+        <a:lstStyle/>
+        <a:p>
+          <a:pPr marL="0" lvl="0" indent="0" algn="r" defTabSz="1155700">
+            <a:lnSpc>
+              <a:spcPct val="90000"/>
+            </a:lnSpc>
+            <a:spcBef>
+              <a:spcPct val="0"/>
+            </a:spcBef>
+            <a:spcAft>
+              <a:spcPct val="35000"/>
+            </a:spcAft>
+            <a:buNone/>
+          </a:pPr>
+          <a:r>
+            <a:rPr lang="en-US" sz="2600" kern="1200" dirty="0"/>
+            <a:t>Scoreboard &amp; Coverage</a:t>
+          </a:r>
+        </a:p>
+      </dsp:txBody>
+      <dsp:txXfrm>
+        <a:off x="0" y="2964678"/>
+        <a:ext cx="6014720" cy="485793"/>
+      </dsp:txXfrm>
+    </dsp:sp>
+    <dsp:sp modelId="{054AD7EF-BF02-4C33-954B-7D3FF568645B}">
+      <dsp:nvSpPr>
+        <dsp:cNvPr id="0" name=""/>
+        <dsp:cNvSpPr/>
+      </dsp:nvSpPr>
+      <dsp:spPr>
+        <a:xfrm>
+          <a:off x="6014720" y="2964678"/>
+          <a:ext cx="2113280" cy="485793"/>
+        </a:xfrm>
+        <a:prstGeom prst="round2SameRect">
+          <a:avLst>
+            <a:gd name="adj1" fmla="val 16670"/>
+            <a:gd name="adj2" fmla="val 0"/>
+          </a:avLst>
+        </a:prstGeom>
+        <a:solidFill>
+          <a:schemeClr val="accent1">
+            <a:hueOff val="0"/>
+            <a:satOff val="0"/>
+            <a:lumOff val="0"/>
+            <a:alphaOff val="0"/>
+          </a:schemeClr>
+        </a:solidFill>
+        <a:ln w="12700" cap="flat" cmpd="sng" algn="ctr">
+          <a:solidFill>
+            <a:schemeClr val="accent1">
+              <a:hueOff val="0"/>
+              <a:satOff val="0"/>
+              <a:lumOff val="0"/>
+              <a:alphaOff val="0"/>
+            </a:schemeClr>
+          </a:solidFill>
+          <a:prstDash val="solid"/>
+          <a:miter lim="800000"/>
+        </a:ln>
+        <a:effectLst/>
+      </dsp:spPr>
+      <dsp:style>
+        <a:lnRef idx="2">
+          <a:scrgbClr r="0" g="0" b="0"/>
+        </a:lnRef>
+        <a:fillRef idx="1">
+          <a:scrgbClr r="0" g="0" b="0"/>
+        </a:fillRef>
+        <a:effectRef idx="0">
+          <a:scrgbClr r="0" g="0" b="0"/>
+        </a:effectRef>
+        <a:fontRef idx="minor">
+          <a:schemeClr val="lt1"/>
+        </a:fontRef>
+      </dsp:style>
+      <dsp:txBody>
+        <a:bodyPr spcFirstLastPara="0" vert="horz" wrap="square" lIns="49530" tIns="49530" rIns="49530" bIns="49530" numCol="1" spcCol="1270" anchor="ctr" anchorCtr="0">
+          <a:noAutofit/>
+        </a:bodyPr>
+        <a:lstStyle/>
+        <a:p>
+          <a:pPr marL="0" lvl="0" indent="0" algn="ctr" defTabSz="1155700">
+            <a:lnSpc>
+              <a:spcPct val="90000"/>
+            </a:lnSpc>
+            <a:spcBef>
+              <a:spcPct val="0"/>
+            </a:spcBef>
+            <a:spcAft>
+              <a:spcPct val="35000"/>
+            </a:spcAft>
+            <a:buNone/>
+          </a:pPr>
+          <a:r>
+            <a:rPr lang="ar-EG" sz="2600" kern="1200" dirty="0"/>
+            <a:t>تيم 3</a:t>
+          </a:r>
+          <a:endParaRPr lang="en-US" sz="2600" kern="1200" dirty="0"/>
+        </a:p>
+      </dsp:txBody>
+      <dsp:txXfrm>
+        <a:off x="6038439" y="2988397"/>
+        <a:ext cx="2065842" cy="462074"/>
+      </dsp:txXfrm>
+    </dsp:sp>
+    <dsp:sp modelId="{B16A5703-9003-4FEE-A1B0-4618F67A09CB}">
+      <dsp:nvSpPr>
+        <dsp:cNvPr id="0" name=""/>
+        <dsp:cNvSpPr/>
+      </dsp:nvSpPr>
+      <dsp:spPr>
+        <a:xfrm>
+          <a:off x="0" y="3450472"/>
+          <a:ext cx="8128000" cy="971732"/>
+        </a:xfrm>
+        <a:prstGeom prst="rect">
+          <a:avLst/>
+        </a:prstGeom>
+        <a:noFill/>
+        <a:ln>
+          <a:noFill/>
+        </a:ln>
+        <a:effectLst/>
+      </dsp:spPr>
+      <dsp:style>
+        <a:lnRef idx="0">
+          <a:scrgbClr r="0" g="0" b="0"/>
+        </a:lnRef>
+        <a:fillRef idx="0">
+          <a:scrgbClr r="0" g="0" b="0"/>
+        </a:fillRef>
+        <a:effectRef idx="0">
+          <a:scrgbClr r="0" g="0" b="0"/>
+        </a:effectRef>
+        <a:fontRef idx="minor"/>
+      </dsp:style>
+      <dsp:txBody>
+        <a:bodyPr spcFirstLastPara="0" vert="horz" wrap="square" lIns="43815" tIns="43815" rIns="43815" bIns="43815" numCol="1" spcCol="1270" anchor="t" anchorCtr="0">
+          <a:noAutofit/>
+        </a:bodyPr>
+        <a:lstStyle/>
+        <a:p>
+          <a:pPr marL="171450" lvl="1" indent="-171450" algn="r" defTabSz="800100" rtl="1">
+            <a:lnSpc>
+              <a:spcPct val="90000"/>
+            </a:lnSpc>
+            <a:spcBef>
+              <a:spcPct val="0"/>
+            </a:spcBef>
+            <a:spcAft>
+              <a:spcPct val="15000"/>
+            </a:spcAft>
+            <a:buChar char="•"/>
+          </a:pPr>
+          <a:r>
+            <a:rPr lang="ar-EG" sz="1800" kern="1200" dirty="0"/>
+            <a:t>علاء ربيع</a:t>
+          </a:r>
+          <a:endParaRPr lang="en-US" sz="1800" kern="1200" dirty="0"/>
+        </a:p>
+        <a:p>
+          <a:pPr marL="171450" lvl="1" indent="-171450" algn="r" defTabSz="800100" rtl="1">
+            <a:lnSpc>
+              <a:spcPct val="90000"/>
+            </a:lnSpc>
+            <a:spcBef>
+              <a:spcPct val="0"/>
+            </a:spcBef>
+            <a:spcAft>
+              <a:spcPct val="15000"/>
+            </a:spcAft>
+            <a:buChar char="•"/>
+          </a:pPr>
+          <a:r>
+            <a:rPr lang="ar-EG" sz="1800" kern="1200" dirty="0"/>
+            <a:t>محمود موسي</a:t>
+          </a:r>
+          <a:endParaRPr lang="en-US" sz="1800" kern="1200" dirty="0"/>
+        </a:p>
+        <a:p>
+          <a:pPr marL="171450" lvl="1" indent="-171450" algn="r" defTabSz="800100" rtl="1">
+            <a:lnSpc>
+              <a:spcPct val="90000"/>
+            </a:lnSpc>
+            <a:spcBef>
+              <a:spcPct val="0"/>
+            </a:spcBef>
+            <a:spcAft>
+              <a:spcPct val="15000"/>
+            </a:spcAft>
+            <a:buChar char="•"/>
+          </a:pPr>
+          <a:r>
+            <a:rPr lang="ar-EG" sz="1800" kern="1200" dirty="0"/>
+            <a:t>محمد احمد طه</a:t>
+          </a:r>
+          <a:endParaRPr lang="en-US" sz="1800" kern="1200" dirty="0"/>
+        </a:p>
+      </dsp:txBody>
+      <dsp:txXfrm>
+        <a:off x="0" y="3450472"/>
+        <a:ext cx="8128000" cy="971732"/>
+      </dsp:txXfrm>
+    </dsp:sp>
+    <dsp:sp modelId="{F1C8D95E-7A17-4A43-9F53-209994038D06}">
+      <dsp:nvSpPr>
+        <dsp:cNvPr id="0" name=""/>
+        <dsp:cNvSpPr/>
+      </dsp:nvSpPr>
+      <dsp:spPr>
+        <a:xfrm>
+          <a:off x="0" y="4446493"/>
+          <a:ext cx="6014720" cy="485793"/>
+        </a:xfrm>
+        <a:prstGeom prst="rect">
+          <a:avLst/>
+        </a:prstGeom>
+        <a:noFill/>
+        <a:ln>
+          <a:noFill/>
+        </a:ln>
+        <a:effectLst/>
+      </dsp:spPr>
+      <dsp:style>
+        <a:lnRef idx="0">
+          <a:scrgbClr r="0" g="0" b="0"/>
+        </a:lnRef>
+        <a:fillRef idx="0">
+          <a:scrgbClr r="0" g="0" b="0"/>
+        </a:fillRef>
+        <a:effectRef idx="0">
+          <a:scrgbClr r="0" g="0" b="0"/>
+        </a:effectRef>
+        <a:fontRef idx="minor"/>
+      </dsp:style>
+      <dsp:txBody>
+        <a:bodyPr spcFirstLastPara="0" vert="horz" wrap="square" lIns="49530" tIns="49530" rIns="49530" bIns="49530" numCol="1" spcCol="1270" anchor="b" anchorCtr="0">
+          <a:noAutofit/>
+        </a:bodyPr>
+        <a:lstStyle/>
+        <a:p>
+          <a:pPr marL="0" lvl="0" indent="0" algn="r" defTabSz="1155700" rtl="1">
+            <a:lnSpc>
+              <a:spcPct val="90000"/>
+            </a:lnSpc>
+            <a:spcBef>
+              <a:spcPct val="0"/>
+            </a:spcBef>
+            <a:spcAft>
+              <a:spcPct val="35000"/>
+            </a:spcAft>
+            <a:buNone/>
+          </a:pPr>
+          <a:r>
+            <a:rPr lang="en-US" sz="2600" kern="1200" dirty="0" err="1"/>
+            <a:t>Rf_agent</a:t>
+          </a:r>
+          <a:endParaRPr lang="en-US" sz="2600" kern="1200" dirty="0"/>
+        </a:p>
+      </dsp:txBody>
+      <dsp:txXfrm>
+        <a:off x="0" y="4446493"/>
+        <a:ext cx="6014720" cy="485793"/>
+      </dsp:txXfrm>
+    </dsp:sp>
+    <dsp:sp modelId="{4B15CFCF-F036-4802-A8FB-D9F12717F2FC}">
+      <dsp:nvSpPr>
+        <dsp:cNvPr id="0" name=""/>
+        <dsp:cNvSpPr/>
+      </dsp:nvSpPr>
+      <dsp:spPr>
+        <a:xfrm>
+          <a:off x="6014720" y="4446493"/>
+          <a:ext cx="2113280" cy="485793"/>
+        </a:xfrm>
+        <a:prstGeom prst="round2SameRect">
+          <a:avLst>
+            <a:gd name="adj1" fmla="val 16670"/>
+            <a:gd name="adj2" fmla="val 0"/>
+          </a:avLst>
+        </a:prstGeom>
+        <a:solidFill>
+          <a:schemeClr val="accent1">
+            <a:hueOff val="0"/>
+            <a:satOff val="0"/>
+            <a:lumOff val="0"/>
+            <a:alphaOff val="0"/>
+          </a:schemeClr>
+        </a:solidFill>
+        <a:ln w="12700" cap="flat" cmpd="sng" algn="ctr">
+          <a:solidFill>
+            <a:schemeClr val="accent1">
+              <a:hueOff val="0"/>
+              <a:satOff val="0"/>
+              <a:lumOff val="0"/>
+              <a:alphaOff val="0"/>
+            </a:schemeClr>
+          </a:solidFill>
+          <a:prstDash val="solid"/>
+          <a:miter lim="800000"/>
+        </a:ln>
+        <a:effectLst/>
+      </dsp:spPr>
+      <dsp:style>
+        <a:lnRef idx="2">
+          <a:scrgbClr r="0" g="0" b="0"/>
+        </a:lnRef>
+        <a:fillRef idx="1">
+          <a:scrgbClr r="0" g="0" b="0"/>
+        </a:fillRef>
+        <a:effectRef idx="0">
+          <a:scrgbClr r="0" g="0" b="0"/>
+        </a:effectRef>
+        <a:fontRef idx="minor">
+          <a:schemeClr val="lt1"/>
+        </a:fontRef>
+      </dsp:style>
+      <dsp:txBody>
+        <a:bodyPr spcFirstLastPara="0" vert="horz" wrap="square" lIns="49530" tIns="49530" rIns="49530" bIns="49530" numCol="1" spcCol="1270" anchor="ctr" anchorCtr="0">
+          <a:noAutofit/>
+        </a:bodyPr>
+        <a:lstStyle/>
+        <a:p>
+          <a:pPr marL="0" lvl="0" indent="0" algn="ctr" defTabSz="1155700" rtl="1">
+            <a:lnSpc>
+              <a:spcPct val="90000"/>
+            </a:lnSpc>
+            <a:spcBef>
+              <a:spcPct val="0"/>
+            </a:spcBef>
+            <a:spcAft>
+              <a:spcPct val="35000"/>
+            </a:spcAft>
+            <a:buNone/>
+          </a:pPr>
+          <a:r>
+            <a:rPr lang="ar-EG" sz="2600" kern="1200" dirty="0"/>
+            <a:t>تيم 4</a:t>
+          </a:r>
+          <a:endParaRPr lang="en-US" sz="2600" kern="1200" dirty="0"/>
+        </a:p>
+      </dsp:txBody>
+      <dsp:txXfrm>
+        <a:off x="6038439" y="4470212"/>
+        <a:ext cx="2065842" cy="462074"/>
+      </dsp:txXfrm>
+    </dsp:sp>
+    <dsp:sp modelId="{64D507B4-C4A1-4BFC-8C43-D844DF813FBF}">
+      <dsp:nvSpPr>
+        <dsp:cNvPr id="0" name=""/>
+        <dsp:cNvSpPr/>
+      </dsp:nvSpPr>
+      <dsp:spPr>
+        <a:xfrm>
+          <a:off x="0" y="4932287"/>
+          <a:ext cx="8128000" cy="971732"/>
+        </a:xfrm>
+        <a:prstGeom prst="rect">
+          <a:avLst/>
+        </a:prstGeom>
+        <a:noFill/>
+        <a:ln>
+          <a:noFill/>
+        </a:ln>
+        <a:effectLst/>
+      </dsp:spPr>
+      <dsp:style>
+        <a:lnRef idx="0">
+          <a:scrgbClr r="0" g="0" b="0"/>
+        </a:lnRef>
+        <a:fillRef idx="0">
+          <a:scrgbClr r="0" g="0" b="0"/>
+        </a:fillRef>
+        <a:effectRef idx="0">
+          <a:scrgbClr r="0" g="0" b="0"/>
+        </a:effectRef>
+        <a:fontRef idx="minor"/>
+      </dsp:style>
+      <dsp:txBody>
+        <a:bodyPr spcFirstLastPara="0" vert="horz" wrap="square" lIns="43815" tIns="43815" rIns="43815" bIns="43815" numCol="1" spcCol="1270" anchor="t" anchorCtr="0">
+          <a:noAutofit/>
+        </a:bodyPr>
+        <a:lstStyle/>
+        <a:p>
+          <a:pPr marL="171450" lvl="1" indent="-171450" algn="r" defTabSz="800100" rtl="1">
+            <a:lnSpc>
+              <a:spcPct val="90000"/>
+            </a:lnSpc>
+            <a:spcBef>
+              <a:spcPct val="0"/>
+            </a:spcBef>
+            <a:spcAft>
+              <a:spcPct val="15000"/>
+            </a:spcAft>
+            <a:buChar char="•"/>
+          </a:pPr>
+          <a:r>
+            <a:rPr lang="ar-EG" sz="1800" kern="1200" dirty="0"/>
+            <a:t>علي ماهر</a:t>
+          </a:r>
+          <a:endParaRPr lang="en-US" sz="1800" kern="1200" dirty="0"/>
+        </a:p>
+      </dsp:txBody>
+      <dsp:txXfrm>
+        <a:off x="0" y="4932287"/>
+        <a:ext cx="8128000" cy="971732"/>
       </dsp:txXfrm>
     </dsp:sp>
   </dsp:spTree>
@@ -11129,6 +13749,314 @@
 </dgm:layoutDef>
 </file>
 
+<file path=ppt/diagrams/layout3.xml><?xml version="1.0" encoding="utf-8"?>
+<dgm:layoutDef xmlns:dgm="http://schemas.openxmlformats.org/drawingml/2006/diagram" xmlns:a="http://schemas.openxmlformats.org/drawingml/2006/main" uniqueId="urn:microsoft.com/office/officeart/2011/layout/TabList">
+  <dgm:title val="Tab List"/>
+  <dgm:desc val="Use to show non-sequential or grouped blocks of information. Works well for lists with a small amount of Level 1 text. The first Level 2 displays next to the Level 1 text  and the remaining Level 2 text appears beneath the Level 1 text."/>
+  <dgm:catLst>
+    <dgm:cat type="list" pri="4500"/>
+    <dgm:cat type="officeonline" pri="11000"/>
+  </dgm:catLst>
+  <dgm:sampData>
+    <dgm:dataModel>
+      <dgm:ptLst>
+        <dgm:pt modelId="0" type="doc"/>
+        <dgm:pt modelId="10">
+          <dgm:prSet phldr="1"/>
+        </dgm:pt>
+        <dgm:pt modelId="11">
+          <dgm:prSet phldr="1"/>
+        </dgm:pt>
+        <dgm:pt modelId="12">
+          <dgm:prSet phldr="1"/>
+        </dgm:pt>
+        <dgm:pt modelId="20">
+          <dgm:prSet phldr="1"/>
+        </dgm:pt>
+        <dgm:pt modelId="21">
+          <dgm:prSet phldr="1"/>
+        </dgm:pt>
+        <dgm:pt modelId="22">
+          <dgm:prSet phldr="1"/>
+        </dgm:pt>
+        <dgm:pt modelId="30">
+          <dgm:prSet phldr="1"/>
+        </dgm:pt>
+        <dgm:pt modelId="31">
+          <dgm:prSet phldr="1"/>
+        </dgm:pt>
+        <dgm:pt modelId="32">
+          <dgm:prSet phldr="1"/>
+        </dgm:pt>
+      </dgm:ptLst>
+      <dgm:cxnLst>
+        <dgm:cxn modelId="40" srcId="0" destId="10" srcOrd="0" destOrd="0"/>
+        <dgm:cxn modelId="41" srcId="10" destId="11" srcOrd="0" destOrd="0"/>
+        <dgm:cxn modelId="42" srcId="10" destId="12" srcOrd="0" destOrd="0"/>
+        <dgm:cxn modelId="50" srcId="0" destId="20" srcOrd="1" destOrd="0"/>
+        <dgm:cxn modelId="51" srcId="20" destId="21" srcOrd="1" destOrd="0"/>
+        <dgm:cxn modelId="52" srcId="20" destId="22" srcOrd="1" destOrd="0"/>
+        <dgm:cxn modelId="60" srcId="0" destId="30" srcOrd="2" destOrd="0"/>
+        <dgm:cxn modelId="61" srcId="30" destId="31" srcOrd="2" destOrd="0"/>
+        <dgm:cxn modelId="62" srcId="30" destId="32" srcOrd="2" destOrd="0"/>
+      </dgm:cxnLst>
+      <dgm:bg/>
+      <dgm:whole/>
+    </dgm:dataModel>
+  </dgm:sampData>
+  <dgm:styleData>
+    <dgm:dataModel>
+      <dgm:ptLst>
+        <dgm:pt modelId="0" type="doc"/>
+        <dgm:pt modelId="10">
+          <dgm:prSet phldr="1"/>
+        </dgm:pt>
+        <dgm:pt modelId="20">
+          <dgm:prSet phldr="1"/>
+        </dgm:pt>
+      </dgm:ptLst>
+      <dgm:cxnLst>
+        <dgm:cxn modelId="30" srcId="0" destId="10" srcOrd="0" destOrd="0"/>
+        <dgm:cxn modelId="40" srcId="0" destId="20" srcOrd="1" destOrd="0"/>
+      </dgm:cxnLst>
+      <dgm:bg/>
+      <dgm:whole/>
+    </dgm:dataModel>
+  </dgm:styleData>
+  <dgm:clrData>
+    <dgm:dataModel>
+      <dgm:ptLst>
+        <dgm:pt modelId="0" type="doc"/>
+        <dgm:pt modelId="10">
+          <dgm:prSet phldr="1"/>
+        </dgm:pt>
+        <dgm:pt modelId="20">
+          <dgm:prSet phldr="1"/>
+        </dgm:pt>
+        <dgm:pt modelId="30">
+          <dgm:prSet phldr="1"/>
+        </dgm:pt>
+        <dgm:pt modelId="40">
+          <dgm:prSet phldr="1"/>
+        </dgm:pt>
+      </dgm:ptLst>
+      <dgm:cxnLst>
+        <dgm:cxn modelId="50" srcId="0" destId="10" srcOrd="0" destOrd="0"/>
+        <dgm:cxn modelId="60" srcId="0" destId="20" srcOrd="1" destOrd="0"/>
+        <dgm:cxn modelId="70" srcId="0" destId="30" srcOrd="2" destOrd="0"/>
+        <dgm:cxn modelId="80" srcId="0" destId="40" srcOrd="3" destOrd="0"/>
+      </dgm:cxnLst>
+      <dgm:bg/>
+      <dgm:whole/>
+    </dgm:dataModel>
+  </dgm:clrData>
+  <dgm:layoutNode name="Name0">
+    <dgm:varLst>
+      <dgm:chMax/>
+      <dgm:chPref val="3"/>
+      <dgm:dir/>
+      <dgm:animOne val="branch"/>
+      <dgm:animLvl val="lvl"/>
+    </dgm:varLst>
+    <dgm:alg type="lin">
+      <dgm:param type="linDir" val="fromT"/>
+    </dgm:alg>
+    <dgm:shape xmlns:r="http://schemas.openxmlformats.org/officeDocument/2006/relationships" r:blip="">
+      <dgm:adjLst/>
+    </dgm:shape>
+    <dgm:constrLst>
+      <dgm:constr type="w" for="ch" forName="Child" refType="w"/>
+      <dgm:constr type="h" for="ch" forName="Child" refType="h" fact="0.6667"/>
+      <dgm:constr type="primFontSz" for="des" forName="Parent" op="equ" val="65"/>
+      <dgm:constr type="primFontSz" for="des" forName="Child" op="equ" val="65"/>
+      <dgm:constr type="primFontSz" for="des" forName="FirstChild" op="equ" val="65"/>
+      <dgm:constr type="primFontSz" for="des" forName="Child" refType="primFontSz" refFor="des" refForName="Parent" op="lte"/>
+      <dgm:constr type="primFontSz" for="des" forName="FirstChild" refType="primFontSz" refFor="des" refForName="Parent" op="lte"/>
+      <dgm:constr type="primFontSz" for="des" forName="Child" refType="primFontSz" refFor="des" refForName="FirstChild" op="lte"/>
+      <dgm:constr type="w" for="ch" forName="composite" refType="w"/>
+      <dgm:constr type="h" for="ch" forName="composite" refType="h" fact="0.3333"/>
+      <dgm:constr type="sp" refType="h" refFor="ch" refForName="composite" op="equ" fact="0.05"/>
+      <dgm:constr type="h" for="ch" forName="sibTrans" refType="h" refFor="ch" refForName="composite" op="equ" fact="0.05"/>
+      <dgm:constr type="w" for="ch" forName="sibTrans" refType="h" refFor="ch" refForName="sibTrans" op="equ"/>
+    </dgm:constrLst>
+    <dgm:forEach name="nodesForEach" axis="ch" ptType="node">
+      <dgm:layoutNode name="composite">
+        <dgm:alg type="composite"/>
+        <dgm:shape xmlns:r="http://schemas.openxmlformats.org/officeDocument/2006/relationships" r:blip="">
+          <dgm:adjLst/>
+        </dgm:shape>
+        <dgm:choose name="Name1">
+          <dgm:if name="Name2" func="var" arg="dir" op="equ" val="norm">
+            <dgm:constrLst>
+              <dgm:constr type="l" for="ch" forName="Accent" refType="w" fact="0"/>
+              <dgm:constr type="b" for="ch" forName="Accent" refType="h"/>
+              <dgm:constr type="w" for="ch" forName="Accent" refType="w"/>
+              <dgm:constr type="h" for="ch" forName="Accent" refType="h" fact="0"/>
+              <dgm:constr type="l" for="ch" forName="FirstChild" refType="w" fact="0.26"/>
+              <dgm:constr type="t" for="ch" forName="FirstChild" refType="h" fact="0"/>
+              <dgm:constr type="w" for="ch" forName="FirstChild" refType="w" fact="0.74"/>
+              <dgm:constr type="h" for="ch" forName="FirstChild" refType="h"/>
+              <dgm:constr type="l" for="ch" forName="Parent" refType="w" fact="0"/>
+              <dgm:constr type="t" for="ch" forName="Parent" refType="h" fact="0"/>
+              <dgm:constr type="w" for="ch" forName="Parent" refType="w" fact="0.26"/>
+              <dgm:constr type="h" for="ch" forName="Parent" refType="h"/>
+            </dgm:constrLst>
+          </dgm:if>
+          <dgm:else name="Name3">
+            <dgm:constrLst>
+              <dgm:constr type="l" for="ch" forName="Accent" refType="w" fact="0"/>
+              <dgm:constr type="b" for="ch" forName="Accent" refType="h"/>
+              <dgm:constr type="w" for="ch" forName="Accent" refType="w"/>
+              <dgm:constr type="h" for="ch" forName="Accent" refType="h" fact="0"/>
+              <dgm:constr type="r" for="ch" forName="FirstChild" refType="w" fact="0.74"/>
+              <dgm:constr type="t" for="ch" forName="FirstChild" refType="h" fact="0"/>
+              <dgm:constr type="w" for="ch" forName="FirstChild" refType="w" fact="0.74"/>
+              <dgm:constr type="h" for="ch" forName="FirstChild" refType="h"/>
+              <dgm:constr type="r" for="ch" forName="Parent" refType="w"/>
+              <dgm:constr type="t" for="ch" forName="Parent" refType="h" fact="0"/>
+              <dgm:constr type="w" for="ch" forName="Parent" refType="w" fact="0.26"/>
+              <dgm:constr type="h" for="ch" forName="Parent" refType="h"/>
+            </dgm:constrLst>
+          </dgm:else>
+        </dgm:choose>
+        <dgm:layoutNode name="FirstChild" styleLbl="revTx">
+          <dgm:varLst>
+            <dgm:chMax val="0"/>
+            <dgm:chPref val="0"/>
+            <dgm:bulletEnabled val="1"/>
+          </dgm:varLst>
+          <dgm:choose name="Name4">
+            <dgm:if name="Name5" func="var" arg="dir" op="equ" val="norm">
+              <dgm:alg type="tx">
+                <dgm:param type="parTxLTRAlign" val="l"/>
+                <dgm:param type="txAnchorVert" val="b"/>
+                <dgm:param type="txAnchorVertCh" val="b"/>
+                <dgm:param type="parTxRTLAlign" val="l"/>
+              </dgm:alg>
+            </dgm:if>
+            <dgm:else name="Name6">
+              <dgm:alg type="tx">
+                <dgm:param type="parTxLTRAlign" val="r"/>
+                <dgm:param type="shpTxLTRAlignCh" val="r"/>
+                <dgm:param type="txAnchorVert" val="b"/>
+                <dgm:param type="txAnchorVertCh" val="b"/>
+                <dgm:param type="parTxRTLAlign" val="r"/>
+              </dgm:alg>
+            </dgm:else>
+          </dgm:choose>
+          <dgm:shape xmlns:r="http://schemas.openxmlformats.org/officeDocument/2006/relationships" type="rect" r:blip="">
+            <dgm:adjLst/>
+          </dgm:shape>
+          <dgm:choose name="Name7">
+            <dgm:if name="Name8" axis="ch" ptType="node" func="cnt" op="gte" val="1">
+              <dgm:presOf axis="ch desOrSelf" ptType="node node" st="1 1" cnt="1 0"/>
+            </dgm:if>
+            <dgm:else name="Name9">
+              <dgm:presOf/>
+            </dgm:else>
+          </dgm:choose>
+          <dgm:constrLst>
+            <dgm:constr type="lMarg" refType="primFontSz" fact="0.15"/>
+            <dgm:constr type="rMarg" refType="primFontSz" fact="0.15"/>
+            <dgm:constr type="tMarg" refType="primFontSz" fact="0.15"/>
+            <dgm:constr type="bMarg" refType="primFontSz" fact="0.15"/>
+          </dgm:constrLst>
+          <dgm:ruleLst>
+            <dgm:rule type="primFontSz" val="5" fact="NaN" max="NaN"/>
+          </dgm:ruleLst>
+        </dgm:layoutNode>
+        <dgm:layoutNode name="Parent" styleLbl="alignNode1">
+          <dgm:varLst>
+            <dgm:chMax val="3"/>
+            <dgm:chPref val="3"/>
+            <dgm:bulletEnabled val="1"/>
+          </dgm:varLst>
+          <dgm:alg type="tx">
+            <dgm:param type="shpTxLTRAlignCh" val="ctr"/>
+            <dgm:param type="txAnchorVertCh" val="mid"/>
+          </dgm:alg>
+          <dgm:shape xmlns:r="http://schemas.openxmlformats.org/officeDocument/2006/relationships" type="round2SameRect" r:blip="">
+            <dgm:adjLst>
+              <dgm:adj idx="1" val="0.1667"/>
+              <dgm:adj idx="2" val="0"/>
+            </dgm:adjLst>
+          </dgm:shape>
+          <dgm:presOf axis="self" ptType="node"/>
+          <dgm:constrLst>
+            <dgm:constr type="lMarg" refType="primFontSz" fact="0.15"/>
+            <dgm:constr type="rMarg" refType="primFontSz" fact="0.15"/>
+            <dgm:constr type="tMarg" refType="primFontSz" fact="0.15"/>
+            <dgm:constr type="bMarg" refType="primFontSz" fact="0.15"/>
+          </dgm:constrLst>
+          <dgm:ruleLst>
+            <dgm:rule type="primFontSz" val="5" fact="NaN" max="NaN"/>
+          </dgm:ruleLst>
+        </dgm:layoutNode>
+        <dgm:layoutNode name="Accent" styleLbl="parChTrans1D1">
+          <dgm:alg type="sp"/>
+          <dgm:shape xmlns:r="http://schemas.openxmlformats.org/officeDocument/2006/relationships" type="line" r:blip="" zOrderOff="-99999">
+            <dgm:adjLst/>
+          </dgm:shape>
+          <dgm:presOf/>
+        </dgm:layoutNode>
+      </dgm:layoutNode>
+      <dgm:choose name="Name10">
+        <dgm:if name="Name11" axis="ch" ptType="node" st="2" cnt="1" func="cnt" op="gte" val="1">
+          <dgm:layoutNode name="Child" styleLbl="revTx">
+            <dgm:varLst>
+              <dgm:chMax val="0"/>
+              <dgm:chPref val="0"/>
+              <dgm:bulletEnabled val="1"/>
+            </dgm:varLst>
+            <dgm:choose name="Name12">
+              <dgm:if name="Name13" func="var" arg="dir" op="equ" val="norm">
+                <dgm:alg type="tx">
+                  <dgm:param type="stBulletLvl" val="1"/>
+                  <dgm:param type="parTxLTRAlign" val="l"/>
+                  <dgm:param type="parTxRTLAlign" val="l"/>
+                  <dgm:param type="txAnchorVert" val="t"/>
+                </dgm:alg>
+              </dgm:if>
+              <dgm:else name="Name14">
+                <dgm:alg type="tx">
+                  <dgm:param type="stBulletLvl" val="1"/>
+                  <dgm:param type="parTxLTRAlign" val="r"/>
+                  <dgm:param type="shpTxLTRAlignCh" val="r"/>
+                  <dgm:param type="txAnchorVert" val="t"/>
+                  <dgm:param type="parTxRTLAlign" val="r"/>
+                </dgm:alg>
+              </dgm:else>
+            </dgm:choose>
+            <dgm:shape xmlns:r="http://schemas.openxmlformats.org/officeDocument/2006/relationships" type="rect" r:blip="">
+              <dgm:adjLst/>
+            </dgm:shape>
+            <dgm:presOf axis="ch desOrSelf" ptType="node node" st="2 1" cnt="0 0"/>
+            <dgm:constrLst>
+              <dgm:constr type="lMarg" refType="primFontSz" fact="0.15"/>
+              <dgm:constr type="rMarg" refType="primFontSz" fact="0.15"/>
+              <dgm:constr type="tMarg" refType="primFontSz" fact="0.15"/>
+              <dgm:constr type="bMarg" refType="primFontSz" fact="0.15"/>
+            </dgm:constrLst>
+            <dgm:ruleLst>
+              <dgm:rule type="primFontSz" val="5" fact="NaN" max="NaN"/>
+            </dgm:ruleLst>
+          </dgm:layoutNode>
+        </dgm:if>
+        <dgm:else name="Name15"/>
+      </dgm:choose>
+      <dgm:forEach name="sibTransForEach" axis="followSib" ptType="sibTrans" cnt="1">
+        <dgm:layoutNode name="sibTrans">
+          <dgm:alg type="sp"/>
+          <dgm:shape xmlns:r="http://schemas.openxmlformats.org/officeDocument/2006/relationships" r:blip="">
+            <dgm:adjLst/>
+          </dgm:shape>
+        </dgm:layoutNode>
+      </dgm:forEach>
+    </dgm:forEach>
+  </dgm:layoutNode>
+</dgm:layoutDef>
+</file>
+
 <file path=ppt/diagrams/quickStyle1.xml><?xml version="1.0" encoding="utf-8"?>
 <dgm:styleDef xmlns:dgm="http://schemas.openxmlformats.org/drawingml/2006/diagram" xmlns:a="http://schemas.openxmlformats.org/drawingml/2006/main" uniqueId="urn:microsoft.com/office/officeart/2005/8/quickstyle/simple1">
   <dgm:title val=""/>
@@ -12164,6 +15092,1040 @@
 </file>
 
 <file path=ppt/diagrams/quickStyle2.xml><?xml version="1.0" encoding="utf-8"?>
+<dgm:styleDef xmlns:dgm="http://schemas.openxmlformats.org/drawingml/2006/diagram" xmlns:a="http://schemas.openxmlformats.org/drawingml/2006/main" uniqueId="urn:microsoft.com/office/officeart/2005/8/quickstyle/simple1">
+  <dgm:title val=""/>
+  <dgm:desc val=""/>
+  <dgm:catLst>
+    <dgm:cat type="simple" pri="10100"/>
+  </dgm:catLst>
+  <dgm:scene3d>
+    <a:camera prst="orthographicFront"/>
+    <a:lightRig rig="threePt" dir="t"/>
+  </dgm:scene3d>
+  <dgm:styleLbl name="node0">
+    <dgm:scene3d>
+      <a:camera prst="orthographicFront"/>
+      <a:lightRig rig="threePt" dir="t"/>
+    </dgm:scene3d>
+    <dgm:sp3d/>
+    <dgm:txPr/>
+    <dgm:style>
+      <a:lnRef idx="2">
+        <a:scrgbClr r="0" g="0" b="0"/>
+      </a:lnRef>
+      <a:fillRef idx="1">
+        <a:scrgbClr r="0" g="0" b="0"/>
+      </a:fillRef>
+      <a:effectRef idx="0">
+        <a:scrgbClr r="0" g="0" b="0"/>
+      </a:effectRef>
+      <a:fontRef idx="minor">
+        <a:schemeClr val="lt1"/>
+      </a:fontRef>
+    </dgm:style>
+  </dgm:styleLbl>
+  <dgm:styleLbl name="lnNode1">
+    <dgm:scene3d>
+      <a:camera prst="orthographicFront"/>
+      <a:lightRig rig="threePt" dir="t"/>
+    </dgm:scene3d>
+    <dgm:sp3d/>
+    <dgm:txPr/>
+    <dgm:style>
+      <a:lnRef idx="2">
+        <a:scrgbClr r="0" g="0" b="0"/>
+      </a:lnRef>
+      <a:fillRef idx="1">
+        <a:scrgbClr r="0" g="0" b="0"/>
+      </a:fillRef>
+      <a:effectRef idx="0">
+        <a:scrgbClr r="0" g="0" b="0"/>
+      </a:effectRef>
+      <a:fontRef idx="minor">
+        <a:schemeClr val="lt1"/>
+      </a:fontRef>
+    </dgm:style>
+  </dgm:styleLbl>
+  <dgm:styleLbl name="vennNode1">
+    <dgm:scene3d>
+      <a:camera prst="orthographicFront"/>
+      <a:lightRig rig="threePt" dir="t"/>
+    </dgm:scene3d>
+    <dgm:sp3d/>
+    <dgm:txPr/>
+    <dgm:style>
+      <a:lnRef idx="2">
+        <a:scrgbClr r="0" g="0" b="0"/>
+      </a:lnRef>
+      <a:fillRef idx="1">
+        <a:scrgbClr r="0" g="0" b="0"/>
+      </a:fillRef>
+      <a:effectRef idx="0">
+        <a:scrgbClr r="0" g="0" b="0"/>
+      </a:effectRef>
+      <a:fontRef idx="minor">
+        <a:schemeClr val="tx1"/>
+      </a:fontRef>
+    </dgm:style>
+  </dgm:styleLbl>
+  <dgm:styleLbl name="alignNode1">
+    <dgm:scene3d>
+      <a:camera prst="orthographicFront"/>
+      <a:lightRig rig="threePt" dir="t"/>
+    </dgm:scene3d>
+    <dgm:sp3d/>
+    <dgm:txPr/>
+    <dgm:style>
+      <a:lnRef idx="2">
+        <a:scrgbClr r="0" g="0" b="0"/>
+      </a:lnRef>
+      <a:fillRef idx="1">
+        <a:scrgbClr r="0" g="0" b="0"/>
+      </a:fillRef>
+      <a:effectRef idx="0">
+        <a:scrgbClr r="0" g="0" b="0"/>
+      </a:effectRef>
+      <a:fontRef idx="minor">
+        <a:schemeClr val="lt1"/>
+      </a:fontRef>
+    </dgm:style>
+  </dgm:styleLbl>
+  <dgm:styleLbl name="node1">
+    <dgm:scene3d>
+      <a:camera prst="orthographicFront"/>
+      <a:lightRig rig="threePt" dir="t"/>
+    </dgm:scene3d>
+    <dgm:sp3d/>
+    <dgm:txPr/>
+    <dgm:style>
+      <a:lnRef idx="2">
+        <a:scrgbClr r="0" g="0" b="0"/>
+      </a:lnRef>
+      <a:fillRef idx="1">
+        <a:scrgbClr r="0" g="0" b="0"/>
+      </a:fillRef>
+      <a:effectRef idx="0">
+        <a:scrgbClr r="0" g="0" b="0"/>
+      </a:effectRef>
+      <a:fontRef idx="minor">
+        <a:schemeClr val="lt1"/>
+      </a:fontRef>
+    </dgm:style>
+  </dgm:styleLbl>
+  <dgm:styleLbl name="node2">
+    <dgm:scene3d>
+      <a:camera prst="orthographicFront"/>
+      <a:lightRig rig="threePt" dir="t"/>
+    </dgm:scene3d>
+    <dgm:sp3d/>
+    <dgm:txPr/>
+    <dgm:style>
+      <a:lnRef idx="2">
+        <a:scrgbClr r="0" g="0" b="0"/>
+      </a:lnRef>
+      <a:fillRef idx="1">
+        <a:scrgbClr r="0" g="0" b="0"/>
+      </a:fillRef>
+      <a:effectRef idx="0">
+        <a:scrgbClr r="0" g="0" b="0"/>
+      </a:effectRef>
+      <a:fontRef idx="minor">
+        <a:schemeClr val="lt1"/>
+      </a:fontRef>
+    </dgm:style>
+  </dgm:styleLbl>
+  <dgm:styleLbl name="node3">
+    <dgm:scene3d>
+      <a:camera prst="orthographicFront"/>
+      <a:lightRig rig="threePt" dir="t"/>
+    </dgm:scene3d>
+    <dgm:sp3d/>
+    <dgm:txPr/>
+    <dgm:style>
+      <a:lnRef idx="2">
+        <a:scrgbClr r="0" g="0" b="0"/>
+      </a:lnRef>
+      <a:fillRef idx="1">
+        <a:scrgbClr r="0" g="0" b="0"/>
+      </a:fillRef>
+      <a:effectRef idx="0">
+        <a:scrgbClr r="0" g="0" b="0"/>
+      </a:effectRef>
+      <a:fontRef idx="minor">
+        <a:schemeClr val="lt1"/>
+      </a:fontRef>
+    </dgm:style>
+  </dgm:styleLbl>
+  <dgm:styleLbl name="node4">
+    <dgm:scene3d>
+      <a:camera prst="orthographicFront"/>
+      <a:lightRig rig="threePt" dir="t"/>
+    </dgm:scene3d>
+    <dgm:sp3d/>
+    <dgm:txPr/>
+    <dgm:style>
+      <a:lnRef idx="2">
+        <a:scrgbClr r="0" g="0" b="0"/>
+      </a:lnRef>
+      <a:fillRef idx="1">
+        <a:scrgbClr r="0" g="0" b="0"/>
+      </a:fillRef>
+      <a:effectRef idx="0">
+        <a:scrgbClr r="0" g="0" b="0"/>
+      </a:effectRef>
+      <a:fontRef idx="minor">
+        <a:schemeClr val="lt1"/>
+      </a:fontRef>
+    </dgm:style>
+  </dgm:styleLbl>
+  <dgm:styleLbl name="fgImgPlace1">
+    <dgm:scene3d>
+      <a:camera prst="orthographicFront"/>
+      <a:lightRig rig="threePt" dir="t"/>
+    </dgm:scene3d>
+    <dgm:sp3d/>
+    <dgm:txPr/>
+    <dgm:style>
+      <a:lnRef idx="2">
+        <a:scrgbClr r="0" g="0" b="0"/>
+      </a:lnRef>
+      <a:fillRef idx="1">
+        <a:scrgbClr r="0" g="0" b="0"/>
+      </a:fillRef>
+      <a:effectRef idx="0">
+        <a:scrgbClr r="0" g="0" b="0"/>
+      </a:effectRef>
+      <a:fontRef idx="minor"/>
+    </dgm:style>
+  </dgm:styleLbl>
+  <dgm:styleLbl name="alignImgPlace1">
+    <dgm:scene3d>
+      <a:camera prst="orthographicFront"/>
+      <a:lightRig rig="threePt" dir="t"/>
+    </dgm:scene3d>
+    <dgm:sp3d/>
+    <dgm:txPr/>
+    <dgm:style>
+      <a:lnRef idx="2">
+        <a:scrgbClr r="0" g="0" b="0"/>
+      </a:lnRef>
+      <a:fillRef idx="1">
+        <a:scrgbClr r="0" g="0" b="0"/>
+      </a:fillRef>
+      <a:effectRef idx="0">
+        <a:scrgbClr r="0" g="0" b="0"/>
+      </a:effectRef>
+      <a:fontRef idx="minor"/>
+    </dgm:style>
+  </dgm:styleLbl>
+  <dgm:styleLbl name="bgImgPlace1">
+    <dgm:scene3d>
+      <a:camera prst="orthographicFront"/>
+      <a:lightRig rig="threePt" dir="t"/>
+    </dgm:scene3d>
+    <dgm:sp3d/>
+    <dgm:txPr/>
+    <dgm:style>
+      <a:lnRef idx="2">
+        <a:scrgbClr r="0" g="0" b="0"/>
+      </a:lnRef>
+      <a:fillRef idx="1">
+        <a:scrgbClr r="0" g="0" b="0"/>
+      </a:fillRef>
+      <a:effectRef idx="0">
+        <a:scrgbClr r="0" g="0" b="0"/>
+      </a:effectRef>
+      <a:fontRef idx="minor"/>
+    </dgm:style>
+  </dgm:styleLbl>
+  <dgm:styleLbl name="sibTrans2D1">
+    <dgm:scene3d>
+      <a:camera prst="orthographicFront"/>
+      <a:lightRig rig="threePt" dir="t"/>
+    </dgm:scene3d>
+    <dgm:sp3d/>
+    <dgm:txPr/>
+    <dgm:style>
+      <a:lnRef idx="0">
+        <a:scrgbClr r="0" g="0" b="0"/>
+      </a:lnRef>
+      <a:fillRef idx="1">
+        <a:scrgbClr r="0" g="0" b="0"/>
+      </a:fillRef>
+      <a:effectRef idx="0">
+        <a:scrgbClr r="0" g="0" b="0"/>
+      </a:effectRef>
+      <a:fontRef idx="minor">
+        <a:schemeClr val="lt1"/>
+      </a:fontRef>
+    </dgm:style>
+  </dgm:styleLbl>
+  <dgm:styleLbl name="fgSibTrans2D1">
+    <dgm:scene3d>
+      <a:camera prst="orthographicFront"/>
+      <a:lightRig rig="threePt" dir="t"/>
+    </dgm:scene3d>
+    <dgm:sp3d/>
+    <dgm:txPr/>
+    <dgm:style>
+      <a:lnRef idx="0">
+        <a:scrgbClr r="0" g="0" b="0"/>
+      </a:lnRef>
+      <a:fillRef idx="1">
+        <a:scrgbClr r="0" g="0" b="0"/>
+      </a:fillRef>
+      <a:effectRef idx="0">
+        <a:scrgbClr r="0" g="0" b="0"/>
+      </a:effectRef>
+      <a:fontRef idx="minor">
+        <a:schemeClr val="lt1"/>
+      </a:fontRef>
+    </dgm:style>
+  </dgm:styleLbl>
+  <dgm:styleLbl name="bgSibTrans2D1">
+    <dgm:scene3d>
+      <a:camera prst="orthographicFront"/>
+      <a:lightRig rig="threePt" dir="t"/>
+    </dgm:scene3d>
+    <dgm:sp3d/>
+    <dgm:txPr/>
+    <dgm:style>
+      <a:lnRef idx="0">
+        <a:scrgbClr r="0" g="0" b="0"/>
+      </a:lnRef>
+      <a:fillRef idx="1">
+        <a:scrgbClr r="0" g="0" b="0"/>
+      </a:fillRef>
+      <a:effectRef idx="0">
+        <a:scrgbClr r="0" g="0" b="0"/>
+      </a:effectRef>
+      <a:fontRef idx="minor">
+        <a:schemeClr val="lt1"/>
+      </a:fontRef>
+    </dgm:style>
+  </dgm:styleLbl>
+  <dgm:styleLbl name="sibTrans1D1">
+    <dgm:scene3d>
+      <a:camera prst="orthographicFront"/>
+      <a:lightRig rig="threePt" dir="t"/>
+    </dgm:scene3d>
+    <dgm:sp3d/>
+    <dgm:txPr/>
+    <dgm:style>
+      <a:lnRef idx="1">
+        <a:scrgbClr r="0" g="0" b="0"/>
+      </a:lnRef>
+      <a:fillRef idx="0">
+        <a:scrgbClr r="0" g="0" b="0"/>
+      </a:fillRef>
+      <a:effectRef idx="0">
+        <a:scrgbClr r="0" g="0" b="0"/>
+      </a:effectRef>
+      <a:fontRef idx="minor"/>
+    </dgm:style>
+  </dgm:styleLbl>
+  <dgm:styleLbl name="callout">
+    <dgm:scene3d>
+      <a:camera prst="orthographicFront"/>
+      <a:lightRig rig="threePt" dir="t"/>
+    </dgm:scene3d>
+    <dgm:sp3d/>
+    <dgm:txPr/>
+    <dgm:style>
+      <a:lnRef idx="2">
+        <a:scrgbClr r="0" g="0" b="0"/>
+      </a:lnRef>
+      <a:fillRef idx="1">
+        <a:scrgbClr r="0" g="0" b="0"/>
+      </a:fillRef>
+      <a:effectRef idx="0">
+        <a:scrgbClr r="0" g="0" b="0"/>
+      </a:effectRef>
+      <a:fontRef idx="minor"/>
+    </dgm:style>
+  </dgm:styleLbl>
+  <dgm:styleLbl name="asst0">
+    <dgm:scene3d>
+      <a:camera prst="orthographicFront"/>
+      <a:lightRig rig="threePt" dir="t"/>
+    </dgm:scene3d>
+    <dgm:sp3d/>
+    <dgm:txPr/>
+    <dgm:style>
+      <a:lnRef idx="2">
+        <a:scrgbClr r="0" g="0" b="0"/>
+      </a:lnRef>
+      <a:fillRef idx="1">
+        <a:scrgbClr r="0" g="0" b="0"/>
+      </a:fillRef>
+      <a:effectRef idx="0">
+        <a:scrgbClr r="0" g="0" b="0"/>
+      </a:effectRef>
+      <a:fontRef idx="minor">
+        <a:schemeClr val="lt1"/>
+      </a:fontRef>
+    </dgm:style>
+  </dgm:styleLbl>
+  <dgm:styleLbl name="asst1">
+    <dgm:scene3d>
+      <a:camera prst="orthographicFront"/>
+      <a:lightRig rig="threePt" dir="t"/>
+    </dgm:scene3d>
+    <dgm:sp3d/>
+    <dgm:txPr/>
+    <dgm:style>
+      <a:lnRef idx="2">
+        <a:scrgbClr r="0" g="0" b="0"/>
+      </a:lnRef>
+      <a:fillRef idx="1">
+        <a:scrgbClr r="0" g="0" b="0"/>
+      </a:fillRef>
+      <a:effectRef idx="0">
+        <a:scrgbClr r="0" g="0" b="0"/>
+      </a:effectRef>
+      <a:fontRef idx="minor">
+        <a:schemeClr val="lt1"/>
+      </a:fontRef>
+    </dgm:style>
+  </dgm:styleLbl>
+  <dgm:styleLbl name="asst2">
+    <dgm:scene3d>
+      <a:camera prst="orthographicFront"/>
+      <a:lightRig rig="threePt" dir="t"/>
+    </dgm:scene3d>
+    <dgm:sp3d/>
+    <dgm:txPr/>
+    <dgm:style>
+      <a:lnRef idx="2">
+        <a:scrgbClr r="0" g="0" b="0"/>
+      </a:lnRef>
+      <a:fillRef idx="1">
+        <a:scrgbClr r="0" g="0" b="0"/>
+      </a:fillRef>
+      <a:effectRef idx="0">
+        <a:scrgbClr r="0" g="0" b="0"/>
+      </a:effectRef>
+      <a:fontRef idx="minor">
+        <a:schemeClr val="lt1"/>
+      </a:fontRef>
+    </dgm:style>
+  </dgm:styleLbl>
+  <dgm:styleLbl name="asst3">
+    <dgm:scene3d>
+      <a:camera prst="orthographicFront"/>
+      <a:lightRig rig="threePt" dir="t"/>
+    </dgm:scene3d>
+    <dgm:sp3d/>
+    <dgm:txPr/>
+    <dgm:style>
+      <a:lnRef idx="2">
+        <a:scrgbClr r="0" g="0" b="0"/>
+      </a:lnRef>
+      <a:fillRef idx="1">
+        <a:scrgbClr r="0" g="0" b="0"/>
+      </a:fillRef>
+      <a:effectRef idx="0">
+        <a:scrgbClr r="0" g="0" b="0"/>
+      </a:effectRef>
+      <a:fontRef idx="minor">
+        <a:schemeClr val="lt1"/>
+      </a:fontRef>
+    </dgm:style>
+  </dgm:styleLbl>
+  <dgm:styleLbl name="asst4">
+    <dgm:scene3d>
+      <a:camera prst="orthographicFront"/>
+      <a:lightRig rig="threePt" dir="t"/>
+    </dgm:scene3d>
+    <dgm:sp3d/>
+    <dgm:txPr/>
+    <dgm:style>
+      <a:lnRef idx="2">
+        <a:scrgbClr r="0" g="0" b="0"/>
+      </a:lnRef>
+      <a:fillRef idx="1">
+        <a:scrgbClr r="0" g="0" b="0"/>
+      </a:fillRef>
+      <a:effectRef idx="0">
+        <a:scrgbClr r="0" g="0" b="0"/>
+      </a:effectRef>
+      <a:fontRef idx="minor">
+        <a:schemeClr val="lt1"/>
+      </a:fontRef>
+    </dgm:style>
+  </dgm:styleLbl>
+  <dgm:styleLbl name="parChTrans2D1">
+    <dgm:scene3d>
+      <a:camera prst="orthographicFront"/>
+      <a:lightRig rig="threePt" dir="t"/>
+    </dgm:scene3d>
+    <dgm:sp3d/>
+    <dgm:txPr/>
+    <dgm:style>
+      <a:lnRef idx="2">
+        <a:scrgbClr r="0" g="0" b="0"/>
+      </a:lnRef>
+      <a:fillRef idx="1">
+        <a:scrgbClr r="0" g="0" b="0"/>
+      </a:fillRef>
+      <a:effectRef idx="0">
+        <a:scrgbClr r="0" g="0" b="0"/>
+      </a:effectRef>
+      <a:fontRef idx="minor">
+        <a:schemeClr val="lt1"/>
+      </a:fontRef>
+    </dgm:style>
+  </dgm:styleLbl>
+  <dgm:styleLbl name="parChTrans2D2">
+    <dgm:scene3d>
+      <a:camera prst="orthographicFront"/>
+      <a:lightRig rig="threePt" dir="t"/>
+    </dgm:scene3d>
+    <dgm:sp3d/>
+    <dgm:txPr/>
+    <dgm:style>
+      <a:lnRef idx="2">
+        <a:scrgbClr r="0" g="0" b="0"/>
+      </a:lnRef>
+      <a:fillRef idx="1">
+        <a:scrgbClr r="0" g="0" b="0"/>
+      </a:fillRef>
+      <a:effectRef idx="0">
+        <a:scrgbClr r="0" g="0" b="0"/>
+      </a:effectRef>
+      <a:fontRef idx="minor">
+        <a:schemeClr val="lt1"/>
+      </a:fontRef>
+    </dgm:style>
+  </dgm:styleLbl>
+  <dgm:styleLbl name="parChTrans2D3">
+    <dgm:scene3d>
+      <a:camera prst="orthographicFront"/>
+      <a:lightRig rig="threePt" dir="t"/>
+    </dgm:scene3d>
+    <dgm:sp3d/>
+    <dgm:txPr/>
+    <dgm:style>
+      <a:lnRef idx="2">
+        <a:scrgbClr r="0" g="0" b="0"/>
+      </a:lnRef>
+      <a:fillRef idx="1">
+        <a:scrgbClr r="0" g="0" b="0"/>
+      </a:fillRef>
+      <a:effectRef idx="0">
+        <a:scrgbClr r="0" g="0" b="0"/>
+      </a:effectRef>
+      <a:fontRef idx="minor">
+        <a:schemeClr val="lt1"/>
+      </a:fontRef>
+    </dgm:style>
+  </dgm:styleLbl>
+  <dgm:styleLbl name="parChTrans2D4">
+    <dgm:scene3d>
+      <a:camera prst="orthographicFront"/>
+      <a:lightRig rig="threePt" dir="t"/>
+    </dgm:scene3d>
+    <dgm:sp3d/>
+    <dgm:txPr/>
+    <dgm:style>
+      <a:lnRef idx="2">
+        <a:scrgbClr r="0" g="0" b="0"/>
+      </a:lnRef>
+      <a:fillRef idx="1">
+        <a:scrgbClr r="0" g="0" b="0"/>
+      </a:fillRef>
+      <a:effectRef idx="0">
+        <a:scrgbClr r="0" g="0" b="0"/>
+      </a:effectRef>
+      <a:fontRef idx="minor">
+        <a:schemeClr val="lt1"/>
+      </a:fontRef>
+    </dgm:style>
+  </dgm:styleLbl>
+  <dgm:styleLbl name="parChTrans1D1">
+    <dgm:scene3d>
+      <a:camera prst="orthographicFront"/>
+      <a:lightRig rig="threePt" dir="t"/>
+    </dgm:scene3d>
+    <dgm:sp3d/>
+    <dgm:txPr/>
+    <dgm:style>
+      <a:lnRef idx="2">
+        <a:scrgbClr r="0" g="0" b="0"/>
+      </a:lnRef>
+      <a:fillRef idx="0">
+        <a:scrgbClr r="0" g="0" b="0"/>
+      </a:fillRef>
+      <a:effectRef idx="0">
+        <a:scrgbClr r="0" g="0" b="0"/>
+      </a:effectRef>
+      <a:fontRef idx="minor"/>
+    </dgm:style>
+  </dgm:styleLbl>
+  <dgm:styleLbl name="parChTrans1D2">
+    <dgm:scene3d>
+      <a:camera prst="orthographicFront"/>
+      <a:lightRig rig="threePt" dir="t"/>
+    </dgm:scene3d>
+    <dgm:sp3d/>
+    <dgm:txPr/>
+    <dgm:style>
+      <a:lnRef idx="2">
+        <a:scrgbClr r="0" g="0" b="0"/>
+      </a:lnRef>
+      <a:fillRef idx="0">
+        <a:scrgbClr r="0" g="0" b="0"/>
+      </a:fillRef>
+      <a:effectRef idx="0">
+        <a:scrgbClr r="0" g="0" b="0"/>
+      </a:effectRef>
+      <a:fontRef idx="minor"/>
+    </dgm:style>
+  </dgm:styleLbl>
+  <dgm:styleLbl name="parChTrans1D3">
+    <dgm:scene3d>
+      <a:camera prst="orthographicFront"/>
+      <a:lightRig rig="threePt" dir="t"/>
+    </dgm:scene3d>
+    <dgm:sp3d/>
+    <dgm:txPr/>
+    <dgm:style>
+      <a:lnRef idx="2">
+        <a:scrgbClr r="0" g="0" b="0"/>
+      </a:lnRef>
+      <a:fillRef idx="0">
+        <a:scrgbClr r="0" g="0" b="0"/>
+      </a:fillRef>
+      <a:effectRef idx="0">
+        <a:scrgbClr r="0" g="0" b="0"/>
+      </a:effectRef>
+      <a:fontRef idx="minor"/>
+    </dgm:style>
+  </dgm:styleLbl>
+  <dgm:styleLbl name="parChTrans1D4">
+    <dgm:scene3d>
+      <a:camera prst="orthographicFront"/>
+      <a:lightRig rig="threePt" dir="t"/>
+    </dgm:scene3d>
+    <dgm:sp3d/>
+    <dgm:txPr/>
+    <dgm:style>
+      <a:lnRef idx="2">
+        <a:scrgbClr r="0" g="0" b="0"/>
+      </a:lnRef>
+      <a:fillRef idx="0">
+        <a:scrgbClr r="0" g="0" b="0"/>
+      </a:fillRef>
+      <a:effectRef idx="0">
+        <a:scrgbClr r="0" g="0" b="0"/>
+      </a:effectRef>
+      <a:fontRef idx="minor"/>
+    </dgm:style>
+  </dgm:styleLbl>
+  <dgm:styleLbl name="fgAcc1">
+    <dgm:scene3d>
+      <a:camera prst="orthographicFront"/>
+      <a:lightRig rig="threePt" dir="t"/>
+    </dgm:scene3d>
+    <dgm:sp3d/>
+    <dgm:txPr/>
+    <dgm:style>
+      <a:lnRef idx="2">
+        <a:scrgbClr r="0" g="0" b="0"/>
+      </a:lnRef>
+      <a:fillRef idx="1">
+        <a:scrgbClr r="0" g="0" b="0"/>
+      </a:fillRef>
+      <a:effectRef idx="0">
+        <a:scrgbClr r="0" g="0" b="0"/>
+      </a:effectRef>
+      <a:fontRef idx="minor"/>
+    </dgm:style>
+  </dgm:styleLbl>
+  <dgm:styleLbl name="conFgAcc1">
+    <dgm:scene3d>
+      <a:camera prst="orthographicFront"/>
+      <a:lightRig rig="threePt" dir="t"/>
+    </dgm:scene3d>
+    <dgm:sp3d/>
+    <dgm:txPr/>
+    <dgm:style>
+      <a:lnRef idx="2">
+        <a:scrgbClr r="0" g="0" b="0"/>
+      </a:lnRef>
+      <a:fillRef idx="1">
+        <a:scrgbClr r="0" g="0" b="0"/>
+      </a:fillRef>
+      <a:effectRef idx="0">
+        <a:scrgbClr r="0" g="0" b="0"/>
+      </a:effectRef>
+      <a:fontRef idx="minor"/>
+    </dgm:style>
+  </dgm:styleLbl>
+  <dgm:styleLbl name="alignAcc1">
+    <dgm:scene3d>
+      <a:camera prst="orthographicFront"/>
+      <a:lightRig rig="threePt" dir="t"/>
+    </dgm:scene3d>
+    <dgm:sp3d/>
+    <dgm:txPr/>
+    <dgm:style>
+      <a:lnRef idx="2">
+        <a:scrgbClr r="0" g="0" b="0"/>
+      </a:lnRef>
+      <a:fillRef idx="1">
+        <a:scrgbClr r="0" g="0" b="0"/>
+      </a:fillRef>
+      <a:effectRef idx="0">
+        <a:scrgbClr r="0" g="0" b="0"/>
+      </a:effectRef>
+      <a:fontRef idx="minor"/>
+    </dgm:style>
+  </dgm:styleLbl>
+  <dgm:styleLbl name="trAlignAcc1">
+    <dgm:scene3d>
+      <a:camera prst="orthographicFront"/>
+      <a:lightRig rig="threePt" dir="t"/>
+    </dgm:scene3d>
+    <dgm:sp3d/>
+    <dgm:txPr/>
+    <dgm:style>
+      <a:lnRef idx="1">
+        <a:scrgbClr r="0" g="0" b="0"/>
+      </a:lnRef>
+      <a:fillRef idx="1">
+        <a:scrgbClr r="0" g="0" b="0"/>
+      </a:fillRef>
+      <a:effectRef idx="0">
+        <a:scrgbClr r="0" g="0" b="0"/>
+      </a:effectRef>
+      <a:fontRef idx="minor"/>
+    </dgm:style>
+  </dgm:styleLbl>
+  <dgm:styleLbl name="bgAcc1">
+    <dgm:scene3d>
+      <a:camera prst="orthographicFront"/>
+      <a:lightRig rig="threePt" dir="t"/>
+    </dgm:scene3d>
+    <dgm:sp3d/>
+    <dgm:txPr/>
+    <dgm:style>
+      <a:lnRef idx="2">
+        <a:scrgbClr r="0" g="0" b="0"/>
+      </a:lnRef>
+      <a:fillRef idx="1">
+        <a:scrgbClr r="0" g="0" b="0"/>
+      </a:fillRef>
+      <a:effectRef idx="0">
+        <a:scrgbClr r="0" g="0" b="0"/>
+      </a:effectRef>
+      <a:fontRef idx="minor"/>
+    </dgm:style>
+  </dgm:styleLbl>
+  <dgm:styleLbl name="solidFgAcc1">
+    <dgm:scene3d>
+      <a:camera prst="orthographicFront"/>
+      <a:lightRig rig="threePt" dir="t"/>
+    </dgm:scene3d>
+    <dgm:sp3d/>
+    <dgm:txPr/>
+    <dgm:style>
+      <a:lnRef idx="2">
+        <a:scrgbClr r="0" g="0" b="0"/>
+      </a:lnRef>
+      <a:fillRef idx="1">
+        <a:scrgbClr r="0" g="0" b="0"/>
+      </a:fillRef>
+      <a:effectRef idx="0">
+        <a:scrgbClr r="0" g="0" b="0"/>
+      </a:effectRef>
+      <a:fontRef idx="minor"/>
+    </dgm:style>
+  </dgm:styleLbl>
+  <dgm:styleLbl name="solidAlignAcc1">
+    <dgm:scene3d>
+      <a:camera prst="orthographicFront"/>
+      <a:lightRig rig="threePt" dir="t"/>
+    </dgm:scene3d>
+    <dgm:sp3d/>
+    <dgm:txPr/>
+    <dgm:style>
+      <a:lnRef idx="2">
+        <a:scrgbClr r="0" g="0" b="0"/>
+      </a:lnRef>
+      <a:fillRef idx="1">
+        <a:scrgbClr r="0" g="0" b="0"/>
+      </a:fillRef>
+      <a:effectRef idx="0">
+        <a:scrgbClr r="0" g="0" b="0"/>
+      </a:effectRef>
+      <a:fontRef idx="minor"/>
+    </dgm:style>
+  </dgm:styleLbl>
+  <dgm:styleLbl name="solidBgAcc1">
+    <dgm:scene3d>
+      <a:camera prst="orthographicFront"/>
+      <a:lightRig rig="threePt" dir="t"/>
+    </dgm:scene3d>
+    <dgm:sp3d/>
+    <dgm:txPr/>
+    <dgm:style>
+      <a:lnRef idx="2">
+        <a:scrgbClr r="0" g="0" b="0"/>
+      </a:lnRef>
+      <a:fillRef idx="1">
+        <a:scrgbClr r="0" g="0" b="0"/>
+      </a:fillRef>
+      <a:effectRef idx="0">
+        <a:scrgbClr r="0" g="0" b="0"/>
+      </a:effectRef>
+      <a:fontRef idx="minor"/>
+    </dgm:style>
+  </dgm:styleLbl>
+  <dgm:styleLbl name="fgAccFollowNode1">
+    <dgm:scene3d>
+      <a:camera prst="orthographicFront"/>
+      <a:lightRig rig="threePt" dir="t"/>
+    </dgm:scene3d>
+    <dgm:sp3d/>
+    <dgm:txPr/>
+    <dgm:style>
+      <a:lnRef idx="2">
+        <a:scrgbClr r="0" g="0" b="0"/>
+      </a:lnRef>
+      <a:fillRef idx="1">
+        <a:scrgbClr r="0" g="0" b="0"/>
+      </a:fillRef>
+      <a:effectRef idx="0">
+        <a:scrgbClr r="0" g="0" b="0"/>
+      </a:effectRef>
+      <a:fontRef idx="minor"/>
+    </dgm:style>
+  </dgm:styleLbl>
+  <dgm:styleLbl name="alignAccFollowNode1">
+    <dgm:scene3d>
+      <a:camera prst="orthographicFront"/>
+      <a:lightRig rig="threePt" dir="t"/>
+    </dgm:scene3d>
+    <dgm:sp3d/>
+    <dgm:txPr/>
+    <dgm:style>
+      <a:lnRef idx="2">
+        <a:scrgbClr r="0" g="0" b="0"/>
+      </a:lnRef>
+      <a:fillRef idx="1">
+        <a:scrgbClr r="0" g="0" b="0"/>
+      </a:fillRef>
+      <a:effectRef idx="0">
+        <a:scrgbClr r="0" g="0" b="0"/>
+      </a:effectRef>
+      <a:fontRef idx="minor"/>
+    </dgm:style>
+  </dgm:styleLbl>
+  <dgm:styleLbl name="bgAccFollowNode1">
+    <dgm:scene3d>
+      <a:camera prst="orthographicFront"/>
+      <a:lightRig rig="threePt" dir="t"/>
+    </dgm:scene3d>
+    <dgm:sp3d/>
+    <dgm:txPr/>
+    <dgm:style>
+      <a:lnRef idx="2">
+        <a:scrgbClr r="0" g="0" b="0"/>
+      </a:lnRef>
+      <a:fillRef idx="1">
+        <a:scrgbClr r="0" g="0" b="0"/>
+      </a:fillRef>
+      <a:effectRef idx="0">
+        <a:scrgbClr r="0" g="0" b="0"/>
+      </a:effectRef>
+      <a:fontRef idx="minor"/>
+    </dgm:style>
+  </dgm:styleLbl>
+  <dgm:styleLbl name="fgAcc0">
+    <dgm:scene3d>
+      <a:camera prst="orthographicFront"/>
+      <a:lightRig rig="threePt" dir="t"/>
+    </dgm:scene3d>
+    <dgm:sp3d/>
+    <dgm:txPr/>
+    <dgm:style>
+      <a:lnRef idx="2">
+        <a:scrgbClr r="0" g="0" b="0"/>
+      </a:lnRef>
+      <a:fillRef idx="1">
+        <a:scrgbClr r="0" g="0" b="0"/>
+      </a:fillRef>
+      <a:effectRef idx="0">
+        <a:scrgbClr r="0" g="0" b="0"/>
+      </a:effectRef>
+      <a:fontRef idx="minor"/>
+    </dgm:style>
+  </dgm:styleLbl>
+  <dgm:styleLbl name="fgAcc2">
+    <dgm:scene3d>
+      <a:camera prst="orthographicFront"/>
+      <a:lightRig rig="threePt" dir="t"/>
+    </dgm:scene3d>
+    <dgm:sp3d/>
+    <dgm:txPr/>
+    <dgm:style>
+      <a:lnRef idx="2">
+        <a:scrgbClr r="0" g="0" b="0"/>
+      </a:lnRef>
+      <a:fillRef idx="1">
+        <a:scrgbClr r="0" g="0" b="0"/>
+      </a:fillRef>
+      <a:effectRef idx="0">
+        <a:scrgbClr r="0" g="0" b="0"/>
+      </a:effectRef>
+      <a:fontRef idx="minor"/>
+    </dgm:style>
+  </dgm:styleLbl>
+  <dgm:styleLbl name="fgAcc3">
+    <dgm:scene3d>
+      <a:camera prst="orthographicFront"/>
+      <a:lightRig rig="threePt" dir="t"/>
+    </dgm:scene3d>
+    <dgm:sp3d/>
+    <dgm:txPr/>
+    <dgm:style>
+      <a:lnRef idx="2">
+        <a:scrgbClr r="0" g="0" b="0"/>
+      </a:lnRef>
+      <a:fillRef idx="1">
+        <a:scrgbClr r="0" g="0" b="0"/>
+      </a:fillRef>
+      <a:effectRef idx="0">
+        <a:scrgbClr r="0" g="0" b="0"/>
+      </a:effectRef>
+      <a:fontRef idx="minor"/>
+    </dgm:style>
+  </dgm:styleLbl>
+  <dgm:styleLbl name="fgAcc4">
+    <dgm:scene3d>
+      <a:camera prst="orthographicFront"/>
+      <a:lightRig rig="threePt" dir="t"/>
+    </dgm:scene3d>
+    <dgm:sp3d/>
+    <dgm:txPr/>
+    <dgm:style>
+      <a:lnRef idx="2">
+        <a:scrgbClr r="0" g="0" b="0"/>
+      </a:lnRef>
+      <a:fillRef idx="1">
+        <a:scrgbClr r="0" g="0" b="0"/>
+      </a:fillRef>
+      <a:effectRef idx="0">
+        <a:scrgbClr r="0" g="0" b="0"/>
+      </a:effectRef>
+      <a:fontRef idx="minor"/>
+    </dgm:style>
+  </dgm:styleLbl>
+  <dgm:styleLbl name="bgShp">
+    <dgm:scene3d>
+      <a:camera prst="orthographicFront"/>
+      <a:lightRig rig="threePt" dir="t"/>
+    </dgm:scene3d>
+    <dgm:sp3d/>
+    <dgm:txPr/>
+    <dgm:style>
+      <a:lnRef idx="0">
+        <a:scrgbClr r="0" g="0" b="0"/>
+      </a:lnRef>
+      <a:fillRef idx="1">
+        <a:scrgbClr r="0" g="0" b="0"/>
+      </a:fillRef>
+      <a:effectRef idx="0">
+        <a:scrgbClr r="0" g="0" b="0"/>
+      </a:effectRef>
+      <a:fontRef idx="minor"/>
+    </dgm:style>
+  </dgm:styleLbl>
+  <dgm:styleLbl name="dkBgShp">
+    <dgm:scene3d>
+      <a:camera prst="orthographicFront"/>
+      <a:lightRig rig="threePt" dir="t"/>
+    </dgm:scene3d>
+    <dgm:sp3d/>
+    <dgm:txPr/>
+    <dgm:style>
+      <a:lnRef idx="0">
+        <a:scrgbClr r="0" g="0" b="0"/>
+      </a:lnRef>
+      <a:fillRef idx="1">
+        <a:scrgbClr r="0" g="0" b="0"/>
+      </a:fillRef>
+      <a:effectRef idx="0">
+        <a:scrgbClr r="0" g="0" b="0"/>
+      </a:effectRef>
+      <a:fontRef idx="minor"/>
+    </dgm:style>
+  </dgm:styleLbl>
+  <dgm:styleLbl name="trBgShp">
+    <dgm:scene3d>
+      <a:camera prst="orthographicFront"/>
+      <a:lightRig rig="threePt" dir="t"/>
+    </dgm:scene3d>
+    <dgm:sp3d/>
+    <dgm:txPr/>
+    <dgm:style>
+      <a:lnRef idx="0">
+        <a:scrgbClr r="0" g="0" b="0"/>
+      </a:lnRef>
+      <a:fillRef idx="1">
+        <a:scrgbClr r="0" g="0" b="0"/>
+      </a:fillRef>
+      <a:effectRef idx="0">
+        <a:scrgbClr r="0" g="0" b="0"/>
+      </a:effectRef>
+      <a:fontRef idx="minor"/>
+    </dgm:style>
+  </dgm:styleLbl>
+  <dgm:styleLbl name="fgShp">
+    <dgm:scene3d>
+      <a:camera prst="orthographicFront"/>
+      <a:lightRig rig="threePt" dir="t"/>
+    </dgm:scene3d>
+    <dgm:sp3d/>
+    <dgm:txPr/>
+    <dgm:style>
+      <a:lnRef idx="2">
+        <a:scrgbClr r="0" g="0" b="0"/>
+      </a:lnRef>
+      <a:fillRef idx="1">
+        <a:scrgbClr r="0" g="0" b="0"/>
+      </a:fillRef>
+      <a:effectRef idx="0">
+        <a:scrgbClr r="0" g="0" b="0"/>
+      </a:effectRef>
+      <a:fontRef idx="minor"/>
+    </dgm:style>
+  </dgm:styleLbl>
+  <dgm:styleLbl name="revTx">
+    <dgm:scene3d>
+      <a:camera prst="orthographicFront"/>
+      <a:lightRig rig="threePt" dir="t"/>
+    </dgm:scene3d>
+    <dgm:sp3d/>
+    <dgm:txPr/>
+    <dgm:style>
+      <a:lnRef idx="0">
+        <a:scrgbClr r="0" g="0" b="0"/>
+      </a:lnRef>
+      <a:fillRef idx="0">
+        <a:scrgbClr r="0" g="0" b="0"/>
+      </a:fillRef>
+      <a:effectRef idx="0">
+        <a:scrgbClr r="0" g="0" b="0"/>
+      </a:effectRef>
+      <a:fontRef idx="minor"/>
+    </dgm:style>
+  </dgm:styleLbl>
+</dgm:styleDef>
+</file>
+
+<file path=ppt/diagrams/quickStyle3.xml><?xml version="1.0" encoding="utf-8"?>
 <dgm:styleDef xmlns:dgm="http://schemas.openxmlformats.org/drawingml/2006/diagram" xmlns:a="http://schemas.openxmlformats.org/drawingml/2006/main" uniqueId="urn:microsoft.com/office/officeart/2005/8/quickstyle/simple1">
   <dgm:title val=""/>
   <dgm:desc val=""/>
@@ -13344,7 +17306,7 @@
           <a:p>
             <a:fld id="{E680BD4E-5C2B-49AE-A620-B853E157EDB4}" type="datetimeFigureOut">
               <a:rPr lang="en-US" smtClean="0"/>
-              <a:t>5/3/2023</a:t>
+              <a:t>5/6/2023</a:t>
             </a:fld>
             <a:endParaRPr lang="en-US"/>
           </a:p>
@@ -13542,7 +17504,7 @@
           <a:p>
             <a:fld id="{E680BD4E-5C2B-49AE-A620-B853E157EDB4}" type="datetimeFigureOut">
               <a:rPr lang="en-US" smtClean="0"/>
-              <a:t>5/3/2023</a:t>
+              <a:t>5/6/2023</a:t>
             </a:fld>
             <a:endParaRPr lang="en-US"/>
           </a:p>
@@ -13750,7 +17712,7 @@
           <a:p>
             <a:fld id="{E680BD4E-5C2B-49AE-A620-B853E157EDB4}" type="datetimeFigureOut">
               <a:rPr lang="en-US" smtClean="0"/>
-              <a:t>5/3/2023</a:t>
+              <a:t>5/6/2023</a:t>
             </a:fld>
             <a:endParaRPr lang="en-US"/>
           </a:p>
@@ -13948,7 +17910,7 @@
           <a:p>
             <a:fld id="{E680BD4E-5C2B-49AE-A620-B853E157EDB4}" type="datetimeFigureOut">
               <a:rPr lang="en-US" smtClean="0"/>
-              <a:t>5/3/2023</a:t>
+              <a:t>5/6/2023</a:t>
             </a:fld>
             <a:endParaRPr lang="en-US"/>
           </a:p>
@@ -14223,7 +18185,7 @@
           <a:p>
             <a:fld id="{E680BD4E-5C2B-49AE-A620-B853E157EDB4}" type="datetimeFigureOut">
               <a:rPr lang="en-US" smtClean="0"/>
-              <a:t>5/3/2023</a:t>
+              <a:t>5/6/2023</a:t>
             </a:fld>
             <a:endParaRPr lang="en-US"/>
           </a:p>
@@ -14488,7 +18450,7 @@
           <a:p>
             <a:fld id="{E680BD4E-5C2B-49AE-A620-B853E157EDB4}" type="datetimeFigureOut">
               <a:rPr lang="en-US" smtClean="0"/>
-              <a:t>5/3/2023</a:t>
+              <a:t>5/6/2023</a:t>
             </a:fld>
             <a:endParaRPr lang="en-US"/>
           </a:p>
@@ -14900,7 +18862,7 @@
           <a:p>
             <a:fld id="{E680BD4E-5C2B-49AE-A620-B853E157EDB4}" type="datetimeFigureOut">
               <a:rPr lang="en-US" smtClean="0"/>
-              <a:t>5/3/2023</a:t>
+              <a:t>5/6/2023</a:t>
             </a:fld>
             <a:endParaRPr lang="en-US"/>
           </a:p>
@@ -15041,7 +19003,7 @@
           <a:p>
             <a:fld id="{E680BD4E-5C2B-49AE-A620-B853E157EDB4}" type="datetimeFigureOut">
               <a:rPr lang="en-US" smtClean="0"/>
-              <a:t>5/3/2023</a:t>
+              <a:t>5/6/2023</a:t>
             </a:fld>
             <a:endParaRPr lang="en-US"/>
           </a:p>
@@ -15154,7 +19116,7 @@
           <a:p>
             <a:fld id="{E680BD4E-5C2B-49AE-A620-B853E157EDB4}" type="datetimeFigureOut">
               <a:rPr lang="en-US" smtClean="0"/>
-              <a:t>5/3/2023</a:t>
+              <a:t>5/6/2023</a:t>
             </a:fld>
             <a:endParaRPr lang="en-US"/>
           </a:p>
@@ -15465,7 +19427,7 @@
           <a:p>
             <a:fld id="{E680BD4E-5C2B-49AE-A620-B853E157EDB4}" type="datetimeFigureOut">
               <a:rPr lang="en-US" smtClean="0"/>
-              <a:t>5/3/2023</a:t>
+              <a:t>5/6/2023</a:t>
             </a:fld>
             <a:endParaRPr lang="en-US"/>
           </a:p>
@@ -15753,7 +19715,7 @@
           <a:p>
             <a:fld id="{E680BD4E-5C2B-49AE-A620-B853E157EDB4}" type="datetimeFigureOut">
               <a:rPr lang="en-US" smtClean="0"/>
-              <a:t>5/3/2023</a:t>
+              <a:t>5/6/2023</a:t>
             </a:fld>
             <a:endParaRPr lang="en-US"/>
           </a:p>
@@ -15994,7 +19956,7 @@
           <a:p>
             <a:fld id="{E680BD4E-5C2B-49AE-A620-B853E157EDB4}" type="datetimeFigureOut">
               <a:rPr lang="en-US" smtClean="0"/>
-              <a:t>5/3/2023</a:t>
+              <a:t>5/6/2023</a:t>
             </a:fld>
             <a:endParaRPr lang="en-US"/>
           </a:p>
@@ -22168,6 +26130,64 @@
 </p:sld>
 </file>
 
+<file path=ppt/slides/slide3.xml><?xml version="1.0" encoding="utf-8"?>
+<p:sld xmlns:a="http://schemas.openxmlformats.org/drawingml/2006/main" xmlns:r="http://schemas.openxmlformats.org/officeDocument/2006/relationships" xmlns:p="http://schemas.openxmlformats.org/presentationml/2006/main">
+  <p:cSld>
+    <p:spTree>
+      <p:nvGrpSpPr>
+        <p:cNvPr id="1" name=""/>
+        <p:cNvGrpSpPr/>
+        <p:nvPr/>
+      </p:nvGrpSpPr>
+      <p:grpSpPr>
+        <a:xfrm>
+          <a:off x="0" y="0"/>
+          <a:ext cx="0" cy="0"/>
+          <a:chOff x="0" y="0"/>
+          <a:chExt cx="0" cy="0"/>
+        </a:xfrm>
+      </p:grpSpPr>
+      <p:graphicFrame>
+        <p:nvGraphicFramePr>
+          <p:cNvPr id="3" name="Diagram 2">
+            <a:extLst>
+              <a:ext uri="{FF2B5EF4-FFF2-40B4-BE49-F238E27FC236}">
+                <a16:creationId xmlns:a16="http://schemas.microsoft.com/office/drawing/2014/main" id="{F37597E3-87D7-69A6-6A63-3FB043760B31}"/>
+              </a:ext>
+            </a:extLst>
+          </p:cNvPr>
+          <p:cNvGraphicFramePr/>
+          <p:nvPr>
+            <p:extLst>
+              <p:ext uri="{D42A27DB-BD31-4B8C-83A1-F6EECF244321}">
+                <p14:modId xmlns:p14="http://schemas.microsoft.com/office/powerpoint/2010/main" val="3378724300"/>
+              </p:ext>
+            </p:extLst>
+          </p:nvPr>
+        </p:nvGraphicFramePr>
+        <p:xfrm>
+          <a:off x="2032000" y="476466"/>
+          <a:ext cx="8128000" cy="5905068"/>
+        </p:xfrm>
+        <a:graphic>
+          <a:graphicData uri="http://schemas.openxmlformats.org/drawingml/2006/diagram">
+            <dgm:relIds xmlns:dgm="http://schemas.openxmlformats.org/drawingml/2006/diagram" xmlns:r="http://schemas.openxmlformats.org/officeDocument/2006/relationships" r:dm="rId2" r:lo="rId3" r:qs="rId4" r:cs="rId5"/>
+          </a:graphicData>
+        </a:graphic>
+      </p:graphicFrame>
+    </p:spTree>
+    <p:extLst>
+      <p:ext uri="{BB962C8B-B14F-4D97-AF65-F5344CB8AC3E}">
+        <p14:creationId xmlns:p14="http://schemas.microsoft.com/office/powerpoint/2010/main" val="735861440"/>
+      </p:ext>
+    </p:extLst>
+  </p:cSld>
+  <p:clrMapOvr>
+    <a:masterClrMapping/>
+  </p:clrMapOvr>
+</p:sld>
+</file>
+
 <file path=ppt/theme/theme1.xml><?xml version="1.0" encoding="utf-8"?>
 <a:theme xmlns:a="http://schemas.openxmlformats.org/drawingml/2006/main" name="Office Theme">
   <a:themeElements>

--- a/doc/testbench.pptx
+++ b/doc/testbench.pptx
@@ -2645,7 +2645,7 @@
         <a:p>
           <a:r>
             <a:rPr lang="en-US" dirty="0" err="1"/>
-            <a:t>axi_if</a:t>
+            <a:t>axi_interface</a:t>
           </a:r>
           <a:endParaRPr lang="en-US" dirty="0"/>
         </a:p>
@@ -2719,7 +2719,7 @@
         <a:p>
           <a:r>
             <a:rPr lang="en-US" dirty="0" err="1"/>
-            <a:t>Axi_seqr</a:t>
+            <a:t>Axi_sequencer</a:t>
           </a:r>
           <a:endParaRPr lang="en-US" dirty="0"/>
         </a:p>
@@ -3159,7 +3159,7 @@
         <a:p>
           <a:r>
             <a:rPr lang="en-US" dirty="0" err="1"/>
-            <a:t>Axi_agent_pkg</a:t>
+            <a:t>Axi_pkg</a:t>
           </a:r>
           <a:endParaRPr lang="en-US" dirty="0"/>
         </a:p>
@@ -3307,7 +3307,7 @@
         <a:p>
           <a:r>
             <a:rPr lang="en-US" dirty="0" err="1"/>
-            <a:t>Axi_agent_cfg</a:t>
+            <a:t>Axi_config</a:t>
           </a:r>
           <a:endParaRPr lang="en-US" dirty="0"/>
         </a:p>
@@ -3583,7 +3583,7 @@
       <dgm:spPr/>
     </dgm:pt>
     <dgm:pt modelId="{1D623103-245F-47F6-94AB-DB2D529932C9}" type="pres">
-      <dgm:prSet presAssocID="{BCF3CFAF-ABBA-433B-9B42-131319322AC3}" presName="ParentSmallAccent" presStyleLbl="fgAcc1" presStyleIdx="1" presStyleCnt="4"/>
+      <dgm:prSet presAssocID="{BCF3CFAF-ABBA-433B-9B42-131319322AC3}" presName="ParentSmallAccent" presStyleLbl="fgAcc1" presStyleIdx="1" presStyleCnt="4" custLinFactNeighborY="9034"/>
       <dgm:spPr/>
     </dgm:pt>
     <dgm:pt modelId="{ED4361C4-209F-4CE5-9DF5-B58A514FAEAD}" type="pres">
@@ -3615,7 +3615,7 @@
       <dgm:spPr/>
     </dgm:pt>
     <dgm:pt modelId="{03010654-C740-4DAA-AAC8-F25FCE3D16EC}" type="pres">
-      <dgm:prSet presAssocID="{B36D8DDF-15CF-421D-B6CF-A1130E9D7293}" presName="ChildAccent" presStyleLbl="solidFgAcc1" presStyleIdx="6" presStyleCnt="23"/>
+      <dgm:prSet presAssocID="{B36D8DDF-15CF-421D-B6CF-A1130E9D7293}" presName="ChildAccent" presStyleLbl="solidFgAcc1" presStyleIdx="6" presStyleCnt="23" custLinFactNeighborY="-1507"/>
       <dgm:spPr/>
     </dgm:pt>
     <dgm:pt modelId="{006F882C-EED2-4FCC-848F-7A5330513B0B}" type="pres">
@@ -7330,7 +7330,7 @@
       </dsp:nvSpPr>
       <dsp:spPr>
         <a:xfrm>
-          <a:off x="3293573" y="589764"/>
+          <a:off x="3293573" y="605082"/>
           <a:ext cx="169556" cy="169556"/>
         </a:xfrm>
         <a:prstGeom prst="rect">
@@ -7440,7 +7440,7 @@
       </dsp:nvSpPr>
       <dsp:spPr>
         <a:xfrm>
-          <a:off x="3293573" y="984995"/>
+          <a:off x="3293573" y="982440"/>
           <a:ext cx="169552" cy="169552"/>
         </a:xfrm>
         <a:prstGeom prst="rect">
@@ -7532,7 +7532,7 @@
           </a:pPr>
           <a:r>
             <a:rPr lang="en-US" sz="1400" kern="1200" dirty="0" err="1"/>
-            <a:t>Axi_agent_cfg</a:t>
+            <a:t>Axi_config</a:t>
           </a:r>
           <a:endParaRPr lang="en-US" sz="1400" kern="1200" dirty="0"/>
         </a:p>
@@ -7859,7 +7859,7 @@
           </a:pPr>
           <a:r>
             <a:rPr lang="en-US" sz="1400" kern="1200" dirty="0" err="1"/>
-            <a:t>axi_if</a:t>
+            <a:t>axi_interface</a:t>
           </a:r>
           <a:endParaRPr lang="en-US" sz="1400" kern="1200" dirty="0"/>
         </a:p>
@@ -7968,7 +7968,7 @@
           </a:pPr>
           <a:r>
             <a:rPr lang="en-US" sz="1400" kern="1200" dirty="0" err="1"/>
-            <a:t>Axi_seqr</a:t>
+            <a:t>Axi_sequencer</a:t>
           </a:r>
           <a:endParaRPr lang="en-US" sz="1400" kern="1200" dirty="0"/>
         </a:p>
@@ -8077,7 +8077,7 @@
           </a:pPr>
           <a:r>
             <a:rPr lang="en-US" sz="1400" kern="1200" dirty="0" err="1"/>
-            <a:t>Axi_agent_pkg</a:t>
+            <a:t>Axi_pkg</a:t>
           </a:r>
           <a:endParaRPr lang="en-US" sz="1400" kern="1200" dirty="0"/>
         </a:p>
@@ -17306,7 +17306,7 @@
           <a:p>
             <a:fld id="{E680BD4E-5C2B-49AE-A620-B853E157EDB4}" type="datetimeFigureOut">
               <a:rPr lang="en-US" smtClean="0"/>
-              <a:t>5/6/2023</a:t>
+              <a:t>5/9/2023</a:t>
             </a:fld>
             <a:endParaRPr lang="en-US"/>
           </a:p>
@@ -17504,7 +17504,7 @@
           <a:p>
             <a:fld id="{E680BD4E-5C2B-49AE-A620-B853E157EDB4}" type="datetimeFigureOut">
               <a:rPr lang="en-US" smtClean="0"/>
-              <a:t>5/6/2023</a:t>
+              <a:t>5/9/2023</a:t>
             </a:fld>
             <a:endParaRPr lang="en-US"/>
           </a:p>
@@ -17712,7 +17712,7 @@
           <a:p>
             <a:fld id="{E680BD4E-5C2B-49AE-A620-B853E157EDB4}" type="datetimeFigureOut">
               <a:rPr lang="en-US" smtClean="0"/>
-              <a:t>5/6/2023</a:t>
+              <a:t>5/9/2023</a:t>
             </a:fld>
             <a:endParaRPr lang="en-US"/>
           </a:p>
@@ -17910,7 +17910,7 @@
           <a:p>
             <a:fld id="{E680BD4E-5C2B-49AE-A620-B853E157EDB4}" type="datetimeFigureOut">
               <a:rPr lang="en-US" smtClean="0"/>
-              <a:t>5/6/2023</a:t>
+              <a:t>5/9/2023</a:t>
             </a:fld>
             <a:endParaRPr lang="en-US"/>
           </a:p>
@@ -18185,7 +18185,7 @@
           <a:p>
             <a:fld id="{E680BD4E-5C2B-49AE-A620-B853E157EDB4}" type="datetimeFigureOut">
               <a:rPr lang="en-US" smtClean="0"/>
-              <a:t>5/6/2023</a:t>
+              <a:t>5/9/2023</a:t>
             </a:fld>
             <a:endParaRPr lang="en-US"/>
           </a:p>
@@ -18450,7 +18450,7 @@
           <a:p>
             <a:fld id="{E680BD4E-5C2B-49AE-A620-B853E157EDB4}" type="datetimeFigureOut">
               <a:rPr lang="en-US" smtClean="0"/>
-              <a:t>5/6/2023</a:t>
+              <a:t>5/9/2023</a:t>
             </a:fld>
             <a:endParaRPr lang="en-US"/>
           </a:p>
@@ -18862,7 +18862,7 @@
           <a:p>
             <a:fld id="{E680BD4E-5C2B-49AE-A620-B853E157EDB4}" type="datetimeFigureOut">
               <a:rPr lang="en-US" smtClean="0"/>
-              <a:t>5/6/2023</a:t>
+              <a:t>5/9/2023</a:t>
             </a:fld>
             <a:endParaRPr lang="en-US"/>
           </a:p>
@@ -19003,7 +19003,7 @@
           <a:p>
             <a:fld id="{E680BD4E-5C2B-49AE-A620-B853E157EDB4}" type="datetimeFigureOut">
               <a:rPr lang="en-US" smtClean="0"/>
-              <a:t>5/6/2023</a:t>
+              <a:t>5/9/2023</a:t>
             </a:fld>
             <a:endParaRPr lang="en-US"/>
           </a:p>
@@ -19116,7 +19116,7 @@
           <a:p>
             <a:fld id="{E680BD4E-5C2B-49AE-A620-B853E157EDB4}" type="datetimeFigureOut">
               <a:rPr lang="en-US" smtClean="0"/>
-              <a:t>5/6/2023</a:t>
+              <a:t>5/9/2023</a:t>
             </a:fld>
             <a:endParaRPr lang="en-US"/>
           </a:p>
@@ -19427,7 +19427,7 @@
           <a:p>
             <a:fld id="{E680BD4E-5C2B-49AE-A620-B853E157EDB4}" type="datetimeFigureOut">
               <a:rPr lang="en-US" smtClean="0"/>
-              <a:t>5/6/2023</a:t>
+              <a:t>5/9/2023</a:t>
             </a:fld>
             <a:endParaRPr lang="en-US"/>
           </a:p>
@@ -19715,7 +19715,7 @@
           <a:p>
             <a:fld id="{E680BD4E-5C2B-49AE-A620-B853E157EDB4}" type="datetimeFigureOut">
               <a:rPr lang="en-US" smtClean="0"/>
-              <a:t>5/6/2023</a:t>
+              <a:t>5/9/2023</a:t>
             </a:fld>
             <a:endParaRPr lang="en-US"/>
           </a:p>
@@ -19956,7 +19956,7 @@
           <a:p>
             <a:fld id="{E680BD4E-5C2B-49AE-A620-B853E157EDB4}" type="datetimeFigureOut">
               <a:rPr lang="en-US" smtClean="0"/>
-              <a:t>5/6/2023</a:t>
+              <a:t>5/9/2023</a:t>
             </a:fld>
             <a:endParaRPr lang="en-US"/>
           </a:p>
@@ -24826,7 +24826,7 @@
           <p:nvPr>
             <p:extLst>
               <p:ext uri="{D42A27DB-BD31-4B8C-83A1-F6EECF244321}">
-                <p14:modId xmlns:p14="http://schemas.microsoft.com/office/powerpoint/2010/main" val="1214225802"/>
+                <p14:modId xmlns:p14="http://schemas.microsoft.com/office/powerpoint/2010/main" val="1208567640"/>
               </p:ext>
             </p:extLst>
           </p:nvPr>
@@ -25680,7 +25680,7 @@
         </p:blipFill>
         <p:spPr>
           <a:xfrm>
-            <a:off x="1475104" y="1459148"/>
+            <a:off x="1471928" y="1459121"/>
             <a:ext cx="274320" cy="274320"/>
           </a:xfrm>
           <a:prstGeom prst="rect">
@@ -26117,6 +26117,318 @@
           </a:prstGeom>
         </p:spPr>
       </p:pic>
+      <p:pic>
+        <p:nvPicPr>
+          <p:cNvPr id="4" name="Graphic 3" descr="Checkmark">
+            <a:extLst>
+              <a:ext uri="{FF2B5EF4-FFF2-40B4-BE49-F238E27FC236}">
+                <a16:creationId xmlns:a16="http://schemas.microsoft.com/office/drawing/2014/main" id="{471A9038-01BB-3290-3A29-71A13F2D64DD}"/>
+              </a:ext>
+            </a:extLst>
+          </p:cNvPr>
+          <p:cNvPicPr>
+            <a:picLocks noChangeAspect="1"/>
+          </p:cNvPicPr>
+          <p:nvPr/>
+        </p:nvPicPr>
+        <p:blipFill>
+          <a:blip r:embed="rId12">
+            <a:extLst>
+              <a:ext uri="{28A0092B-C50C-407E-A947-70E740481C1C}">
+                <a14:useLocalDpi xmlns:a14="http://schemas.microsoft.com/office/drawing/2010/main" val="0"/>
+              </a:ext>
+              <a:ext uri="{96DAC541-7B7A-43D3-8B79-37D633B846F1}">
+                <asvg:svgBlip xmlns:asvg="http://schemas.microsoft.com/office/drawing/2016/SVG/main" r:embed="rId13"/>
+              </a:ext>
+            </a:extLst>
+          </a:blip>
+          <a:stretch>
+            <a:fillRect/>
+          </a:stretch>
+        </p:blipFill>
+        <p:spPr>
+          <a:xfrm>
+            <a:off x="3905456" y="663712"/>
+            <a:ext cx="274320" cy="274320"/>
+          </a:xfrm>
+          <a:prstGeom prst="rect">
+            <a:avLst/>
+          </a:prstGeom>
+        </p:spPr>
+      </p:pic>
+      <p:pic>
+        <p:nvPicPr>
+          <p:cNvPr id="5" name="Graphic 4" descr="Checkmark">
+            <a:extLst>
+              <a:ext uri="{FF2B5EF4-FFF2-40B4-BE49-F238E27FC236}">
+                <a16:creationId xmlns:a16="http://schemas.microsoft.com/office/drawing/2014/main" id="{86F35A15-661C-DB02-D006-E570DDC8CCF6}"/>
+              </a:ext>
+            </a:extLst>
+          </p:cNvPr>
+          <p:cNvPicPr>
+            <a:picLocks noChangeAspect="1"/>
+          </p:cNvPicPr>
+          <p:nvPr/>
+        </p:nvPicPr>
+        <p:blipFill>
+          <a:blip r:embed="rId12">
+            <a:extLst>
+              <a:ext uri="{28A0092B-C50C-407E-A947-70E740481C1C}">
+                <a14:useLocalDpi xmlns:a14="http://schemas.microsoft.com/office/drawing/2010/main" val="0"/>
+              </a:ext>
+              <a:ext uri="{96DAC541-7B7A-43D3-8B79-37D633B846F1}">
+                <asvg:svgBlip xmlns:asvg="http://schemas.microsoft.com/office/drawing/2016/SVG/main" r:embed="rId13"/>
+              </a:ext>
+            </a:extLst>
+          </a:blip>
+          <a:stretch>
+            <a:fillRect/>
+          </a:stretch>
+        </p:blipFill>
+        <p:spPr>
+          <a:xfrm>
+            <a:off x="3905456" y="1045777"/>
+            <a:ext cx="274320" cy="274320"/>
+          </a:xfrm>
+          <a:prstGeom prst="rect">
+            <a:avLst/>
+          </a:prstGeom>
+        </p:spPr>
+      </p:pic>
+      <p:pic>
+        <p:nvPicPr>
+          <p:cNvPr id="6" name="Graphic 5" descr="Checkmark">
+            <a:extLst>
+              <a:ext uri="{FF2B5EF4-FFF2-40B4-BE49-F238E27FC236}">
+                <a16:creationId xmlns:a16="http://schemas.microsoft.com/office/drawing/2014/main" id="{BF6F95EA-0FD1-A3F7-5B00-BC8820AACAC5}"/>
+              </a:ext>
+            </a:extLst>
+          </p:cNvPr>
+          <p:cNvPicPr>
+            <a:picLocks noChangeAspect="1"/>
+          </p:cNvPicPr>
+          <p:nvPr/>
+        </p:nvPicPr>
+        <p:blipFill>
+          <a:blip r:embed="rId12">
+            <a:extLst>
+              <a:ext uri="{28A0092B-C50C-407E-A947-70E740481C1C}">
+                <a14:useLocalDpi xmlns:a14="http://schemas.microsoft.com/office/drawing/2010/main" val="0"/>
+              </a:ext>
+              <a:ext uri="{96DAC541-7B7A-43D3-8B79-37D633B846F1}">
+                <asvg:svgBlip xmlns:asvg="http://schemas.microsoft.com/office/drawing/2016/SVG/main" r:embed="rId13"/>
+              </a:ext>
+            </a:extLst>
+          </a:blip>
+          <a:stretch>
+            <a:fillRect/>
+          </a:stretch>
+        </p:blipFill>
+        <p:spPr>
+          <a:xfrm>
+            <a:off x="3905456" y="1443857"/>
+            <a:ext cx="274320" cy="274320"/>
+          </a:xfrm>
+          <a:prstGeom prst="rect">
+            <a:avLst/>
+          </a:prstGeom>
+        </p:spPr>
+      </p:pic>
+      <p:pic>
+        <p:nvPicPr>
+          <p:cNvPr id="7" name="Graphic 6" descr="Checkmark">
+            <a:extLst>
+              <a:ext uri="{FF2B5EF4-FFF2-40B4-BE49-F238E27FC236}">
+                <a16:creationId xmlns:a16="http://schemas.microsoft.com/office/drawing/2014/main" id="{270F753E-3F4D-EC06-BF06-26B290059D99}"/>
+              </a:ext>
+            </a:extLst>
+          </p:cNvPr>
+          <p:cNvPicPr>
+            <a:picLocks noChangeAspect="1"/>
+          </p:cNvPicPr>
+          <p:nvPr/>
+        </p:nvPicPr>
+        <p:blipFill>
+          <a:blip r:embed="rId12">
+            <a:extLst>
+              <a:ext uri="{28A0092B-C50C-407E-A947-70E740481C1C}">
+                <a14:useLocalDpi xmlns:a14="http://schemas.microsoft.com/office/drawing/2010/main" val="0"/>
+              </a:ext>
+              <a:ext uri="{96DAC541-7B7A-43D3-8B79-37D633B846F1}">
+                <asvg:svgBlip xmlns:asvg="http://schemas.microsoft.com/office/drawing/2016/SVG/main" r:embed="rId13"/>
+              </a:ext>
+            </a:extLst>
+          </a:blip>
+          <a:stretch>
+            <a:fillRect/>
+          </a:stretch>
+        </p:blipFill>
+        <p:spPr>
+          <a:xfrm>
+            <a:off x="3905456" y="1837232"/>
+            <a:ext cx="274320" cy="274320"/>
+          </a:xfrm>
+          <a:prstGeom prst="rect">
+            <a:avLst/>
+          </a:prstGeom>
+        </p:spPr>
+      </p:pic>
+      <p:pic>
+        <p:nvPicPr>
+          <p:cNvPr id="8" name="Graphic 7" descr="Checkmark">
+            <a:extLst>
+              <a:ext uri="{FF2B5EF4-FFF2-40B4-BE49-F238E27FC236}">
+                <a16:creationId xmlns:a16="http://schemas.microsoft.com/office/drawing/2014/main" id="{F0DD2F48-B924-803D-DE6B-E6493B509EA8}"/>
+              </a:ext>
+            </a:extLst>
+          </p:cNvPr>
+          <p:cNvPicPr>
+            <a:picLocks noChangeAspect="1"/>
+          </p:cNvPicPr>
+          <p:nvPr/>
+        </p:nvPicPr>
+        <p:blipFill>
+          <a:blip r:embed="rId12">
+            <a:extLst>
+              <a:ext uri="{28A0092B-C50C-407E-A947-70E740481C1C}">
+                <a14:useLocalDpi xmlns:a14="http://schemas.microsoft.com/office/drawing/2010/main" val="0"/>
+              </a:ext>
+              <a:ext uri="{96DAC541-7B7A-43D3-8B79-37D633B846F1}">
+                <asvg:svgBlip xmlns:asvg="http://schemas.microsoft.com/office/drawing/2016/SVG/main" r:embed="rId13"/>
+              </a:ext>
+            </a:extLst>
+          </a:blip>
+          <a:stretch>
+            <a:fillRect/>
+          </a:stretch>
+        </p:blipFill>
+        <p:spPr>
+          <a:xfrm>
+            <a:off x="3899180" y="2230816"/>
+            <a:ext cx="274320" cy="274320"/>
+          </a:xfrm>
+          <a:prstGeom prst="rect">
+            <a:avLst/>
+          </a:prstGeom>
+        </p:spPr>
+      </p:pic>
+      <p:pic>
+        <p:nvPicPr>
+          <p:cNvPr id="9" name="Graphic 8" descr="Checkmark">
+            <a:extLst>
+              <a:ext uri="{FF2B5EF4-FFF2-40B4-BE49-F238E27FC236}">
+                <a16:creationId xmlns:a16="http://schemas.microsoft.com/office/drawing/2014/main" id="{BF8696BC-74FF-4990-CA1D-76BE2BF51AD5}"/>
+              </a:ext>
+            </a:extLst>
+          </p:cNvPr>
+          <p:cNvPicPr>
+            <a:picLocks noChangeAspect="1"/>
+          </p:cNvPicPr>
+          <p:nvPr/>
+        </p:nvPicPr>
+        <p:blipFill>
+          <a:blip r:embed="rId12">
+            <a:extLst>
+              <a:ext uri="{28A0092B-C50C-407E-A947-70E740481C1C}">
+                <a14:useLocalDpi xmlns:a14="http://schemas.microsoft.com/office/drawing/2010/main" val="0"/>
+              </a:ext>
+              <a:ext uri="{96DAC541-7B7A-43D3-8B79-37D633B846F1}">
+                <asvg:svgBlip xmlns:asvg="http://schemas.microsoft.com/office/drawing/2016/SVG/main" r:embed="rId13"/>
+              </a:ext>
+            </a:extLst>
+          </a:blip>
+          <a:stretch>
+            <a:fillRect/>
+          </a:stretch>
+        </p:blipFill>
+        <p:spPr>
+          <a:xfrm>
+            <a:off x="3905456" y="2612207"/>
+            <a:ext cx="274320" cy="274320"/>
+          </a:xfrm>
+          <a:prstGeom prst="rect">
+            <a:avLst/>
+          </a:prstGeom>
+        </p:spPr>
+      </p:pic>
+      <p:pic>
+        <p:nvPicPr>
+          <p:cNvPr id="10" name="Graphic 9" descr="Checkmark">
+            <a:extLst>
+              <a:ext uri="{FF2B5EF4-FFF2-40B4-BE49-F238E27FC236}">
+                <a16:creationId xmlns:a16="http://schemas.microsoft.com/office/drawing/2014/main" id="{8F2B5C10-4B38-4CF1-D2F8-0EC3A8F8797E}"/>
+              </a:ext>
+            </a:extLst>
+          </p:cNvPr>
+          <p:cNvPicPr>
+            <a:picLocks noChangeAspect="1"/>
+          </p:cNvPicPr>
+          <p:nvPr/>
+        </p:nvPicPr>
+        <p:blipFill>
+          <a:blip r:embed="rId12">
+            <a:extLst>
+              <a:ext uri="{28A0092B-C50C-407E-A947-70E740481C1C}">
+                <a14:useLocalDpi xmlns:a14="http://schemas.microsoft.com/office/drawing/2010/main" val="0"/>
+              </a:ext>
+              <a:ext uri="{96DAC541-7B7A-43D3-8B79-37D633B846F1}">
+                <asvg:svgBlip xmlns:asvg="http://schemas.microsoft.com/office/drawing/2016/SVG/main" r:embed="rId13"/>
+              </a:ext>
+            </a:extLst>
+          </a:blip>
+          <a:stretch>
+            <a:fillRect/>
+          </a:stretch>
+        </p:blipFill>
+        <p:spPr>
+          <a:xfrm>
+            <a:off x="3905456" y="3017775"/>
+            <a:ext cx="274320" cy="274320"/>
+          </a:xfrm>
+          <a:prstGeom prst="rect">
+            <a:avLst/>
+          </a:prstGeom>
+        </p:spPr>
+      </p:pic>
+      <p:pic>
+        <p:nvPicPr>
+          <p:cNvPr id="11" name="Graphic 10" descr="Checkmark">
+            <a:extLst>
+              <a:ext uri="{FF2B5EF4-FFF2-40B4-BE49-F238E27FC236}">
+                <a16:creationId xmlns:a16="http://schemas.microsoft.com/office/drawing/2014/main" id="{AC428757-A3C1-FF41-2B35-6B0BAFD2B7C2}"/>
+              </a:ext>
+            </a:extLst>
+          </p:cNvPr>
+          <p:cNvPicPr>
+            <a:picLocks noChangeAspect="1"/>
+          </p:cNvPicPr>
+          <p:nvPr/>
+        </p:nvPicPr>
+        <p:blipFill>
+          <a:blip r:embed="rId12">
+            <a:extLst>
+              <a:ext uri="{28A0092B-C50C-407E-A947-70E740481C1C}">
+                <a14:useLocalDpi xmlns:a14="http://schemas.microsoft.com/office/drawing/2010/main" val="0"/>
+              </a:ext>
+              <a:ext uri="{96DAC541-7B7A-43D3-8B79-37D633B846F1}">
+                <asvg:svgBlip xmlns:asvg="http://schemas.microsoft.com/office/drawing/2016/SVG/main" r:embed="rId13"/>
+              </a:ext>
+            </a:extLst>
+          </a:blip>
+          <a:stretch>
+            <a:fillRect/>
+          </a:stretch>
+        </p:blipFill>
+        <p:spPr>
+          <a:xfrm>
+            <a:off x="6334220" y="6262621"/>
+            <a:ext cx="274320" cy="274320"/>
+          </a:xfrm>
+          <a:prstGeom prst="rect">
+            <a:avLst/>
+          </a:prstGeom>
+        </p:spPr>
+      </p:pic>
     </p:spTree>
     <p:extLst>
       <p:ext uri="{BB962C8B-B14F-4D97-AF65-F5344CB8AC3E}">
